--- a/lecture_12/12_Parameter_Confidence_Intervals_With_Bootstrapping.pptx
+++ b/lecture_12/12_Parameter_Confidence_Intervals_With_Bootstrapping.pptx
@@ -5,27 +5,21 @@
     <p:sldMasterId id="2147483648" r:id="rId1"/>
   </p:sldMasterIdLst>
   <p:notesMasterIdLst>
-    <p:notesMasterId r:id="rId17"/>
+    <p:notesMasterId r:id="rId11"/>
   </p:notesMasterIdLst>
   <p:handoutMasterIdLst>
-    <p:handoutMasterId r:id="rId18"/>
+    <p:handoutMasterId r:id="rId12"/>
   </p:handoutMasterIdLst>
   <p:sldIdLst>
     <p:sldId id="347" r:id="rId2"/>
-    <p:sldId id="363" r:id="rId3"/>
-    <p:sldId id="265" r:id="rId4"/>
-    <p:sldId id="370" r:id="rId5"/>
-    <p:sldId id="385" r:id="rId6"/>
-    <p:sldId id="258" r:id="rId7"/>
-    <p:sldId id="387" r:id="rId8"/>
-    <p:sldId id="388" r:id="rId9"/>
-    <p:sldId id="389" r:id="rId10"/>
-    <p:sldId id="390" r:id="rId11"/>
-    <p:sldId id="391" r:id="rId12"/>
-    <p:sldId id="382" r:id="rId13"/>
-    <p:sldId id="366" r:id="rId14"/>
-    <p:sldId id="367" r:id="rId15"/>
-    <p:sldId id="386" r:id="rId16"/>
+    <p:sldId id="265" r:id="rId3"/>
+    <p:sldId id="370" r:id="rId4"/>
+    <p:sldId id="385" r:id="rId5"/>
+    <p:sldId id="258" r:id="rId6"/>
+    <p:sldId id="387" r:id="rId7"/>
+    <p:sldId id="388" r:id="rId8"/>
+    <p:sldId id="389" r:id="rId9"/>
+    <p:sldId id="390" r:id="rId10"/>
   </p:sldIdLst>
   <p:sldSz cx="9144000" cy="6858000" type="screen4x3"/>
   <p:notesSz cx="6858000" cy="9144000"/>
@@ -160,7 +154,6 @@
         <p14:section name="Default Section" id="{757542DE-3A9F-ED4D-B4EC-693CDE303B5B}">
           <p14:sldIdLst>
             <p14:sldId id="347"/>
-            <p14:sldId id="363"/>
             <p14:sldId id="265"/>
             <p14:sldId id="370"/>
             <p14:sldId id="385"/>
@@ -169,11 +162,6 @@
             <p14:sldId id="388"/>
             <p14:sldId id="389"/>
             <p14:sldId id="390"/>
-            <p14:sldId id="391"/>
-            <p14:sldId id="382"/>
-            <p14:sldId id="366"/>
-            <p14:sldId id="367"/>
-            <p14:sldId id="386"/>
           </p14:sldIdLst>
         </p14:section>
       </p14:sectionLst>
@@ -311,7 +299,7 @@
               <a:pPr>
                 <a:defRPr/>
               </a:pPr>
-              <a:t>10/23/19</a:t>
+              <a:t>1/14/21</a:t>
             </a:fld>
             <a:endParaRPr lang="en-US" altLang="x-none"/>
           </a:p>
@@ -520,7 +508,7 @@
               <a:pPr>
                 <a:defRPr/>
               </a:pPr>
-              <a:t>10/23/19</a:t>
+              <a:t>1/14/21</a:t>
             </a:fld>
             <a:endParaRPr lang="en-US" altLang="x-none"/>
           </a:p>
@@ -4958,7 +4946,7 @@
               <a:rPr lang="en-US" altLang="en-US" sz="2800" b="1" u="sng" dirty="0">
                 <a:ea typeface="ＭＳ Ｐゴシック" panose="020B0600070205080204" pitchFamily="34" charset="-128"/>
               </a:rPr>
-              <a:t>Lecture 11: Estimating Parameter Confidence Intervals </a:t>
+              <a:t>Lecture 12: Estimating Parameter Confidence Intervals </a:t>
             </a:r>
             <a:br>
               <a:rPr lang="en-US" altLang="en-US" sz="2800" b="1" u="sng" dirty="0">
@@ -5089,3360 +5077,7 @@
 </p:sld>
 </file>
 
-<file path=ppt/slides/slide10.xml><?xml version="1.0" encoding="utf-8"?>
-<p:sld xmlns:a="http://schemas.openxmlformats.org/drawingml/2006/main" xmlns:r="http://schemas.openxmlformats.org/officeDocument/2006/relationships" xmlns:p="http://schemas.openxmlformats.org/presentationml/2006/main">
-  <p:cSld>
-    <p:spTree>
-      <p:nvGrpSpPr>
-        <p:cNvPr id="1" name=""/>
-        <p:cNvGrpSpPr/>
-        <p:nvPr/>
-      </p:nvGrpSpPr>
-      <p:grpSpPr>
-        <a:xfrm>
-          <a:off x="0" y="0"/>
-          <a:ext cx="0" cy="0"/>
-          <a:chOff x="0" y="0"/>
-          <a:chExt cx="0" cy="0"/>
-        </a:xfrm>
-      </p:grpSpPr>
-      <p:sp>
-        <p:nvSpPr>
-          <p:cNvPr id="2" name="Title 1">
-            <a:extLst>
-              <a:ext uri="{FF2B5EF4-FFF2-40B4-BE49-F238E27FC236}">
-                <a16:creationId xmlns:a16="http://schemas.microsoft.com/office/drawing/2014/main" id="{3F8F87E8-F973-3A48-A183-96F0506BF15A}"/>
-              </a:ext>
-            </a:extLst>
-          </p:cNvPr>
-          <p:cNvSpPr>
-            <a:spLocks noGrp="1"/>
-          </p:cNvSpPr>
-          <p:nvPr>
-            <p:ph type="title"/>
-          </p:nvPr>
-        </p:nvSpPr>
-        <p:spPr/>
-        <p:txBody>
-          <a:bodyPr/>
-          <a:lstStyle/>
-          <a:p>
-            <a:r>
-              <a:rPr lang="en-US" dirty="0"/>
-              <a:t>Confidence Interval Calculation</a:t>
-            </a:r>
-          </a:p>
-        </p:txBody>
-      </p:sp>
-      <p:sp>
-        <p:nvSpPr>
-          <p:cNvPr id="4" name="Slide Number Placeholder 3">
-            <a:extLst>
-              <a:ext uri="{FF2B5EF4-FFF2-40B4-BE49-F238E27FC236}">
-                <a16:creationId xmlns:a16="http://schemas.microsoft.com/office/drawing/2014/main" id="{4E24F237-06B6-594F-8319-F28AD02E23E2}"/>
-              </a:ext>
-            </a:extLst>
-          </p:cNvPr>
-          <p:cNvSpPr>
-            <a:spLocks noGrp="1"/>
-          </p:cNvSpPr>
-          <p:nvPr>
-            <p:ph type="sldNum" sz="quarter" idx="11"/>
-          </p:nvPr>
-        </p:nvSpPr>
-        <p:spPr/>
-        <p:txBody>
-          <a:bodyPr/>
-          <a:lstStyle/>
-          <a:p>
-            <a:pPr>
-              <a:defRPr/>
-            </a:pPr>
-            <a:fld id="{3EF4E9CC-9D91-476E-91FD-5BEEC1642931}" type="slidenum">
-              <a:rPr lang="en-US" altLang="x-none" smtClean="0"/>
-              <a:pPr>
-                <a:defRPr/>
-              </a:pPr>
-              <a:t>10</a:t>
-            </a:fld>
-            <a:endParaRPr lang="en-US" altLang="x-none"/>
-          </a:p>
-        </p:txBody>
-      </p:sp>
-      <mc:AlternateContent xmlns:mc="http://schemas.openxmlformats.org/markup-compatibility/2006">
-        <mc:Choice xmlns:a14="http://schemas.microsoft.com/office/drawing/2010/main" Requires="a14">
-          <p:sp>
-            <p:nvSpPr>
-              <p:cNvPr id="8" name="Content Placeholder 7">
-                <a:extLst>
-                  <a:ext uri="{FF2B5EF4-FFF2-40B4-BE49-F238E27FC236}">
-                    <a16:creationId xmlns:a16="http://schemas.microsoft.com/office/drawing/2014/main" id="{FCCDFD9B-68F9-A242-965E-0C9C5F7CA01E}"/>
-                  </a:ext>
-                </a:extLst>
-              </p:cNvPr>
-              <p:cNvSpPr>
-                <a:spLocks noGrp="1"/>
-              </p:cNvSpPr>
-              <p:nvPr>
-                <p:ph idx="1"/>
-              </p:nvPr>
-            </p:nvSpPr>
-            <p:spPr>
-              <a:xfrm>
-                <a:off x="457200" y="3276600"/>
-                <a:ext cx="8229600" cy="2590800"/>
-              </a:xfrm>
-            </p:spPr>
-            <p:txBody>
-              <a:bodyPr/>
-              <a:lstStyle/>
-              <a:p>
-                <a:pPr marL="457200" lvl="1" indent="0">
-                  <a:buNone/>
-                </a:pPr>
-                <a:r>
-                  <a:rPr lang="en-US" sz="2000" dirty="0"/>
-                  <a:t>Given: </a:t>
-                </a:r>
-                <a14:m>
-                  <m:oMath xmlns:m="http://schemas.openxmlformats.org/officeDocument/2006/math">
-                    <m:acc>
-                      <m:accPr>
-                        <m:chr m:val="̅"/>
-                        <m:ctrlPr>
-                          <a:rPr lang="en-US" sz="2000" i="1">
-                            <a:latin typeface="Cambria Math" panose="02040503050406030204" pitchFamily="18" charset="0"/>
-                          </a:rPr>
-                        </m:ctrlPr>
-                      </m:accPr>
-                      <m:e>
-                        <m:acc>
-                          <m:accPr>
-                            <m:chr m:val="̂"/>
-                            <m:ctrlPr>
-                              <a:rPr lang="en-US" sz="2000" i="1">
-                                <a:latin typeface="Cambria Math" panose="02040503050406030204" pitchFamily="18" charset="0"/>
-                              </a:rPr>
-                            </m:ctrlPr>
-                          </m:accPr>
-                          <m:e>
-                            <m:r>
-                              <a:rPr lang="en-US" sz="2000" i="1">
-                                <a:latin typeface="Cambria Math" panose="02040503050406030204" pitchFamily="18" charset="0"/>
-                              </a:rPr>
-                              <m:t>𝜃</m:t>
-                            </m:r>
-                          </m:e>
-                        </m:acc>
-                      </m:e>
-                    </m:acc>
-                    <m:r>
-                      <a:rPr lang="en-US" sz="2000" b="0" i="0" smtClean="0">
-                        <a:latin typeface="Cambria Math" panose="02040503050406030204" pitchFamily="18" charset="0"/>
-                      </a:rPr>
-                      <m:t>=0.15, </m:t>
-                    </m:r>
-                    <m:sSub>
-                      <m:sSubPr>
-                        <m:ctrlPr>
-                          <a:rPr lang="en-US" sz="2000" i="1">
-                            <a:latin typeface="Cambria Math" panose="02040503050406030204" pitchFamily="18" charset="0"/>
-                          </a:rPr>
-                        </m:ctrlPr>
-                      </m:sSubPr>
-                      <m:e>
-                        <m:r>
-                          <a:rPr lang="en-US" sz="2000" b="0" i="1" smtClean="0">
-                            <a:latin typeface="Cambria Math" panose="02040503050406030204" pitchFamily="18" charset="0"/>
-                          </a:rPr>
-                          <m:t>𝜎</m:t>
-                        </m:r>
-                      </m:e>
-                      <m:sub>
-                        <m:acc>
-                          <m:accPr>
-                            <m:chr m:val="̂"/>
-                            <m:ctrlPr>
-                              <a:rPr lang="en-US" sz="2000" i="1">
-                                <a:latin typeface="Cambria Math" panose="02040503050406030204" pitchFamily="18" charset="0"/>
-                              </a:rPr>
-                            </m:ctrlPr>
-                          </m:accPr>
-                          <m:e>
-                            <m:r>
-                              <a:rPr lang="en-US" sz="2000" i="1">
-                                <a:latin typeface="Cambria Math" panose="02040503050406030204" pitchFamily="18" charset="0"/>
-                              </a:rPr>
-                              <m:t>𝜃</m:t>
-                            </m:r>
-                          </m:e>
-                        </m:acc>
-                      </m:sub>
-                    </m:sSub>
-                  </m:oMath>
-                </a14:m>
-                <a:r>
-                  <a:rPr lang="en-US" sz="2000" dirty="0"/>
-                  <a:t>=0.03, </a:t>
-                </a:r>
-                <a:r>
-                  <a:rPr lang="en-US" sz="2000" i="1" dirty="0"/>
-                  <a:t>M</a:t>
-                </a:r>
-                <a:r>
-                  <a:rPr lang="en-US" sz="2000" dirty="0"/>
-                  <a:t>=9. Find 95% confidence interval for </a:t>
-                </a:r>
-                <a14:m>
-                  <m:oMath xmlns:m="http://schemas.openxmlformats.org/officeDocument/2006/math">
-                    <m:r>
-                      <a:rPr lang="en-US" sz="2000" b="0" i="1" smtClean="0">
-                        <a:latin typeface="Cambria Math" panose="02040503050406030204" pitchFamily="18" charset="0"/>
-                      </a:rPr>
-                      <m:t>𝜃</m:t>
-                    </m:r>
-                  </m:oMath>
-                </a14:m>
-                <a:r>
-                  <a:rPr lang="en-US" sz="2000" dirty="0"/>
-                  <a:t>.</a:t>
-                </a:r>
-              </a:p>
-              <a:p>
-                <a:pPr marL="914400" lvl="1" indent="-457200">
-                  <a:buFont typeface="+mj-lt"/>
-                  <a:buAutoNum type="arabicPeriod"/>
-                </a:pPr>
-                <a:r>
-                  <a:rPr lang="en-US" sz="2000" dirty="0"/>
-                  <a:t>The standard deviation of the mean is </a:t>
-                </a:r>
-                <a14:m>
-                  <m:oMath xmlns:m="http://schemas.openxmlformats.org/officeDocument/2006/math">
-                    <m:f>
-                      <m:fPr>
-                        <m:ctrlPr>
-                          <a:rPr lang="en-US" sz="2000" b="0" i="1" smtClean="0">
-                            <a:latin typeface="Cambria Math" panose="02040503050406030204" pitchFamily="18" charset="0"/>
-                          </a:rPr>
-                        </m:ctrlPr>
-                      </m:fPr>
-                      <m:num>
-                        <m:r>
-                          <a:rPr lang="en-US" sz="2000" b="0" i="1" smtClean="0">
-                            <a:latin typeface="Cambria Math" panose="02040503050406030204" pitchFamily="18" charset="0"/>
-                          </a:rPr>
-                          <m:t>1</m:t>
-                        </m:r>
-                      </m:num>
-                      <m:den>
-                        <m:r>
-                          <a:rPr lang="en-US" sz="2000" b="0" i="1" smtClean="0">
-                            <a:latin typeface="Cambria Math" panose="02040503050406030204" pitchFamily="18" charset="0"/>
-                          </a:rPr>
-                          <m:t>√</m:t>
-                        </m:r>
-                        <m:r>
-                          <a:rPr lang="en-US" sz="2000" b="0" i="1" smtClean="0">
-                            <a:latin typeface="Cambria Math" panose="02040503050406030204" pitchFamily="18" charset="0"/>
-                          </a:rPr>
-                          <m:t>𝑀</m:t>
-                        </m:r>
-                      </m:den>
-                    </m:f>
-                  </m:oMath>
-                </a14:m>
-                <a:r>
-                  <a:rPr lang="en-US" sz="2000" dirty="0"/>
-                  <a:t> of the standard deviation of the observations. So, </a:t>
-                </a:r>
-                <a14:m>
-                  <m:oMath xmlns:m="http://schemas.openxmlformats.org/officeDocument/2006/math">
-                    <m:sSub>
-                      <m:sSubPr>
-                        <m:ctrlPr>
-                          <a:rPr lang="en-US" sz="2000" b="0" i="1" smtClean="0">
-                            <a:latin typeface="Cambria Math" panose="02040503050406030204" pitchFamily="18" charset="0"/>
-                          </a:rPr>
-                        </m:ctrlPr>
-                      </m:sSubPr>
-                      <m:e>
-                        <m:r>
-                          <a:rPr lang="en-US" sz="2000" b="0" i="1" smtClean="0">
-                            <a:latin typeface="Cambria Math" panose="02040503050406030204" pitchFamily="18" charset="0"/>
-                          </a:rPr>
-                          <m:t>𝜎</m:t>
-                        </m:r>
-                      </m:e>
-                      <m:sub>
-                        <m:acc>
-                          <m:accPr>
-                            <m:chr m:val="̅"/>
-                            <m:ctrlPr>
-                              <a:rPr lang="en-US" sz="2000" b="0" i="1" smtClean="0">
-                                <a:latin typeface="Cambria Math" panose="02040503050406030204" pitchFamily="18" charset="0"/>
-                              </a:rPr>
-                            </m:ctrlPr>
-                          </m:accPr>
-                          <m:e>
-                            <m:acc>
-                              <m:accPr>
-                                <m:chr m:val="̂"/>
-                                <m:ctrlPr>
-                                  <a:rPr lang="en-US" sz="2000" b="0" i="1" smtClean="0">
-                                    <a:latin typeface="Cambria Math" panose="02040503050406030204" pitchFamily="18" charset="0"/>
-                                  </a:rPr>
-                                </m:ctrlPr>
-                              </m:accPr>
-                              <m:e>
-                                <m:r>
-                                  <a:rPr lang="en-US" sz="2000" b="0" i="1" smtClean="0">
-                                    <a:latin typeface="Cambria Math" panose="02040503050406030204" pitchFamily="18" charset="0"/>
-                                  </a:rPr>
-                                  <m:t>𝜃</m:t>
-                                </m:r>
-                              </m:e>
-                            </m:acc>
-                          </m:e>
-                        </m:acc>
-                      </m:sub>
-                    </m:sSub>
-                    <m:r>
-                      <a:rPr lang="en-US" sz="2000" b="0" i="1" smtClean="0">
-                        <a:latin typeface="Cambria Math" panose="02040503050406030204" pitchFamily="18" charset="0"/>
-                      </a:rPr>
-                      <m:t>≈</m:t>
-                    </m:r>
-                    <m:f>
-                      <m:fPr>
-                        <m:ctrlPr>
-                          <a:rPr lang="en-US" sz="2000" b="0" i="1" smtClean="0">
-                            <a:latin typeface="Cambria Math" panose="02040503050406030204" pitchFamily="18" charset="0"/>
-                          </a:rPr>
-                        </m:ctrlPr>
-                      </m:fPr>
-                      <m:num>
-                        <m:sSub>
-                          <m:sSubPr>
-                            <m:ctrlPr>
-                              <a:rPr lang="en-US" sz="2000" i="1">
-                                <a:latin typeface="Cambria Math" panose="02040503050406030204" pitchFamily="18" charset="0"/>
-                              </a:rPr>
-                            </m:ctrlPr>
-                          </m:sSubPr>
-                          <m:e>
-                            <m:r>
-                              <a:rPr lang="en-US" sz="2000" i="1">
-                                <a:latin typeface="Cambria Math" panose="02040503050406030204" pitchFamily="18" charset="0"/>
-                              </a:rPr>
-                              <m:t>𝑠</m:t>
-                            </m:r>
-                          </m:e>
-                          <m:sub>
-                            <m:acc>
-                              <m:accPr>
-                                <m:chr m:val="̂"/>
-                                <m:ctrlPr>
-                                  <a:rPr lang="en-US" sz="2000" i="1">
-                                    <a:latin typeface="Cambria Math" panose="02040503050406030204" pitchFamily="18" charset="0"/>
-                                  </a:rPr>
-                                </m:ctrlPr>
-                              </m:accPr>
-                              <m:e>
-                                <m:r>
-                                  <a:rPr lang="en-US" sz="2000" i="1">
-                                    <a:latin typeface="Cambria Math" panose="02040503050406030204" pitchFamily="18" charset="0"/>
-                                  </a:rPr>
-                                  <m:t>𝜃</m:t>
-                                </m:r>
-                              </m:e>
-                            </m:acc>
-                          </m:sub>
-                        </m:sSub>
-                      </m:num>
-                      <m:den>
-                        <m:rad>
-                          <m:radPr>
-                            <m:degHide m:val="on"/>
-                            <m:ctrlPr>
-                              <a:rPr lang="en-US" sz="2000" b="0" i="1" smtClean="0">
-                                <a:latin typeface="Cambria Math" panose="02040503050406030204" pitchFamily="18" charset="0"/>
-                              </a:rPr>
-                            </m:ctrlPr>
-                          </m:radPr>
-                          <m:deg/>
-                          <m:e>
-                            <m:r>
-                              <a:rPr lang="en-US" sz="2000" b="0" i="1" smtClean="0">
-                                <a:latin typeface="Cambria Math" panose="02040503050406030204" pitchFamily="18" charset="0"/>
-                              </a:rPr>
-                              <m:t>𝑀</m:t>
-                            </m:r>
-                          </m:e>
-                        </m:rad>
-                      </m:den>
-                    </m:f>
-                    <m:r>
-                      <a:rPr lang="en-US" sz="2000" b="0" i="1" smtClean="0">
-                        <a:latin typeface="Cambria Math" panose="02040503050406030204" pitchFamily="18" charset="0"/>
-                      </a:rPr>
-                      <m:t>=0.01</m:t>
-                    </m:r>
-                  </m:oMath>
-                </a14:m>
-                <a:r>
-                  <a:rPr lang="en-US" sz="2000" dirty="0"/>
-                  <a:t>.</a:t>
-                </a:r>
-              </a:p>
-              <a:p>
-                <a:pPr marL="914400" lvl="1" indent="-457200">
-                  <a:buFont typeface="+mj-lt"/>
-                  <a:buAutoNum type="arabicPeriod"/>
-                </a:pPr>
-                <a14:m>
-                  <m:oMath xmlns:m="http://schemas.openxmlformats.org/officeDocument/2006/math">
-                    <m:sSub>
-                      <m:sSubPr>
-                        <m:ctrlPr>
-                          <a:rPr lang="en-US" sz="2000" b="0" i="1" smtClean="0">
-                            <a:latin typeface="Cambria Math" panose="02040503050406030204" pitchFamily="18" charset="0"/>
-                          </a:rPr>
-                        </m:ctrlPr>
-                      </m:sSubPr>
-                      <m:e>
-                        <m:r>
-                          <a:rPr lang="en-US" sz="2000" b="0" i="1" smtClean="0">
-                            <a:latin typeface="Cambria Math" panose="02040503050406030204" pitchFamily="18" charset="0"/>
-                          </a:rPr>
-                          <m:t>𝑧</m:t>
-                        </m:r>
-                      </m:e>
-                      <m:sub>
-                        <m:r>
-                          <a:rPr lang="en-US" sz="2000" b="0" i="1" smtClean="0">
-                            <a:latin typeface="Cambria Math" panose="02040503050406030204" pitchFamily="18" charset="0"/>
-                          </a:rPr>
-                          <m:t>𝛼</m:t>
-                        </m:r>
-                        <m:r>
-                          <a:rPr lang="en-US" sz="2000" b="0" i="1" smtClean="0">
-                            <a:latin typeface="Cambria Math" panose="02040503050406030204" pitchFamily="18" charset="0"/>
-                          </a:rPr>
-                          <m:t>/2</m:t>
-                        </m:r>
-                      </m:sub>
-                    </m:sSub>
-                    <m:r>
-                      <a:rPr lang="en-US" sz="2000" b="0" i="1" smtClean="0">
-                        <a:latin typeface="Cambria Math" panose="02040503050406030204" pitchFamily="18" charset="0"/>
-                      </a:rPr>
-                      <m:t>=</m:t>
-                    </m:r>
-                    <m:sSub>
-                      <m:sSubPr>
-                        <m:ctrlPr>
-                          <a:rPr lang="en-US" sz="2000" b="0" i="1" smtClean="0">
-                            <a:latin typeface="Cambria Math" panose="02040503050406030204" pitchFamily="18" charset="0"/>
-                          </a:rPr>
-                        </m:ctrlPr>
-                      </m:sSubPr>
-                      <m:e>
-                        <m:r>
-                          <a:rPr lang="en-US" sz="2000" b="0" i="1" smtClean="0">
-                            <a:latin typeface="Cambria Math" panose="02040503050406030204" pitchFamily="18" charset="0"/>
-                          </a:rPr>
-                          <m:t>𝑧</m:t>
-                        </m:r>
-                      </m:e>
-                      <m:sub>
-                        <m:r>
-                          <a:rPr lang="en-US" sz="2000" b="0" i="1" smtClean="0">
-                            <a:latin typeface="Cambria Math" panose="02040503050406030204" pitchFamily="18" charset="0"/>
-                          </a:rPr>
-                          <m:t>0.025</m:t>
-                        </m:r>
-                      </m:sub>
-                    </m:sSub>
-                    <m:r>
-                      <a:rPr lang="en-US" sz="2000" b="0" i="1" smtClean="0">
-                        <a:latin typeface="Cambria Math" panose="02040503050406030204" pitchFamily="18" charset="0"/>
-                      </a:rPr>
-                      <m:t>≈−2</m:t>
-                    </m:r>
-                    <m:r>
-                      <a:rPr lang="en-US" sz="2000" b="0" i="0" smtClean="0">
-                        <a:latin typeface="Cambria Math" panose="02040503050406030204" pitchFamily="18" charset="0"/>
-                      </a:rPr>
-                      <m:t>, </m:t>
-                    </m:r>
-                    <m:sSub>
-                      <m:sSubPr>
-                        <m:ctrlPr>
-                          <a:rPr lang="en-US" sz="2000" b="0" i="0" smtClean="0">
-                            <a:latin typeface="Cambria Math" panose="02040503050406030204" pitchFamily="18" charset="0"/>
-                          </a:rPr>
-                        </m:ctrlPr>
-                      </m:sSubPr>
-                      <m:e>
-                        <m:r>
-                          <a:rPr lang="en-US" sz="2000" b="0" i="0" smtClean="0">
-                            <a:latin typeface="Cambria Math" panose="02040503050406030204" pitchFamily="18" charset="0"/>
-                          </a:rPr>
-                          <m:t> </m:t>
-                        </m:r>
-                        <m:r>
-                          <m:rPr>
-                            <m:sty m:val="p"/>
-                          </m:rPr>
-                          <a:rPr lang="en-US" sz="2000" b="0" i="0" smtClean="0">
-                            <a:latin typeface="Cambria Math" panose="02040503050406030204" pitchFamily="18" charset="0"/>
-                          </a:rPr>
-                          <m:t>z</m:t>
-                        </m:r>
-                      </m:e>
-                      <m:sub>
-                        <m:f>
-                          <m:fPr>
-                            <m:ctrlPr>
-                              <a:rPr lang="en-US" sz="2000" b="0" i="1" smtClean="0">
-                                <a:latin typeface="Cambria Math" panose="02040503050406030204" pitchFamily="18" charset="0"/>
-                              </a:rPr>
-                            </m:ctrlPr>
-                          </m:fPr>
-                          <m:num>
-                            <m:r>
-                              <a:rPr lang="en-US" sz="2000" b="0" i="1" smtClean="0">
-                                <a:latin typeface="Cambria Math" panose="02040503050406030204" pitchFamily="18" charset="0"/>
-                              </a:rPr>
-                              <m:t>1−</m:t>
-                            </m:r>
-                            <m:r>
-                              <a:rPr lang="en-US" sz="2000" b="0" i="1" smtClean="0">
-                                <a:latin typeface="Cambria Math" panose="02040503050406030204" pitchFamily="18" charset="0"/>
-                              </a:rPr>
-                              <m:t>𝛼</m:t>
-                            </m:r>
-                          </m:num>
-                          <m:den>
-                            <m:r>
-                              <a:rPr lang="en-US" sz="2000" b="0" i="1" smtClean="0">
-                                <a:latin typeface="Cambria Math" panose="02040503050406030204" pitchFamily="18" charset="0"/>
-                              </a:rPr>
-                              <m:t>2</m:t>
-                            </m:r>
-                          </m:den>
-                        </m:f>
-                      </m:sub>
-                    </m:sSub>
-                    <m:r>
-                      <a:rPr lang="en-US" sz="2000" b="0" i="1" smtClean="0">
-                        <a:latin typeface="Cambria Math" panose="02040503050406030204" pitchFamily="18" charset="0"/>
-                      </a:rPr>
-                      <m:t>=</m:t>
-                    </m:r>
-                    <m:sSub>
-                      <m:sSubPr>
-                        <m:ctrlPr>
-                          <a:rPr lang="en-US" sz="2000" b="0" i="1" smtClean="0">
-                            <a:latin typeface="Cambria Math" panose="02040503050406030204" pitchFamily="18" charset="0"/>
-                          </a:rPr>
-                        </m:ctrlPr>
-                      </m:sSubPr>
-                      <m:e>
-                        <m:r>
-                          <a:rPr lang="en-US" sz="2000" b="0" i="1" smtClean="0">
-                            <a:latin typeface="Cambria Math" panose="02040503050406030204" pitchFamily="18" charset="0"/>
-                          </a:rPr>
-                          <m:t>𝑧</m:t>
-                        </m:r>
-                      </m:e>
-                      <m:sub>
-                        <m:r>
-                          <a:rPr lang="en-US" sz="2000" b="0" i="1" smtClean="0">
-                            <a:latin typeface="Cambria Math" panose="02040503050406030204" pitchFamily="18" charset="0"/>
-                          </a:rPr>
-                          <m:t>0.975</m:t>
-                        </m:r>
-                      </m:sub>
-                    </m:sSub>
-                    <m:r>
-                      <a:rPr lang="en-US" sz="2000" b="0" i="1" smtClean="0">
-                        <a:latin typeface="Cambria Math" panose="02040503050406030204" pitchFamily="18" charset="0"/>
-                      </a:rPr>
-                      <m:t>≈2</m:t>
-                    </m:r>
-                  </m:oMath>
-                </a14:m>
-                <a:endParaRPr lang="en-US" sz="2000" dirty="0"/>
-              </a:p>
-              <a:p>
-                <a:pPr marL="914400" lvl="1" indent="-457200">
-                  <a:buFont typeface="+mj-lt"/>
-                  <a:buAutoNum type="arabicPeriod"/>
-                </a:pPr>
-                <a14:m>
-                  <m:oMath xmlns:m="http://schemas.openxmlformats.org/officeDocument/2006/math">
-                    <m:r>
-                      <a:rPr lang="en-US" sz="2000" i="1">
-                        <a:latin typeface="Cambria Math" panose="02040503050406030204" pitchFamily="18" charset="0"/>
-                      </a:rPr>
-                      <m:t>𝑎</m:t>
-                    </m:r>
-                    <m:r>
-                      <a:rPr lang="en-US" sz="2000" i="1">
-                        <a:latin typeface="Cambria Math" panose="02040503050406030204" pitchFamily="18" charset="0"/>
-                      </a:rPr>
-                      <m:t>=</m:t>
-                    </m:r>
-                    <m:sSub>
-                      <m:sSubPr>
-                        <m:ctrlPr>
-                          <a:rPr lang="en-US" sz="2000" i="1">
-                            <a:latin typeface="Cambria Math" panose="02040503050406030204" pitchFamily="18" charset="0"/>
-                          </a:rPr>
-                        </m:ctrlPr>
-                      </m:sSubPr>
-                      <m:e>
-                        <m:acc>
-                          <m:accPr>
-                            <m:chr m:val="̅"/>
-                            <m:ctrlPr>
-                              <a:rPr lang="en-US" sz="2000" i="1">
-                                <a:latin typeface="Cambria Math" panose="02040503050406030204" pitchFamily="18" charset="0"/>
-                              </a:rPr>
-                            </m:ctrlPr>
-                          </m:accPr>
-                          <m:e>
-                            <m:acc>
-                              <m:accPr>
-                                <m:chr m:val="̂"/>
-                                <m:ctrlPr>
-                                  <a:rPr lang="en-US" sz="2000" i="1">
-                                    <a:latin typeface="Cambria Math" panose="02040503050406030204" pitchFamily="18" charset="0"/>
-                                  </a:rPr>
-                                </m:ctrlPr>
-                              </m:accPr>
-                              <m:e>
-                                <m:r>
-                                  <a:rPr lang="en-US" sz="2000" i="1">
-                                    <a:latin typeface="Cambria Math" panose="02040503050406030204" pitchFamily="18" charset="0"/>
-                                  </a:rPr>
-                                  <m:t>𝜃</m:t>
-                                </m:r>
-                              </m:e>
-                            </m:acc>
-                          </m:e>
-                        </m:acc>
-                        <m:r>
-                          <m:rPr>
-                            <m:nor/>
-                          </m:rPr>
-                          <a:rPr lang="en-US" sz="2000">
-                            <a:latin typeface="Cambria Math" panose="02040503050406030204" pitchFamily="18" charset="0"/>
-                          </a:rPr>
-                          <m:t> </m:t>
-                        </m:r>
-                        <m:r>
-                          <a:rPr lang="en-US" sz="2000" i="1">
-                            <a:latin typeface="Cambria Math" panose="02040503050406030204" pitchFamily="18" charset="0"/>
-                          </a:rPr>
-                          <m:t>+</m:t>
-                        </m:r>
-                        <m:r>
-                          <a:rPr lang="en-US" sz="2000" i="1">
-                            <a:latin typeface="Cambria Math" panose="02040503050406030204" pitchFamily="18" charset="0"/>
-                          </a:rPr>
-                          <m:t>𝑧</m:t>
-                        </m:r>
-                      </m:e>
-                      <m:sub>
-                        <m:r>
-                          <a:rPr lang="en-US" sz="2000" i="1">
-                            <a:latin typeface="Cambria Math" panose="02040503050406030204" pitchFamily="18" charset="0"/>
-                          </a:rPr>
-                          <m:t>𝛼</m:t>
-                        </m:r>
-                        <m:r>
-                          <a:rPr lang="en-US" sz="2000" i="1">
-                            <a:latin typeface="Cambria Math" panose="02040503050406030204" pitchFamily="18" charset="0"/>
-                          </a:rPr>
-                          <m:t>/2</m:t>
-                        </m:r>
-                      </m:sub>
-                    </m:sSub>
-                    <m:sSub>
-                      <m:sSubPr>
-                        <m:ctrlPr>
-                          <a:rPr lang="en-US" sz="2000" i="1">
-                            <a:latin typeface="Cambria Math" panose="02040503050406030204" pitchFamily="18" charset="0"/>
-                          </a:rPr>
-                        </m:ctrlPr>
-                      </m:sSubPr>
-                      <m:e>
-                        <m:r>
-                          <a:rPr lang="en-US" sz="2000" i="1">
-                            <a:latin typeface="Cambria Math" panose="02040503050406030204" pitchFamily="18" charset="0"/>
-                          </a:rPr>
-                          <m:t>𝜎</m:t>
-                        </m:r>
-                      </m:e>
-                      <m:sub>
-                        <m:acc>
-                          <m:accPr>
-                            <m:chr m:val="̅"/>
-                            <m:ctrlPr>
-                              <a:rPr lang="en-US" sz="2000" i="1">
-                                <a:latin typeface="Cambria Math" panose="02040503050406030204" pitchFamily="18" charset="0"/>
-                              </a:rPr>
-                            </m:ctrlPr>
-                          </m:accPr>
-                          <m:e>
-                            <m:acc>
-                              <m:accPr>
-                                <m:chr m:val="̂"/>
-                                <m:ctrlPr>
-                                  <a:rPr lang="en-US" sz="2000" i="1">
-                                    <a:latin typeface="Cambria Math" panose="02040503050406030204" pitchFamily="18" charset="0"/>
-                                  </a:rPr>
-                                </m:ctrlPr>
-                              </m:accPr>
-                              <m:e>
-                                <m:r>
-                                  <a:rPr lang="en-US" sz="2000" i="1">
-                                    <a:latin typeface="Cambria Math" panose="02040503050406030204" pitchFamily="18" charset="0"/>
-                                  </a:rPr>
-                                  <m:t>𝜃</m:t>
-                                </m:r>
-                              </m:e>
-                            </m:acc>
-                          </m:e>
-                        </m:acc>
-                      </m:sub>
-                    </m:sSub>
-                    <m:r>
-                      <a:rPr lang="en-US" sz="2000" b="0" i="1" smtClean="0">
-                        <a:latin typeface="Cambria Math" panose="02040503050406030204" pitchFamily="18" charset="0"/>
-                      </a:rPr>
-                      <m:t>=0.15+</m:t>
-                    </m:r>
-                    <m:d>
-                      <m:dPr>
-                        <m:ctrlPr>
-                          <a:rPr lang="en-US" sz="2000" b="0" i="1" smtClean="0">
-                            <a:latin typeface="Cambria Math" panose="02040503050406030204" pitchFamily="18" charset="0"/>
-                          </a:rPr>
-                        </m:ctrlPr>
-                      </m:dPr>
-                      <m:e>
-                        <m:r>
-                          <a:rPr lang="en-US" sz="2000" b="0" i="1" smtClean="0">
-                            <a:latin typeface="Cambria Math" panose="02040503050406030204" pitchFamily="18" charset="0"/>
-                          </a:rPr>
-                          <m:t>−2</m:t>
-                        </m:r>
-                      </m:e>
-                    </m:d>
-                    <m:r>
-                      <a:rPr lang="en-US" sz="2000" b="0" i="1" smtClean="0">
-                        <a:latin typeface="Cambria Math" panose="02040503050406030204" pitchFamily="18" charset="0"/>
-                      </a:rPr>
-                      <m:t>0.01=0.13</m:t>
-                    </m:r>
-                  </m:oMath>
-                </a14:m>
-                <a:endParaRPr lang="en-US" sz="2000" dirty="0"/>
-              </a:p>
-              <a:p>
-                <a:pPr marL="914400" lvl="1" indent="-457200">
-                  <a:buFont typeface="+mj-lt"/>
-                  <a:buAutoNum type="arabicPeriod"/>
-                </a:pPr>
-                <a:r>
-                  <a:rPr lang="en-US" sz="2000" dirty="0"/>
-                  <a:t>b</a:t>
-                </a:r>
-                <a14:m>
-                  <m:oMath xmlns:m="http://schemas.openxmlformats.org/officeDocument/2006/math">
-                    <m:r>
-                      <a:rPr lang="en-US" sz="2000" i="1">
-                        <a:latin typeface="Cambria Math" panose="02040503050406030204" pitchFamily="18" charset="0"/>
-                      </a:rPr>
-                      <m:t>=</m:t>
-                    </m:r>
-                    <m:sSub>
-                      <m:sSubPr>
-                        <m:ctrlPr>
-                          <a:rPr lang="en-US" sz="2000" i="1">
-                            <a:latin typeface="Cambria Math" panose="02040503050406030204" pitchFamily="18" charset="0"/>
-                          </a:rPr>
-                        </m:ctrlPr>
-                      </m:sSubPr>
-                      <m:e>
-                        <m:acc>
-                          <m:accPr>
-                            <m:chr m:val="̅"/>
-                            <m:ctrlPr>
-                              <a:rPr lang="en-US" sz="2000" i="1">
-                                <a:latin typeface="Cambria Math" panose="02040503050406030204" pitchFamily="18" charset="0"/>
-                              </a:rPr>
-                            </m:ctrlPr>
-                          </m:accPr>
-                          <m:e>
-                            <m:acc>
-                              <m:accPr>
-                                <m:chr m:val="̂"/>
-                                <m:ctrlPr>
-                                  <a:rPr lang="en-US" sz="2000" i="1">
-                                    <a:latin typeface="Cambria Math" panose="02040503050406030204" pitchFamily="18" charset="0"/>
-                                  </a:rPr>
-                                </m:ctrlPr>
-                              </m:accPr>
-                              <m:e>
-                                <m:r>
-                                  <a:rPr lang="en-US" sz="2000" i="1">
-                                    <a:latin typeface="Cambria Math" panose="02040503050406030204" pitchFamily="18" charset="0"/>
-                                  </a:rPr>
-                                  <m:t>𝜃</m:t>
-                                </m:r>
-                              </m:e>
-                            </m:acc>
-                          </m:e>
-                        </m:acc>
-                        <m:r>
-                          <m:rPr>
-                            <m:nor/>
-                          </m:rPr>
-                          <a:rPr lang="en-US" sz="2000">
-                            <a:latin typeface="Cambria Math" panose="02040503050406030204" pitchFamily="18" charset="0"/>
-                          </a:rPr>
-                          <m:t> </m:t>
-                        </m:r>
-                        <m:r>
-                          <a:rPr lang="en-US" sz="2000" i="1">
-                            <a:latin typeface="Cambria Math" panose="02040503050406030204" pitchFamily="18" charset="0"/>
-                          </a:rPr>
-                          <m:t>+</m:t>
-                        </m:r>
-                        <m:r>
-                          <a:rPr lang="en-US" sz="2000" i="1">
-                            <a:latin typeface="Cambria Math" panose="02040503050406030204" pitchFamily="18" charset="0"/>
-                          </a:rPr>
-                          <m:t>𝑧</m:t>
-                        </m:r>
-                      </m:e>
-                      <m:sub>
-                        <m:r>
-                          <a:rPr lang="en-US" sz="2000" b="0" i="1" smtClean="0">
-                            <a:latin typeface="Cambria Math" panose="02040503050406030204" pitchFamily="18" charset="0"/>
-                          </a:rPr>
-                          <m:t>(1−</m:t>
-                        </m:r>
-                        <m:r>
-                          <a:rPr lang="en-US" sz="2000" i="1">
-                            <a:latin typeface="Cambria Math" panose="02040503050406030204" pitchFamily="18" charset="0"/>
-                          </a:rPr>
-                          <m:t>𝛼</m:t>
-                        </m:r>
-                        <m:r>
-                          <a:rPr lang="en-US" sz="2000" b="0" i="1" smtClean="0">
-                            <a:latin typeface="Cambria Math" panose="02040503050406030204" pitchFamily="18" charset="0"/>
-                          </a:rPr>
-                          <m:t>)</m:t>
-                        </m:r>
-                        <m:r>
-                          <a:rPr lang="en-US" sz="2000" i="1">
-                            <a:latin typeface="Cambria Math" panose="02040503050406030204" pitchFamily="18" charset="0"/>
-                          </a:rPr>
-                          <m:t>/2</m:t>
-                        </m:r>
-                      </m:sub>
-                    </m:sSub>
-                    <m:sSub>
-                      <m:sSubPr>
-                        <m:ctrlPr>
-                          <a:rPr lang="en-US" sz="2000" i="1">
-                            <a:latin typeface="Cambria Math" panose="02040503050406030204" pitchFamily="18" charset="0"/>
-                          </a:rPr>
-                        </m:ctrlPr>
-                      </m:sSubPr>
-                      <m:e>
-                        <m:r>
-                          <a:rPr lang="en-US" sz="2000" i="1">
-                            <a:latin typeface="Cambria Math" panose="02040503050406030204" pitchFamily="18" charset="0"/>
-                          </a:rPr>
-                          <m:t>𝜎</m:t>
-                        </m:r>
-                      </m:e>
-                      <m:sub>
-                        <m:acc>
-                          <m:accPr>
-                            <m:chr m:val="̅"/>
-                            <m:ctrlPr>
-                              <a:rPr lang="en-US" sz="2000" i="1">
-                                <a:latin typeface="Cambria Math" panose="02040503050406030204" pitchFamily="18" charset="0"/>
-                              </a:rPr>
-                            </m:ctrlPr>
-                          </m:accPr>
-                          <m:e>
-                            <m:acc>
-                              <m:accPr>
-                                <m:chr m:val="̂"/>
-                                <m:ctrlPr>
-                                  <a:rPr lang="en-US" sz="2000" i="1">
-                                    <a:latin typeface="Cambria Math" panose="02040503050406030204" pitchFamily="18" charset="0"/>
-                                  </a:rPr>
-                                </m:ctrlPr>
-                              </m:accPr>
-                              <m:e>
-                                <m:r>
-                                  <a:rPr lang="en-US" sz="2000" i="1">
-                                    <a:latin typeface="Cambria Math" panose="02040503050406030204" pitchFamily="18" charset="0"/>
-                                  </a:rPr>
-                                  <m:t>𝜃</m:t>
-                                </m:r>
-                              </m:e>
-                            </m:acc>
-                          </m:e>
-                        </m:acc>
-                      </m:sub>
-                    </m:sSub>
-                    <m:r>
-                      <a:rPr lang="en-US" sz="2000" i="1">
-                        <a:latin typeface="Cambria Math" panose="02040503050406030204" pitchFamily="18" charset="0"/>
-                      </a:rPr>
-                      <m:t>=0.</m:t>
-                    </m:r>
-                    <m:r>
-                      <a:rPr lang="en-US" sz="2000" b="0" i="1" smtClean="0">
-                        <a:latin typeface="Cambria Math" panose="02040503050406030204" pitchFamily="18" charset="0"/>
-                      </a:rPr>
-                      <m:t>15</m:t>
-                    </m:r>
-                    <m:r>
-                      <a:rPr lang="en-US" sz="2000" i="1">
-                        <a:latin typeface="Cambria Math" panose="02040503050406030204" pitchFamily="18" charset="0"/>
-                      </a:rPr>
-                      <m:t>+</m:t>
-                    </m:r>
-                    <m:d>
-                      <m:dPr>
-                        <m:ctrlPr>
-                          <a:rPr lang="en-US" sz="2000" i="1">
-                            <a:latin typeface="Cambria Math" panose="02040503050406030204" pitchFamily="18" charset="0"/>
-                          </a:rPr>
-                        </m:ctrlPr>
-                      </m:dPr>
-                      <m:e>
-                        <m:r>
-                          <a:rPr lang="en-US" sz="2000" i="1">
-                            <a:latin typeface="Cambria Math" panose="02040503050406030204" pitchFamily="18" charset="0"/>
-                          </a:rPr>
-                          <m:t>2</m:t>
-                        </m:r>
-                      </m:e>
-                    </m:d>
-                    <m:r>
-                      <a:rPr lang="en-US" sz="2000" i="1">
-                        <a:latin typeface="Cambria Math" panose="02040503050406030204" pitchFamily="18" charset="0"/>
-                      </a:rPr>
-                      <m:t>0.01=0.</m:t>
-                    </m:r>
-                    <m:r>
-                      <a:rPr lang="en-US" sz="2000" b="0" i="1" smtClean="0">
-                        <a:latin typeface="Cambria Math" panose="02040503050406030204" pitchFamily="18" charset="0"/>
-                      </a:rPr>
-                      <m:t>17</m:t>
-                    </m:r>
-                  </m:oMath>
-                </a14:m>
-                <a:endParaRPr lang="en-US" sz="2000" dirty="0"/>
-              </a:p>
-              <a:p>
-                <a:pPr marL="914400" lvl="1" indent="-457200">
-                  <a:buFont typeface="+mj-lt"/>
-                  <a:buAutoNum type="arabicPeriod"/>
-                </a:pPr>
-                <a:endParaRPr lang="en-US" sz="2000" dirty="0"/>
-              </a:p>
-              <a:p>
-                <a:pPr marL="0" indent="0">
-                  <a:buNone/>
-                </a:pPr>
-                <a:r>
-                  <a:rPr lang="en-US" sz="2400" dirty="0"/>
-                  <a:t> </a:t>
-                </a:r>
-              </a:p>
-            </p:txBody>
-          </p:sp>
-        </mc:Choice>
-        <mc:Fallback>
-          <p:sp>
-            <p:nvSpPr>
-              <p:cNvPr id="8" name="Content Placeholder 7">
-                <a:extLst>
-                  <a:ext uri="{FF2B5EF4-FFF2-40B4-BE49-F238E27FC236}">
-                    <a16:creationId xmlns:a16="http://schemas.microsoft.com/office/drawing/2014/main" id="{FCCDFD9B-68F9-A242-965E-0C9C5F7CA01E}"/>
-                  </a:ext>
-                </a:extLst>
-              </p:cNvPr>
-              <p:cNvSpPr>
-                <a:spLocks noGrp="1" noRot="1" noChangeAspect="1" noMove="1" noResize="1" noEditPoints="1" noAdjustHandles="1" noChangeArrowheads="1" noChangeShapeType="1" noTextEdit="1"/>
-              </p:cNvSpPr>
-              <p:nvPr>
-                <p:ph idx="1"/>
-              </p:nvPr>
-            </p:nvSpPr>
-            <p:spPr>
-              <a:xfrm>
-                <a:off x="457200" y="3276600"/>
-                <a:ext cx="8229600" cy="2590800"/>
-              </a:xfrm>
-              <a:blipFill>
-                <a:blip r:embed="rId2"/>
-                <a:stretch>
-                  <a:fillRect b="-16098"/>
-                </a:stretch>
-              </a:blipFill>
-            </p:spPr>
-            <p:txBody>
-              <a:bodyPr/>
-              <a:lstStyle/>
-              <a:p>
-                <a:r>
-                  <a:rPr lang="en-US">
-                    <a:noFill/>
-                  </a:rPr>
-                  <a:t> </a:t>
-                </a:r>
-              </a:p>
-            </p:txBody>
-          </p:sp>
-        </mc:Fallback>
-      </mc:AlternateContent>
-      <p:pic>
-        <p:nvPicPr>
-          <p:cNvPr id="9" name="Content Placeholder 5">
-            <a:extLst>
-              <a:ext uri="{FF2B5EF4-FFF2-40B4-BE49-F238E27FC236}">
-                <a16:creationId xmlns:a16="http://schemas.microsoft.com/office/drawing/2014/main" id="{1009A578-2AD3-0243-8BDE-6063C01EC29B}"/>
-              </a:ext>
-            </a:extLst>
-          </p:cNvPr>
-          <p:cNvPicPr>
-            <a:picLocks noChangeAspect="1"/>
-          </p:cNvPicPr>
-          <p:nvPr/>
-        </p:nvPicPr>
-        <p:blipFill>
-          <a:blip r:embed="rId3"/>
-          <a:stretch>
-            <a:fillRect/>
-          </a:stretch>
-        </p:blipFill>
-        <p:spPr>
-          <a:xfrm>
-            <a:off x="4774634" y="1064428"/>
-            <a:ext cx="2286000" cy="1696222"/>
-          </a:xfrm>
-          <a:prstGeom prst="rect">
-            <a:avLst/>
-          </a:prstGeom>
-        </p:spPr>
-      </p:pic>
-      <p:sp>
-        <p:nvSpPr>
-          <p:cNvPr id="10" name="TextBox 9">
-            <a:extLst>
-              <a:ext uri="{FF2B5EF4-FFF2-40B4-BE49-F238E27FC236}">
-                <a16:creationId xmlns:a16="http://schemas.microsoft.com/office/drawing/2014/main" id="{AE60167E-120E-4E49-8AF2-0F761B0318AD}"/>
-              </a:ext>
-            </a:extLst>
-          </p:cNvPr>
-          <p:cNvSpPr txBox="1"/>
-          <p:nvPr/>
-        </p:nvSpPr>
-        <p:spPr>
-          <a:xfrm>
-            <a:off x="6374834" y="1274455"/>
-            <a:ext cx="2159566" cy="369332"/>
-          </a:xfrm>
-          <a:prstGeom prst="rect">
-            <a:avLst/>
-          </a:prstGeom>
-          <a:noFill/>
-        </p:spPr>
-        <p:txBody>
-          <a:bodyPr wrap="none" rtlCol="0">
-            <a:spAutoFit/>
-          </a:bodyPr>
-          <a:lstStyle/>
-          <a:p>
-            <a:r>
-              <a:rPr lang="en-US" dirty="0"/>
-              <a:t>Normal distribution</a:t>
-            </a:r>
-          </a:p>
-        </p:txBody>
-      </p:sp>
-      <p:grpSp>
-        <p:nvGrpSpPr>
-          <p:cNvPr id="11" name="Group 10">
-            <a:extLst>
-              <a:ext uri="{FF2B5EF4-FFF2-40B4-BE49-F238E27FC236}">
-                <a16:creationId xmlns:a16="http://schemas.microsoft.com/office/drawing/2014/main" id="{5C1B4416-71D1-DB46-8591-963BE5881052}"/>
-              </a:ext>
-            </a:extLst>
-          </p:cNvPr>
-          <p:cNvGrpSpPr/>
-          <p:nvPr/>
-        </p:nvGrpSpPr>
-        <p:grpSpPr>
-          <a:xfrm>
-            <a:off x="762000" y="1160450"/>
-            <a:ext cx="2944692" cy="1600200"/>
-            <a:chOff x="695086" y="4007982"/>
-            <a:chExt cx="4214929" cy="2422980"/>
-          </a:xfrm>
-        </p:grpSpPr>
-        <p:grpSp>
-          <p:nvGrpSpPr>
-            <p:cNvPr id="12" name="Group 11">
-              <a:extLst>
-                <a:ext uri="{FF2B5EF4-FFF2-40B4-BE49-F238E27FC236}">
-                  <a16:creationId xmlns:a16="http://schemas.microsoft.com/office/drawing/2014/main" id="{9D42E9FC-B469-2842-A160-066470F1C733}"/>
-                </a:ext>
-              </a:extLst>
-            </p:cNvPr>
-            <p:cNvGrpSpPr/>
-            <p:nvPr/>
-          </p:nvGrpSpPr>
-          <p:grpSpPr>
-            <a:xfrm>
-              <a:off x="1207172" y="4007982"/>
-              <a:ext cx="3175000" cy="2422980"/>
-              <a:chOff x="2514600" y="3795692"/>
-              <a:chExt cx="3175000" cy="2422980"/>
-            </a:xfrm>
-          </p:grpSpPr>
-          <p:pic>
-            <p:nvPicPr>
-              <p:cNvPr id="16" name="Picture 15">
-                <a:extLst>
-                  <a:ext uri="{FF2B5EF4-FFF2-40B4-BE49-F238E27FC236}">
-                    <a16:creationId xmlns:a16="http://schemas.microsoft.com/office/drawing/2014/main" id="{8275C587-84C6-EB4D-9CF0-68AAA8D75949}"/>
-                  </a:ext>
-                </a:extLst>
-              </p:cNvPr>
-              <p:cNvPicPr>
-                <a:picLocks noChangeAspect="1"/>
-              </p:cNvPicPr>
-              <p:nvPr/>
-            </p:nvPicPr>
-            <p:blipFill>
-              <a:blip r:embed="rId4"/>
-              <a:stretch>
-                <a:fillRect/>
-              </a:stretch>
-            </p:blipFill>
-            <p:spPr>
-              <a:xfrm>
-                <a:off x="2514600" y="3795692"/>
-                <a:ext cx="3175000" cy="2184400"/>
-              </a:xfrm>
-              <a:prstGeom prst="rect">
-                <a:avLst/>
-              </a:prstGeom>
-            </p:spPr>
-          </p:pic>
-          <mc:AlternateContent xmlns:mc="http://schemas.openxmlformats.org/markup-compatibility/2006">
-            <mc:Choice xmlns:a14="http://schemas.microsoft.com/office/drawing/2010/main" Requires="a14">
-              <p:sp>
-                <p:nvSpPr>
-                  <p:cNvPr id="17" name="TextBox 16">
-                    <a:extLst>
-                      <a:ext uri="{FF2B5EF4-FFF2-40B4-BE49-F238E27FC236}">
-                        <a16:creationId xmlns:a16="http://schemas.microsoft.com/office/drawing/2014/main" id="{BD1CA32F-49C6-CA4F-94A5-C0F701D54A69}"/>
-                      </a:ext>
-                    </a:extLst>
-                  </p:cNvPr>
-                  <p:cNvSpPr txBox="1"/>
-                  <p:nvPr/>
-                </p:nvSpPr>
-                <p:spPr>
-                  <a:xfrm>
-                    <a:off x="3968538" y="5745778"/>
-                    <a:ext cx="256432" cy="372821"/>
-                  </a:xfrm>
-                  <a:prstGeom prst="rect">
-                    <a:avLst/>
-                  </a:prstGeom>
-                  <a:solidFill>
-                    <a:schemeClr val="bg1"/>
-                  </a:solidFill>
-                </p:spPr>
-                <p:txBody>
-                  <a:bodyPr wrap="none" lIns="0" tIns="0" rIns="0" bIns="0" rtlCol="0">
-                    <a:spAutoFit/>
-                  </a:bodyPr>
-                  <a:lstStyle/>
-                  <a:p>
-                    <a14:m>
-                      <m:oMathPara xmlns:m="http://schemas.openxmlformats.org/officeDocument/2006/math">
-                        <m:oMathParaPr>
-                          <m:jc m:val="centerGroup"/>
-                        </m:oMathParaPr>
-                        <m:oMath xmlns:m="http://schemas.openxmlformats.org/officeDocument/2006/math">
-                          <m:r>
-                            <a:rPr lang="en-US" sz="1600" b="0" i="1" smtClean="0">
-                              <a:latin typeface="Cambria Math" panose="02040503050406030204" pitchFamily="18" charset="0"/>
-                            </a:rPr>
-                            <m:t>𝜃</m:t>
-                          </m:r>
-                        </m:oMath>
-                      </m:oMathPara>
-                    </a14:m>
-                    <a:endParaRPr lang="en-US" sz="1600" dirty="0"/>
-                  </a:p>
-                </p:txBody>
-              </p:sp>
-            </mc:Choice>
-            <mc:Fallback>
-              <p:sp>
-                <p:nvSpPr>
-                  <p:cNvPr id="17" name="TextBox 16">
-                    <a:extLst>
-                      <a:ext uri="{FF2B5EF4-FFF2-40B4-BE49-F238E27FC236}">
-                        <a16:creationId xmlns:a16="http://schemas.microsoft.com/office/drawing/2014/main" id="{BD1CA32F-49C6-CA4F-94A5-C0F701D54A69}"/>
-                      </a:ext>
-                    </a:extLst>
-                  </p:cNvPr>
-                  <p:cNvSpPr txBox="1">
-                    <a:spLocks noRot="1" noChangeAspect="1" noMove="1" noResize="1" noEditPoints="1" noAdjustHandles="1" noChangeArrowheads="1" noChangeShapeType="1" noTextEdit="1"/>
-                  </p:cNvSpPr>
-                  <p:nvPr/>
-                </p:nvSpPr>
-                <p:spPr>
-                  <a:xfrm>
-                    <a:off x="3968538" y="5745778"/>
-                    <a:ext cx="256432" cy="372821"/>
-                  </a:xfrm>
-                  <a:prstGeom prst="rect">
-                    <a:avLst/>
-                  </a:prstGeom>
-                  <a:blipFill>
-                    <a:blip r:embed="rId5"/>
-                    <a:stretch>
-                      <a:fillRect l="-28571" r="-21429" b="-10000"/>
-                    </a:stretch>
-                  </a:blipFill>
-                </p:spPr>
-                <p:txBody>
-                  <a:bodyPr/>
-                  <a:lstStyle/>
-                  <a:p>
-                    <a:r>
-                      <a:rPr lang="en-US">
-                        <a:noFill/>
-                      </a:rPr>
-                      <a:t> </a:t>
-                    </a:r>
-                  </a:p>
-                </p:txBody>
-              </p:sp>
-            </mc:Fallback>
-          </mc:AlternateContent>
-          <p:sp>
-            <p:nvSpPr>
-              <p:cNvPr id="18" name="Rectangle 17">
-                <a:extLst>
-                  <a:ext uri="{FF2B5EF4-FFF2-40B4-BE49-F238E27FC236}">
-                    <a16:creationId xmlns:a16="http://schemas.microsoft.com/office/drawing/2014/main" id="{25420667-CFB7-454B-9FC3-5818F6C62BE4}"/>
-                  </a:ext>
-                </a:extLst>
-              </p:cNvPr>
-              <p:cNvSpPr/>
-              <p:nvPr/>
-            </p:nvSpPr>
-            <p:spPr>
-              <a:xfrm>
-                <a:off x="2795217" y="5715000"/>
-                <a:ext cx="625579" cy="457200"/>
-              </a:xfrm>
-              <a:prstGeom prst="rect">
-                <a:avLst/>
-              </a:prstGeom>
-              <a:solidFill>
-                <a:schemeClr val="bg1"/>
-              </a:solidFill>
-              <a:ln>
-                <a:noFill/>
-              </a:ln>
-              <a:effectLst>
-                <a:outerShdw dist="23000" sx="1000" sy="1000" rotWithShape="0">
-                  <a:srgbClr val="000000"/>
-                </a:outerShdw>
-              </a:effectLst>
-            </p:spPr>
-            <p:style>
-              <a:lnRef idx="1">
-                <a:schemeClr val="accent1"/>
-              </a:lnRef>
-              <a:fillRef idx="3">
-                <a:schemeClr val="accent1"/>
-              </a:fillRef>
-              <a:effectRef idx="2">
-                <a:schemeClr val="accent1"/>
-              </a:effectRef>
-              <a:fontRef idx="minor">
-                <a:schemeClr val="lt1"/>
-              </a:fontRef>
-            </p:style>
-            <p:txBody>
-              <a:bodyPr rtlCol="0" anchor="ctr"/>
-              <a:lstStyle/>
-              <a:p>
-                <a:pPr algn="ctr"/>
-                <a:endParaRPr lang="en-US" sz="1200"/>
-              </a:p>
-            </p:txBody>
-          </p:sp>
-          <p:sp>
-            <p:nvSpPr>
-              <p:cNvPr id="19" name="Rectangle 18">
-                <a:extLst>
-                  <a:ext uri="{FF2B5EF4-FFF2-40B4-BE49-F238E27FC236}">
-                    <a16:creationId xmlns:a16="http://schemas.microsoft.com/office/drawing/2014/main" id="{7E454A50-7D74-934C-BB08-E049BE6C2303}"/>
-                  </a:ext>
-                </a:extLst>
-              </p:cNvPr>
-              <p:cNvSpPr/>
-              <p:nvPr/>
-            </p:nvSpPr>
-            <p:spPr>
-              <a:xfrm>
-                <a:off x="4632221" y="5761472"/>
-                <a:ext cx="625579" cy="457200"/>
-              </a:xfrm>
-              <a:prstGeom prst="rect">
-                <a:avLst/>
-              </a:prstGeom>
-              <a:solidFill>
-                <a:schemeClr val="bg1"/>
-              </a:solidFill>
-              <a:ln>
-                <a:noFill/>
-              </a:ln>
-              <a:effectLst>
-                <a:outerShdw dist="23000" sx="1000" sy="1000" rotWithShape="0">
-                  <a:srgbClr val="000000"/>
-                </a:outerShdw>
-              </a:effectLst>
-            </p:spPr>
-            <p:style>
-              <a:lnRef idx="1">
-                <a:schemeClr val="accent1"/>
-              </a:lnRef>
-              <a:fillRef idx="3">
-                <a:schemeClr val="accent1"/>
-              </a:fillRef>
-              <a:effectRef idx="2">
-                <a:schemeClr val="accent1"/>
-              </a:effectRef>
-              <a:fontRef idx="minor">
-                <a:schemeClr val="lt1"/>
-              </a:fontRef>
-            </p:style>
-            <p:txBody>
-              <a:bodyPr rtlCol="0" anchor="ctr"/>
-              <a:lstStyle/>
-              <a:p>
-                <a:pPr algn="ctr"/>
-                <a:endParaRPr lang="en-US" sz="1200"/>
-              </a:p>
-            </p:txBody>
-          </p:sp>
-          <mc:AlternateContent xmlns:mc="http://schemas.openxmlformats.org/markup-compatibility/2006">
-            <mc:Choice xmlns:a14="http://schemas.microsoft.com/office/drawing/2010/main" Requires="a14">
-              <p:sp>
-                <p:nvSpPr>
-                  <p:cNvPr id="20" name="TextBox 19">
-                    <a:extLst>
-                      <a:ext uri="{FF2B5EF4-FFF2-40B4-BE49-F238E27FC236}">
-                        <a16:creationId xmlns:a16="http://schemas.microsoft.com/office/drawing/2014/main" id="{168499A2-6F7B-D540-8613-C1AAFF5D0DB5}"/>
-                      </a:ext>
-                    </a:extLst>
-                  </p:cNvPr>
-                  <p:cNvSpPr txBox="1"/>
-                  <p:nvPr/>
-                </p:nvSpPr>
-                <p:spPr>
-                  <a:xfrm>
-                    <a:off x="3108007" y="5715000"/>
-                    <a:ext cx="267124" cy="419424"/>
-                  </a:xfrm>
-                  <a:prstGeom prst="rect">
-                    <a:avLst/>
-                  </a:prstGeom>
-                  <a:solidFill>
-                    <a:schemeClr val="bg1"/>
-                  </a:solidFill>
-                </p:spPr>
-                <p:txBody>
-                  <a:bodyPr wrap="square" lIns="0" tIns="0" rIns="0" bIns="0" rtlCol="0">
-                    <a:spAutoFit/>
-                  </a:bodyPr>
-                  <a:lstStyle/>
-                  <a:p>
-                    <a14:m>
-                      <m:oMathPara xmlns:m="http://schemas.openxmlformats.org/officeDocument/2006/math">
-                        <m:oMathParaPr>
-                          <m:jc m:val="centerGroup"/>
-                        </m:oMathParaPr>
-                        <m:oMath xmlns:m="http://schemas.openxmlformats.org/officeDocument/2006/math">
-                          <m:r>
-                            <a:rPr lang="en-US" b="0" i="1" smtClean="0">
-                              <a:latin typeface="Cambria Math" panose="02040503050406030204" pitchFamily="18" charset="0"/>
-                            </a:rPr>
-                            <m:t>𝑎</m:t>
-                          </m:r>
-                        </m:oMath>
-                      </m:oMathPara>
-                    </a14:m>
-                    <a:endParaRPr lang="en-US" dirty="0"/>
-                  </a:p>
-                </p:txBody>
-              </p:sp>
-            </mc:Choice>
-            <mc:Fallback>
-              <p:sp>
-                <p:nvSpPr>
-                  <p:cNvPr id="20" name="TextBox 19">
-                    <a:extLst>
-                      <a:ext uri="{FF2B5EF4-FFF2-40B4-BE49-F238E27FC236}">
-                        <a16:creationId xmlns:a16="http://schemas.microsoft.com/office/drawing/2014/main" id="{168499A2-6F7B-D540-8613-C1AAFF5D0DB5}"/>
-                      </a:ext>
-                    </a:extLst>
-                  </p:cNvPr>
-                  <p:cNvSpPr txBox="1">
-                    <a:spLocks noRot="1" noChangeAspect="1" noMove="1" noResize="1" noEditPoints="1" noAdjustHandles="1" noChangeArrowheads="1" noChangeShapeType="1" noTextEdit="1"/>
-                  </p:cNvSpPr>
-                  <p:nvPr/>
-                </p:nvSpPr>
-                <p:spPr>
-                  <a:xfrm>
-                    <a:off x="3108007" y="5715000"/>
-                    <a:ext cx="267124" cy="419424"/>
-                  </a:xfrm>
-                  <a:prstGeom prst="rect">
-                    <a:avLst/>
-                  </a:prstGeom>
-                  <a:blipFill>
-                    <a:blip r:embed="rId6"/>
-                    <a:stretch>
-                      <a:fillRect l="-12500" r="-6250" b="-4348"/>
-                    </a:stretch>
-                  </a:blipFill>
-                </p:spPr>
-                <p:txBody>
-                  <a:bodyPr/>
-                  <a:lstStyle/>
-                  <a:p>
-                    <a:r>
-                      <a:rPr lang="en-US">
-                        <a:noFill/>
-                      </a:rPr>
-                      <a:t> </a:t>
-                    </a:r>
-                  </a:p>
-                </p:txBody>
-              </p:sp>
-            </mc:Fallback>
-          </mc:AlternateContent>
-          <mc:AlternateContent xmlns:mc="http://schemas.openxmlformats.org/markup-compatibility/2006">
-            <mc:Choice xmlns:a14="http://schemas.microsoft.com/office/drawing/2010/main" Requires="a14">
-              <p:sp>
-                <p:nvSpPr>
-                  <p:cNvPr id="21" name="TextBox 20">
-                    <a:extLst>
-                      <a:ext uri="{FF2B5EF4-FFF2-40B4-BE49-F238E27FC236}">
-                        <a16:creationId xmlns:a16="http://schemas.microsoft.com/office/drawing/2014/main" id="{ED02A0B7-75B0-B54E-B363-FBD1BA610B3D}"/>
-                      </a:ext>
-                    </a:extLst>
-                  </p:cNvPr>
-                  <p:cNvSpPr txBox="1"/>
-                  <p:nvPr/>
-                </p:nvSpPr>
-                <p:spPr>
-                  <a:xfrm>
-                    <a:off x="4762075" y="5715000"/>
-                    <a:ext cx="267124" cy="419424"/>
-                  </a:xfrm>
-                  <a:prstGeom prst="rect">
-                    <a:avLst/>
-                  </a:prstGeom>
-                  <a:solidFill>
-                    <a:schemeClr val="bg1"/>
-                  </a:solidFill>
-                </p:spPr>
-                <p:txBody>
-                  <a:bodyPr wrap="square" lIns="0" tIns="0" rIns="0" bIns="0" rtlCol="0">
-                    <a:spAutoFit/>
-                  </a:bodyPr>
-                  <a:lstStyle/>
-                  <a:p>
-                    <a14:m>
-                      <m:oMathPara xmlns:m="http://schemas.openxmlformats.org/officeDocument/2006/math">
-                        <m:oMathParaPr>
-                          <m:jc m:val="centerGroup"/>
-                        </m:oMathParaPr>
-                        <m:oMath xmlns:m="http://schemas.openxmlformats.org/officeDocument/2006/math">
-                          <m:r>
-                            <a:rPr lang="en-US" b="0" i="1" smtClean="0">
-                              <a:latin typeface="Cambria Math" panose="02040503050406030204" pitchFamily="18" charset="0"/>
-                            </a:rPr>
-                            <m:t>𝑏</m:t>
-                          </m:r>
-                        </m:oMath>
-                      </m:oMathPara>
-                    </a14:m>
-                    <a:endParaRPr lang="en-US" dirty="0"/>
-                  </a:p>
-                </p:txBody>
-              </p:sp>
-            </mc:Choice>
-            <mc:Fallback>
-              <p:sp>
-                <p:nvSpPr>
-                  <p:cNvPr id="21" name="TextBox 20">
-                    <a:extLst>
-                      <a:ext uri="{FF2B5EF4-FFF2-40B4-BE49-F238E27FC236}">
-                        <a16:creationId xmlns:a16="http://schemas.microsoft.com/office/drawing/2014/main" id="{ED02A0B7-75B0-B54E-B363-FBD1BA610B3D}"/>
-                      </a:ext>
-                    </a:extLst>
-                  </p:cNvPr>
-                  <p:cNvSpPr txBox="1">
-                    <a:spLocks noRot="1" noChangeAspect="1" noMove="1" noResize="1" noEditPoints="1" noAdjustHandles="1" noChangeArrowheads="1" noChangeShapeType="1" noTextEdit="1"/>
-                  </p:cNvSpPr>
-                  <p:nvPr/>
-                </p:nvSpPr>
-                <p:spPr>
-                  <a:xfrm>
-                    <a:off x="4762075" y="5715000"/>
-                    <a:ext cx="267124" cy="419424"/>
-                  </a:xfrm>
-                  <a:prstGeom prst="rect">
-                    <a:avLst/>
-                  </a:prstGeom>
-                  <a:blipFill>
-                    <a:blip r:embed="rId7"/>
-                    <a:stretch>
-                      <a:fillRect l="-26667" r="-26667" b="-13043"/>
-                    </a:stretch>
-                  </a:blipFill>
-                </p:spPr>
-                <p:txBody>
-                  <a:bodyPr/>
-                  <a:lstStyle/>
-                  <a:p>
-                    <a:r>
-                      <a:rPr lang="en-US">
-                        <a:noFill/>
-                      </a:rPr>
-                      <a:t> </a:t>
-                    </a:r>
-                  </a:p>
-                </p:txBody>
-              </p:sp>
-            </mc:Fallback>
-          </mc:AlternateContent>
-          <mc:AlternateContent xmlns:mc="http://schemas.openxmlformats.org/markup-compatibility/2006">
-            <mc:Choice xmlns:a14="http://schemas.microsoft.com/office/drawing/2010/main" Requires="a14">
-              <p:sp>
-                <p:nvSpPr>
-                  <p:cNvPr id="22" name="TextBox 21">
-                    <a:extLst>
-                      <a:ext uri="{FF2B5EF4-FFF2-40B4-BE49-F238E27FC236}">
-                        <a16:creationId xmlns:a16="http://schemas.microsoft.com/office/drawing/2014/main" id="{C2D005F7-2802-484B-B39F-4714700DAE5C}"/>
-                      </a:ext>
-                    </a:extLst>
-                  </p:cNvPr>
-                  <p:cNvSpPr txBox="1"/>
-                  <p:nvPr/>
-                </p:nvSpPr>
-                <p:spPr>
-                  <a:xfrm>
-                    <a:off x="3386918" y="5057001"/>
-                    <a:ext cx="1276283" cy="279616"/>
-                  </a:xfrm>
-                  <a:prstGeom prst="rect">
-                    <a:avLst/>
-                  </a:prstGeom>
-                  <a:solidFill>
-                    <a:schemeClr val="tx2">
-                      <a:lumMod val="40000"/>
-                      <a:lumOff val="60000"/>
-                    </a:schemeClr>
-                  </a:solidFill>
-                </p:spPr>
-                <p:txBody>
-                  <a:bodyPr wrap="none" lIns="0" tIns="0" rIns="0" bIns="0" rtlCol="0">
-                    <a:spAutoFit/>
-                  </a:bodyPr>
-                  <a:lstStyle/>
-                  <a:p>
-                    <a:r>
-                      <a:rPr lang="en-US" sz="1200" b="0" dirty="0"/>
-                      <a:t>Area </a:t>
-                    </a:r>
-                    <a14:m>
-                      <m:oMath xmlns:m="http://schemas.openxmlformats.org/officeDocument/2006/math">
-                        <m:r>
-                          <a:rPr lang="en-US" sz="1200" b="0" i="1" smtClean="0">
-                            <a:latin typeface="Cambria Math" panose="02040503050406030204" pitchFamily="18" charset="0"/>
-                          </a:rPr>
-                          <m:t>=1−</m:t>
-                        </m:r>
-                        <m:r>
-                          <a:rPr lang="en-US" sz="1200" b="0" i="1" smtClean="0">
-                            <a:latin typeface="Cambria Math" panose="02040503050406030204" pitchFamily="18" charset="0"/>
-                          </a:rPr>
-                          <m:t>𝛼</m:t>
-                        </m:r>
-                      </m:oMath>
-                    </a14:m>
-                    <a:endParaRPr lang="en-US" sz="1200" dirty="0"/>
-                  </a:p>
-                </p:txBody>
-              </p:sp>
-            </mc:Choice>
-            <mc:Fallback>
-              <p:sp>
-                <p:nvSpPr>
-                  <p:cNvPr id="22" name="TextBox 21">
-                    <a:extLst>
-                      <a:ext uri="{FF2B5EF4-FFF2-40B4-BE49-F238E27FC236}">
-                        <a16:creationId xmlns:a16="http://schemas.microsoft.com/office/drawing/2014/main" id="{C2D005F7-2802-484B-B39F-4714700DAE5C}"/>
-                      </a:ext>
-                    </a:extLst>
-                  </p:cNvPr>
-                  <p:cNvSpPr txBox="1">
-                    <a:spLocks noRot="1" noChangeAspect="1" noMove="1" noResize="1" noEditPoints="1" noAdjustHandles="1" noChangeArrowheads="1" noChangeShapeType="1" noTextEdit="1"/>
-                  </p:cNvSpPr>
-                  <p:nvPr/>
-                </p:nvSpPr>
-                <p:spPr>
-                  <a:xfrm>
-                    <a:off x="3386918" y="5057001"/>
-                    <a:ext cx="1276283" cy="279616"/>
-                  </a:xfrm>
-                  <a:prstGeom prst="rect">
-                    <a:avLst/>
-                  </a:prstGeom>
-                  <a:blipFill>
-                    <a:blip r:embed="rId8"/>
-                    <a:stretch>
-                      <a:fillRect l="-8451" t="-18750" r="-2817" b="-43750"/>
-                    </a:stretch>
-                  </a:blipFill>
-                </p:spPr>
-                <p:txBody>
-                  <a:bodyPr/>
-                  <a:lstStyle/>
-                  <a:p>
-                    <a:r>
-                      <a:rPr lang="en-US">
-                        <a:noFill/>
-                      </a:rPr>
-                      <a:t> </a:t>
-                    </a:r>
-                  </a:p>
-                </p:txBody>
-              </p:sp>
-            </mc:Fallback>
-          </mc:AlternateContent>
-        </p:grpSp>
-        <mc:AlternateContent xmlns:mc="http://schemas.openxmlformats.org/markup-compatibility/2006">
-          <mc:Choice xmlns:a14="http://schemas.microsoft.com/office/drawing/2010/main" Requires="a14">
-            <p:sp>
-              <p:nvSpPr>
-                <p:cNvPr id="13" name="TextBox 12">
-                  <a:extLst>
-                    <a:ext uri="{FF2B5EF4-FFF2-40B4-BE49-F238E27FC236}">
-                      <a16:creationId xmlns:a16="http://schemas.microsoft.com/office/drawing/2014/main" id="{26E09CCA-EA04-B847-9C56-2DFA900DEAEE}"/>
-                    </a:ext>
-                  </a:extLst>
-                </p:cNvPr>
-                <p:cNvSpPr txBox="1"/>
-                <p:nvPr/>
-              </p:nvSpPr>
-              <p:spPr>
-                <a:xfrm>
-                  <a:off x="3235594" y="4117245"/>
-                  <a:ext cx="1674421" cy="388550"/>
-                </a:xfrm>
-                <a:prstGeom prst="rect">
-                  <a:avLst/>
-                </a:prstGeom>
-                <a:solidFill>
-                  <a:schemeClr val="bg1"/>
-                </a:solidFill>
-              </p:spPr>
-              <p:txBody>
-                <a:bodyPr wrap="none" lIns="0" tIns="0" rIns="0" bIns="0" rtlCol="0">
-                  <a:spAutoFit/>
-                </a:bodyPr>
-                <a:lstStyle/>
-                <a:p>
-                  <a14:m>
-                    <m:oMath xmlns:m="http://schemas.openxmlformats.org/officeDocument/2006/math">
-                      <m:acc>
-                        <m:accPr>
-                          <m:chr m:val="̂"/>
-                          <m:ctrlPr>
-                            <a:rPr lang="en-US" sz="1600" b="0" i="1" smtClean="0">
-                              <a:latin typeface="Cambria Math" panose="02040503050406030204" pitchFamily="18" charset="0"/>
-                            </a:rPr>
-                          </m:ctrlPr>
-                        </m:accPr>
-                        <m:e>
-                          <m:r>
-                            <a:rPr lang="en-US" sz="1600" b="0" i="1" smtClean="0">
-                              <a:latin typeface="Cambria Math" panose="02040503050406030204" pitchFamily="18" charset="0"/>
-                            </a:rPr>
-                            <m:t>𝜃</m:t>
-                          </m:r>
-                        </m:e>
-                      </m:acc>
-                    </m:oMath>
-                  </a14:m>
-                  <a:r>
-                    <a:rPr lang="en-US" sz="1600" dirty="0"/>
-                    <a:t> distribution</a:t>
-                  </a:r>
-                </a:p>
-              </p:txBody>
-            </p:sp>
-          </mc:Choice>
-          <mc:Fallback>
-            <p:sp>
-              <p:nvSpPr>
-                <p:cNvPr id="13" name="TextBox 12">
-                  <a:extLst>
-                    <a:ext uri="{FF2B5EF4-FFF2-40B4-BE49-F238E27FC236}">
-                      <a16:creationId xmlns:a16="http://schemas.microsoft.com/office/drawing/2014/main" id="{26E09CCA-EA04-B847-9C56-2DFA900DEAEE}"/>
-                    </a:ext>
-                  </a:extLst>
-                </p:cNvPr>
-                <p:cNvSpPr txBox="1">
-                  <a:spLocks noRot="1" noChangeAspect="1" noMove="1" noResize="1" noEditPoints="1" noAdjustHandles="1" noChangeArrowheads="1" noChangeShapeType="1" noTextEdit="1"/>
-                </p:cNvSpPr>
-                <p:nvPr/>
-              </p:nvSpPr>
-              <p:spPr>
-                <a:xfrm>
-                  <a:off x="3235594" y="4117245"/>
-                  <a:ext cx="1674421" cy="388550"/>
-                </a:xfrm>
-                <a:prstGeom prst="rect">
-                  <a:avLst/>
-                </a:prstGeom>
-                <a:blipFill>
-                  <a:blip r:embed="rId9"/>
-                  <a:stretch>
-                    <a:fillRect l="-6452" t="-19048" r="-8602" b="-42857"/>
-                  </a:stretch>
-                </a:blipFill>
-              </p:spPr>
-              <p:txBody>
-                <a:bodyPr/>
-                <a:lstStyle/>
-                <a:p>
-                  <a:r>
-                    <a:rPr lang="en-US">
-                      <a:noFill/>
-                    </a:rPr>
-                    <a:t> </a:t>
-                  </a:r>
-                </a:p>
-              </p:txBody>
-            </p:sp>
-          </mc:Fallback>
-        </mc:AlternateContent>
-        <mc:AlternateContent xmlns:mc="http://schemas.openxmlformats.org/markup-compatibility/2006">
-          <mc:Choice xmlns:a14="http://schemas.microsoft.com/office/drawing/2010/main" Requires="a14">
-            <p:sp>
-              <p:nvSpPr>
-                <p:cNvPr id="14" name="TextBox 13">
-                  <a:extLst>
-                    <a:ext uri="{FF2B5EF4-FFF2-40B4-BE49-F238E27FC236}">
-                      <a16:creationId xmlns:a16="http://schemas.microsoft.com/office/drawing/2014/main" id="{6F8C23BF-4376-A644-9E08-19ED35EAE3FB}"/>
-                    </a:ext>
-                  </a:extLst>
-                </p:cNvPr>
-                <p:cNvSpPr txBox="1"/>
-                <p:nvPr/>
-              </p:nvSpPr>
-              <p:spPr>
-                <a:xfrm>
-                  <a:off x="3938832" y="5231161"/>
-                  <a:ext cx="821518" cy="408550"/>
-                </a:xfrm>
-                <a:prstGeom prst="rect">
-                  <a:avLst/>
-                </a:prstGeom>
-                <a:noFill/>
-              </p:spPr>
-              <p:txBody>
-                <a:bodyPr wrap="none" lIns="0" tIns="0" rIns="0" bIns="0" rtlCol="0">
-                  <a:spAutoFit/>
-                </a:bodyPr>
-                <a:lstStyle/>
-                <a:p>
-                  <a:r>
-                    <a:rPr lang="en-US" sz="1200" b="0" dirty="0"/>
-                    <a:t>Area = </a:t>
-                  </a:r>
-                  <a14:m>
-                    <m:oMath xmlns:m="http://schemas.openxmlformats.org/officeDocument/2006/math">
-                      <m:f>
-                        <m:fPr>
-                          <m:ctrlPr>
-                            <a:rPr lang="en-US" sz="1200" b="0" i="1" smtClean="0">
-                              <a:latin typeface="Cambria Math" panose="02040503050406030204" pitchFamily="18" charset="0"/>
-                            </a:rPr>
-                          </m:ctrlPr>
-                        </m:fPr>
-                        <m:num>
-                          <m:r>
-                            <a:rPr lang="en-US" sz="1200" b="0" i="1" smtClean="0">
-                              <a:latin typeface="Cambria Math" panose="02040503050406030204" pitchFamily="18" charset="0"/>
-                            </a:rPr>
-                            <m:t>𝜃</m:t>
-                          </m:r>
-                        </m:num>
-                        <m:den>
-                          <m:r>
-                            <a:rPr lang="en-US" sz="1200" b="0" i="1" smtClean="0">
-                              <a:latin typeface="Cambria Math" panose="02040503050406030204" pitchFamily="18" charset="0"/>
-                            </a:rPr>
-                            <m:t>2</m:t>
-                          </m:r>
-                        </m:den>
-                      </m:f>
-                    </m:oMath>
-                  </a14:m>
-                  <a:endParaRPr lang="en-US" sz="1200" dirty="0"/>
-                </a:p>
-              </p:txBody>
-            </p:sp>
-          </mc:Choice>
-          <mc:Fallback>
-            <p:sp>
-              <p:nvSpPr>
-                <p:cNvPr id="14" name="TextBox 13">
-                  <a:extLst>
-                    <a:ext uri="{FF2B5EF4-FFF2-40B4-BE49-F238E27FC236}">
-                      <a16:creationId xmlns:a16="http://schemas.microsoft.com/office/drawing/2014/main" id="{6F8C23BF-4376-A644-9E08-19ED35EAE3FB}"/>
-                    </a:ext>
-                  </a:extLst>
-                </p:cNvPr>
-                <p:cNvSpPr txBox="1">
-                  <a:spLocks noRot="1" noChangeAspect="1" noMove="1" noResize="1" noEditPoints="1" noAdjustHandles="1" noChangeArrowheads="1" noChangeShapeType="1" noTextEdit="1"/>
-                </p:cNvSpPr>
-                <p:nvPr/>
-              </p:nvSpPr>
-              <p:spPr>
-                <a:xfrm>
-                  <a:off x="3938832" y="5231161"/>
-                  <a:ext cx="821518" cy="408550"/>
-                </a:xfrm>
-                <a:prstGeom prst="rect">
-                  <a:avLst/>
-                </a:prstGeom>
-                <a:blipFill>
-                  <a:blip r:embed="rId10"/>
-                  <a:stretch>
-                    <a:fillRect l="-12766" r="-4255" b="-18182"/>
-                  </a:stretch>
-                </a:blipFill>
-              </p:spPr>
-              <p:txBody>
-                <a:bodyPr/>
-                <a:lstStyle/>
-                <a:p>
-                  <a:r>
-                    <a:rPr lang="en-US">
-                      <a:noFill/>
-                    </a:rPr>
-                    <a:t> </a:t>
-                  </a:r>
-                </a:p>
-              </p:txBody>
-            </p:sp>
-          </mc:Fallback>
-        </mc:AlternateContent>
-        <mc:AlternateContent xmlns:mc="http://schemas.openxmlformats.org/markup-compatibility/2006">
-          <mc:Choice xmlns:a14="http://schemas.microsoft.com/office/drawing/2010/main" Requires="a14">
-            <p:sp>
-              <p:nvSpPr>
-                <p:cNvPr id="15" name="TextBox 14">
-                  <a:extLst>
-                    <a:ext uri="{FF2B5EF4-FFF2-40B4-BE49-F238E27FC236}">
-                      <a16:creationId xmlns:a16="http://schemas.microsoft.com/office/drawing/2014/main" id="{FABE7394-AD65-BF4F-9A26-3A4548DF83BD}"/>
-                    </a:ext>
-                  </a:extLst>
-                </p:cNvPr>
-                <p:cNvSpPr txBox="1"/>
-                <p:nvPr/>
-              </p:nvSpPr>
-              <p:spPr>
-                <a:xfrm>
-                  <a:off x="695086" y="5205458"/>
-                  <a:ext cx="821518" cy="408550"/>
-                </a:xfrm>
-                <a:prstGeom prst="rect">
-                  <a:avLst/>
-                </a:prstGeom>
-                <a:noFill/>
-              </p:spPr>
-              <p:txBody>
-                <a:bodyPr wrap="none" lIns="0" tIns="0" rIns="0" bIns="0" rtlCol="0">
-                  <a:spAutoFit/>
-                </a:bodyPr>
-                <a:lstStyle/>
-                <a:p>
-                  <a:r>
-                    <a:rPr lang="en-US" sz="1200" b="0" dirty="0"/>
-                    <a:t>Area = </a:t>
-                  </a:r>
-                  <a14:m>
-                    <m:oMath xmlns:m="http://schemas.openxmlformats.org/officeDocument/2006/math">
-                      <m:f>
-                        <m:fPr>
-                          <m:ctrlPr>
-                            <a:rPr lang="en-US" sz="1200" b="0" i="1" smtClean="0">
-                              <a:latin typeface="Cambria Math" panose="02040503050406030204" pitchFamily="18" charset="0"/>
-                            </a:rPr>
-                          </m:ctrlPr>
-                        </m:fPr>
-                        <m:num>
-                          <m:r>
-                            <a:rPr lang="en-US" sz="1200" b="0" i="1" smtClean="0">
-                              <a:latin typeface="Cambria Math" panose="02040503050406030204" pitchFamily="18" charset="0"/>
-                            </a:rPr>
-                            <m:t>𝜃</m:t>
-                          </m:r>
-                        </m:num>
-                        <m:den>
-                          <m:r>
-                            <a:rPr lang="en-US" sz="1200" b="0" i="1" smtClean="0">
-                              <a:latin typeface="Cambria Math" panose="02040503050406030204" pitchFamily="18" charset="0"/>
-                            </a:rPr>
-                            <m:t>2</m:t>
-                          </m:r>
-                        </m:den>
-                      </m:f>
-                    </m:oMath>
-                  </a14:m>
-                  <a:endParaRPr lang="en-US" sz="1200" dirty="0"/>
-                </a:p>
-              </p:txBody>
-            </p:sp>
-          </mc:Choice>
-          <mc:Fallback>
-            <p:sp>
-              <p:nvSpPr>
-                <p:cNvPr id="15" name="TextBox 14">
-                  <a:extLst>
-                    <a:ext uri="{FF2B5EF4-FFF2-40B4-BE49-F238E27FC236}">
-                      <a16:creationId xmlns:a16="http://schemas.microsoft.com/office/drawing/2014/main" id="{FABE7394-AD65-BF4F-9A26-3A4548DF83BD}"/>
-                    </a:ext>
-                  </a:extLst>
-                </p:cNvPr>
-                <p:cNvSpPr txBox="1">
-                  <a:spLocks noRot="1" noChangeAspect="1" noMove="1" noResize="1" noEditPoints="1" noAdjustHandles="1" noChangeArrowheads="1" noChangeShapeType="1" noTextEdit="1"/>
-                </p:cNvSpPr>
-                <p:nvPr/>
-              </p:nvSpPr>
-              <p:spPr>
-                <a:xfrm>
-                  <a:off x="695086" y="5205458"/>
-                  <a:ext cx="821518" cy="408550"/>
-                </a:xfrm>
-                <a:prstGeom prst="rect">
-                  <a:avLst/>
-                </a:prstGeom>
-                <a:blipFill>
-                  <a:blip r:embed="rId11"/>
-                  <a:stretch>
-                    <a:fillRect l="-17778" r="-4444" b="-18182"/>
-                  </a:stretch>
-                </a:blipFill>
-              </p:spPr>
-              <p:txBody>
-                <a:bodyPr/>
-                <a:lstStyle/>
-                <a:p>
-                  <a:r>
-                    <a:rPr lang="en-US">
-                      <a:noFill/>
-                    </a:rPr>
-                    <a:t> </a:t>
-                  </a:r>
-                </a:p>
-              </p:txBody>
-            </p:sp>
-          </mc:Fallback>
-        </mc:AlternateContent>
-      </p:grpSp>
-    </p:spTree>
-    <p:extLst>
-      <p:ext uri="{BB962C8B-B14F-4D97-AF65-F5344CB8AC3E}">
-        <p14:creationId xmlns:p14="http://schemas.microsoft.com/office/powerpoint/2010/main" val="342624097"/>
-      </p:ext>
-    </p:extLst>
-  </p:cSld>
-  <p:clrMapOvr>
-    <a:masterClrMapping/>
-  </p:clrMapOvr>
-</p:sld>
-</file>
-
-<file path=ppt/slides/slide11.xml><?xml version="1.0" encoding="utf-8"?>
-<p:sld xmlns:a="http://schemas.openxmlformats.org/drawingml/2006/main" xmlns:r="http://schemas.openxmlformats.org/officeDocument/2006/relationships" xmlns:p="http://schemas.openxmlformats.org/presentationml/2006/main">
-  <p:cSld>
-    <p:spTree>
-      <p:nvGrpSpPr>
-        <p:cNvPr id="1" name=""/>
-        <p:cNvGrpSpPr/>
-        <p:nvPr/>
-      </p:nvGrpSpPr>
-      <p:grpSpPr>
-        <a:xfrm>
-          <a:off x="0" y="0"/>
-          <a:ext cx="0" cy="0"/>
-          <a:chOff x="0" y="0"/>
-          <a:chExt cx="0" cy="0"/>
-        </a:xfrm>
-      </p:grpSpPr>
-      <p:sp>
-        <p:nvSpPr>
-          <p:cNvPr id="2" name="Title 1">
-            <a:extLst>
-              <a:ext uri="{FF2B5EF4-FFF2-40B4-BE49-F238E27FC236}">
-                <a16:creationId xmlns:a16="http://schemas.microsoft.com/office/drawing/2014/main" id="{91C3BE8E-FEFB-4745-82FD-CD83513B5336}"/>
-              </a:ext>
-            </a:extLst>
-          </p:cNvPr>
-          <p:cNvSpPr>
-            <a:spLocks noGrp="1"/>
-          </p:cNvSpPr>
-          <p:nvPr>
-            <p:ph type="title"/>
-          </p:nvPr>
-        </p:nvSpPr>
-        <p:spPr/>
-        <p:txBody>
-          <a:bodyPr/>
-          <a:lstStyle/>
-          <a:p>
-            <a:r>
-              <a:rPr lang="en-US" dirty="0"/>
-              <a:t>Go To Notebook </a:t>
-            </a:r>
-            <a:r>
-              <a:rPr lang="en-US"/>
-              <a:t>for Lecture 11</a:t>
-            </a:r>
-          </a:p>
-        </p:txBody>
-      </p:sp>
-      <p:sp>
-        <p:nvSpPr>
-          <p:cNvPr id="3" name="Content Placeholder 2">
-            <a:extLst>
-              <a:ext uri="{FF2B5EF4-FFF2-40B4-BE49-F238E27FC236}">
-                <a16:creationId xmlns:a16="http://schemas.microsoft.com/office/drawing/2014/main" id="{3E6546EB-08A7-4648-971A-514D6222547B}"/>
-              </a:ext>
-            </a:extLst>
-          </p:cNvPr>
-          <p:cNvSpPr>
-            <a:spLocks noGrp="1"/>
-          </p:cNvSpPr>
-          <p:nvPr>
-            <p:ph idx="1"/>
-          </p:nvPr>
-        </p:nvSpPr>
-        <p:spPr/>
-        <p:txBody>
-          <a:bodyPr/>
-          <a:lstStyle/>
-          <a:p>
-            <a:endParaRPr lang="en-US"/>
-          </a:p>
-        </p:txBody>
-      </p:sp>
-      <p:sp>
-        <p:nvSpPr>
-          <p:cNvPr id="4" name="Slide Number Placeholder 3">
-            <a:extLst>
-              <a:ext uri="{FF2B5EF4-FFF2-40B4-BE49-F238E27FC236}">
-                <a16:creationId xmlns:a16="http://schemas.microsoft.com/office/drawing/2014/main" id="{E72E5BBD-B388-4546-8950-442A1F88C49E}"/>
-              </a:ext>
-            </a:extLst>
-          </p:cNvPr>
-          <p:cNvSpPr>
-            <a:spLocks noGrp="1"/>
-          </p:cNvSpPr>
-          <p:nvPr>
-            <p:ph type="sldNum" sz="quarter" idx="11"/>
-          </p:nvPr>
-        </p:nvSpPr>
-        <p:spPr/>
-        <p:txBody>
-          <a:bodyPr/>
-          <a:lstStyle/>
-          <a:p>
-            <a:pPr>
-              <a:defRPr/>
-            </a:pPr>
-            <a:fld id="{3EF4E9CC-9D91-476E-91FD-5BEEC1642931}" type="slidenum">
-              <a:rPr lang="en-US" altLang="x-none" smtClean="0"/>
-              <a:pPr>
-                <a:defRPr/>
-              </a:pPr>
-              <a:t>11</a:t>
-            </a:fld>
-            <a:endParaRPr lang="en-US" altLang="x-none"/>
-          </a:p>
-        </p:txBody>
-      </p:sp>
-    </p:spTree>
-    <p:extLst>
-      <p:ext uri="{BB962C8B-B14F-4D97-AF65-F5344CB8AC3E}">
-        <p14:creationId xmlns:p14="http://schemas.microsoft.com/office/powerpoint/2010/main" val="1253808932"/>
-      </p:ext>
-    </p:extLst>
-  </p:cSld>
-  <p:clrMapOvr>
-    <a:masterClrMapping/>
-  </p:clrMapOvr>
-</p:sld>
-</file>
-
-<file path=ppt/slides/slide12.xml><?xml version="1.0" encoding="utf-8"?>
-<p:sld xmlns:a="http://schemas.openxmlformats.org/drawingml/2006/main" xmlns:r="http://schemas.openxmlformats.org/officeDocument/2006/relationships" xmlns:p="http://schemas.openxmlformats.org/presentationml/2006/main">
-  <p:cSld>
-    <p:spTree>
-      <p:nvGrpSpPr>
-        <p:cNvPr id="1" name=""/>
-        <p:cNvGrpSpPr/>
-        <p:nvPr/>
-      </p:nvGrpSpPr>
-      <p:grpSpPr>
-        <a:xfrm>
-          <a:off x="0" y="0"/>
-          <a:ext cx="0" cy="0"/>
-          <a:chOff x="0" y="0"/>
-          <a:chExt cx="0" cy="0"/>
-        </a:xfrm>
-      </p:grpSpPr>
-      <p:sp>
-        <p:nvSpPr>
-          <p:cNvPr id="2" name="Title 1">
-            <a:extLst>
-              <a:ext uri="{FF2B5EF4-FFF2-40B4-BE49-F238E27FC236}">
-                <a16:creationId xmlns:a16="http://schemas.microsoft.com/office/drawing/2014/main" id="{59D8CD8E-D28D-BA48-91E1-D41F2631C049}"/>
-              </a:ext>
-            </a:extLst>
-          </p:cNvPr>
-          <p:cNvSpPr>
-            <a:spLocks noGrp="1"/>
-          </p:cNvSpPr>
-          <p:nvPr>
-            <p:ph type="title"/>
-          </p:nvPr>
-        </p:nvSpPr>
-        <p:spPr/>
-        <p:txBody>
-          <a:bodyPr/>
-          <a:lstStyle/>
-          <a:p>
-            <a:r>
-              <a:rPr lang="en-US" dirty="0"/>
-              <a:t>Backup</a:t>
-            </a:r>
-          </a:p>
-        </p:txBody>
-      </p:sp>
-      <p:sp>
-        <p:nvSpPr>
-          <p:cNvPr id="4" name="Content Placeholder 3">
-            <a:extLst>
-              <a:ext uri="{FF2B5EF4-FFF2-40B4-BE49-F238E27FC236}">
-                <a16:creationId xmlns:a16="http://schemas.microsoft.com/office/drawing/2014/main" id="{5B44CA9C-E409-3C40-8632-4F324145E8F9}"/>
-              </a:ext>
-            </a:extLst>
-          </p:cNvPr>
-          <p:cNvSpPr>
-            <a:spLocks noGrp="1"/>
-          </p:cNvSpPr>
-          <p:nvPr>
-            <p:ph idx="1"/>
-          </p:nvPr>
-        </p:nvSpPr>
-        <p:spPr/>
-        <p:txBody>
-          <a:bodyPr/>
-          <a:lstStyle/>
-          <a:p>
-            <a:endParaRPr lang="en-US" dirty="0"/>
-          </a:p>
-        </p:txBody>
-      </p:sp>
-      <p:sp>
-        <p:nvSpPr>
-          <p:cNvPr id="3" name="Slide Number Placeholder 2">
-            <a:extLst>
-              <a:ext uri="{FF2B5EF4-FFF2-40B4-BE49-F238E27FC236}">
-                <a16:creationId xmlns:a16="http://schemas.microsoft.com/office/drawing/2014/main" id="{1F4F2996-EDB7-B54F-96E0-7945BA027B0A}"/>
-              </a:ext>
-            </a:extLst>
-          </p:cNvPr>
-          <p:cNvSpPr>
-            <a:spLocks noGrp="1"/>
-          </p:cNvSpPr>
-          <p:nvPr>
-            <p:ph type="sldNum" sz="quarter" idx="11"/>
-          </p:nvPr>
-        </p:nvSpPr>
-        <p:spPr/>
-        <p:txBody>
-          <a:bodyPr/>
-          <a:lstStyle/>
-          <a:p>
-            <a:pPr>
-              <a:defRPr/>
-            </a:pPr>
-            <a:fld id="{2E4304A7-0FB2-4094-BC1E-DB17183AD0C1}" type="slidenum">
-              <a:rPr lang="en-US" altLang="x-none" smtClean="0"/>
-              <a:pPr>
-                <a:defRPr/>
-              </a:pPr>
-              <a:t>12</a:t>
-            </a:fld>
-            <a:endParaRPr lang="en-US" altLang="x-none"/>
-          </a:p>
-        </p:txBody>
-      </p:sp>
-    </p:spTree>
-    <p:extLst>
-      <p:ext uri="{BB962C8B-B14F-4D97-AF65-F5344CB8AC3E}">
-        <p14:creationId xmlns:p14="http://schemas.microsoft.com/office/powerpoint/2010/main" val="1471790312"/>
-      </p:ext>
-    </p:extLst>
-  </p:cSld>
-  <p:clrMapOvr>
-    <a:masterClrMapping/>
-  </p:clrMapOvr>
-</p:sld>
-</file>
-
-<file path=ppt/slides/slide13.xml><?xml version="1.0" encoding="utf-8"?>
-<p:sld xmlns:a="http://schemas.openxmlformats.org/drawingml/2006/main" xmlns:r="http://schemas.openxmlformats.org/officeDocument/2006/relationships" xmlns:p="http://schemas.openxmlformats.org/presentationml/2006/main">
-  <p:cSld>
-    <p:spTree>
-      <p:nvGrpSpPr>
-        <p:cNvPr id="1" name=""/>
-        <p:cNvGrpSpPr/>
-        <p:nvPr/>
-      </p:nvGrpSpPr>
-      <p:grpSpPr>
-        <a:xfrm>
-          <a:off x="0" y="0"/>
-          <a:ext cx="0" cy="0"/>
-          <a:chOff x="0" y="0"/>
-          <a:chExt cx="0" cy="0"/>
-        </a:xfrm>
-      </p:grpSpPr>
-      <p:sp>
-        <p:nvSpPr>
-          <p:cNvPr id="2" name="Title 1">
-            <a:extLst>
-              <a:ext uri="{FF2B5EF4-FFF2-40B4-BE49-F238E27FC236}">
-                <a16:creationId xmlns:a16="http://schemas.microsoft.com/office/drawing/2014/main" id="{3C7E67AC-19A8-A84A-AD29-CE9094C8D37C}"/>
-              </a:ext>
-            </a:extLst>
-          </p:cNvPr>
-          <p:cNvSpPr>
-            <a:spLocks noGrp="1"/>
-          </p:cNvSpPr>
-          <p:nvPr>
-            <p:ph type="title"/>
-          </p:nvPr>
-        </p:nvSpPr>
-        <p:spPr/>
-        <p:txBody>
-          <a:bodyPr/>
-          <a:lstStyle/>
-          <a:p>
-            <a:r>
-              <a:rPr lang="en-US" dirty="0"/>
-              <a:t>Generating a Synthetic Response Data</a:t>
-            </a:r>
-          </a:p>
-        </p:txBody>
-      </p:sp>
-      <p:sp>
-        <p:nvSpPr>
-          <p:cNvPr id="4" name="Content Placeholder 3">
-            <a:extLst>
-              <a:ext uri="{FF2B5EF4-FFF2-40B4-BE49-F238E27FC236}">
-                <a16:creationId xmlns:a16="http://schemas.microsoft.com/office/drawing/2014/main" id="{467EA42C-8833-EF4C-974C-06FAC4D63BBB}"/>
-              </a:ext>
-            </a:extLst>
-          </p:cNvPr>
-          <p:cNvSpPr>
-            <a:spLocks noGrp="1"/>
-          </p:cNvSpPr>
-          <p:nvPr>
-            <p:ph idx="1"/>
-          </p:nvPr>
-        </p:nvSpPr>
-        <p:spPr/>
-        <p:txBody>
-          <a:bodyPr/>
-          <a:lstStyle/>
-          <a:p>
-            <a:pPr marL="0" indent="0">
-              <a:buNone/>
-            </a:pPr>
-            <a:r>
-              <a:rPr lang="en-US" sz="2000" dirty="0">
-                <a:latin typeface="Courier New" panose="02070309020205020404" pitchFamily="49" charset="0"/>
-                <a:cs typeface="Courier New" panose="02070309020205020404" pitchFamily="49" charset="0"/>
-              </a:rPr>
-              <a:t>def </a:t>
-            </a:r>
-            <a:r>
-              <a:rPr lang="en-US" sz="2000" dirty="0" err="1">
-                <a:latin typeface="Courier New" panose="02070309020205020404" pitchFamily="49" charset="0"/>
-                <a:cs typeface="Courier New" panose="02070309020205020404" pitchFamily="49" charset="0"/>
-              </a:rPr>
-              <a:t>generateData</a:t>
-            </a:r>
-            <a:r>
-              <a:rPr lang="en-US" sz="2000" dirty="0">
-                <a:latin typeface="Courier New" panose="02070309020205020404" pitchFamily="49" charset="0"/>
-                <a:cs typeface="Courier New" panose="02070309020205020404" pitchFamily="49" charset="0"/>
-              </a:rPr>
-              <a:t>(</a:t>
-            </a:r>
-            <a:r>
-              <a:rPr lang="en-US" sz="2000" dirty="0" err="1">
-                <a:latin typeface="Courier New" panose="02070309020205020404" pitchFamily="49" charset="0"/>
-                <a:cs typeface="Courier New" panose="02070309020205020404" pitchFamily="49" charset="0"/>
-              </a:rPr>
-              <a:t>y_obs</a:t>
-            </a:r>
-            <a:r>
-              <a:rPr lang="en-US" sz="2000" dirty="0">
-                <a:latin typeface="Courier New" panose="02070309020205020404" pitchFamily="49" charset="0"/>
-                <a:cs typeface="Courier New" panose="02070309020205020404" pitchFamily="49" charset="0"/>
-              </a:rPr>
-              <a:t>, </a:t>
-            </a:r>
-            <a:r>
-              <a:rPr lang="en-US" sz="2000" dirty="0" err="1">
-                <a:latin typeface="Courier New" panose="02070309020205020404" pitchFamily="49" charset="0"/>
-                <a:cs typeface="Courier New" panose="02070309020205020404" pitchFamily="49" charset="0"/>
-              </a:rPr>
-              <a:t>y_fit</a:t>
-            </a:r>
-            <a:r>
-              <a:rPr lang="en-US" sz="2000" dirty="0">
-                <a:latin typeface="Courier New" panose="02070309020205020404" pitchFamily="49" charset="0"/>
-                <a:cs typeface="Courier New" panose="02070309020205020404" pitchFamily="49" charset="0"/>
-              </a:rPr>
-              <a:t>):</a:t>
-            </a:r>
-          </a:p>
-          <a:p>
-            <a:pPr marL="0" indent="0">
-              <a:buNone/>
-            </a:pPr>
-            <a:r>
-              <a:rPr lang="en-US" sz="2000" dirty="0">
-                <a:latin typeface="Courier New" panose="02070309020205020404" pitchFamily="49" charset="0"/>
-                <a:cs typeface="Courier New" panose="02070309020205020404" pitchFamily="49" charset="0"/>
-              </a:rPr>
-              <a:t>    """</a:t>
-            </a:r>
-          </a:p>
-          <a:p>
-            <a:pPr marL="0" indent="0">
-              <a:buNone/>
-            </a:pPr>
-            <a:r>
-              <a:rPr lang="en-US" sz="2000" dirty="0">
-                <a:latin typeface="Courier New" panose="02070309020205020404" pitchFamily="49" charset="0"/>
-                <a:cs typeface="Courier New" panose="02070309020205020404" pitchFamily="49" charset="0"/>
-              </a:rPr>
-              <a:t>    :</a:t>
-            </a:r>
-            <a:r>
-              <a:rPr lang="en-US" sz="2000" dirty="0" err="1">
-                <a:latin typeface="Courier New" panose="02070309020205020404" pitchFamily="49" charset="0"/>
-                <a:cs typeface="Courier New" panose="02070309020205020404" pitchFamily="49" charset="0"/>
-              </a:rPr>
-              <a:t>param</a:t>
-            </a:r>
-            <a:r>
-              <a:rPr lang="en-US" sz="2000" dirty="0">
-                <a:latin typeface="Courier New" panose="02070309020205020404" pitchFamily="49" charset="0"/>
-                <a:cs typeface="Courier New" panose="02070309020205020404" pitchFamily="49" charset="0"/>
-              </a:rPr>
-              <a:t> </a:t>
-            </a:r>
-            <a:r>
-              <a:rPr lang="en-US" sz="2000" dirty="0" err="1">
-                <a:latin typeface="Courier New" panose="02070309020205020404" pitchFamily="49" charset="0"/>
-                <a:cs typeface="Courier New" panose="02070309020205020404" pitchFamily="49" charset="0"/>
-              </a:rPr>
-              <a:t>np.array</a:t>
-            </a:r>
-            <a:r>
-              <a:rPr lang="en-US" sz="2000" dirty="0">
-                <a:latin typeface="Courier New" panose="02070309020205020404" pitchFamily="49" charset="0"/>
-                <a:cs typeface="Courier New" panose="02070309020205020404" pitchFamily="49" charset="0"/>
-              </a:rPr>
-              <a:t> </a:t>
-            </a:r>
-            <a:r>
-              <a:rPr lang="en-US" sz="2000" dirty="0" err="1">
-                <a:latin typeface="Courier New" panose="02070309020205020404" pitchFamily="49" charset="0"/>
-                <a:cs typeface="Courier New" panose="02070309020205020404" pitchFamily="49" charset="0"/>
-              </a:rPr>
-              <a:t>y_obs</a:t>
-            </a:r>
-            <a:endParaRPr lang="en-US" sz="2000" dirty="0">
-              <a:latin typeface="Courier New" panose="02070309020205020404" pitchFamily="49" charset="0"/>
-              <a:cs typeface="Courier New" panose="02070309020205020404" pitchFamily="49" charset="0"/>
-            </a:endParaRPr>
-          </a:p>
-          <a:p>
-            <a:pPr marL="0" indent="0">
-              <a:buNone/>
-            </a:pPr>
-            <a:r>
-              <a:rPr lang="en-US" sz="2000" dirty="0">
-                <a:latin typeface="Courier New" panose="02070309020205020404" pitchFamily="49" charset="0"/>
-                <a:cs typeface="Courier New" panose="02070309020205020404" pitchFamily="49" charset="0"/>
-              </a:rPr>
-              <a:t>    :</a:t>
-            </a:r>
-            <a:r>
-              <a:rPr lang="en-US" sz="2000" dirty="0" err="1">
-                <a:latin typeface="Courier New" panose="02070309020205020404" pitchFamily="49" charset="0"/>
-                <a:cs typeface="Courier New" panose="02070309020205020404" pitchFamily="49" charset="0"/>
-              </a:rPr>
-              <a:t>param</a:t>
-            </a:r>
-            <a:r>
-              <a:rPr lang="en-US" sz="2000" dirty="0">
-                <a:latin typeface="Courier New" panose="02070309020205020404" pitchFamily="49" charset="0"/>
-                <a:cs typeface="Courier New" panose="02070309020205020404" pitchFamily="49" charset="0"/>
-              </a:rPr>
-              <a:t> </a:t>
-            </a:r>
-            <a:r>
-              <a:rPr lang="en-US" sz="2000" dirty="0" err="1">
-                <a:latin typeface="Courier New" panose="02070309020205020404" pitchFamily="49" charset="0"/>
-                <a:cs typeface="Courier New" panose="02070309020205020404" pitchFamily="49" charset="0"/>
-              </a:rPr>
-              <a:t>np.array</a:t>
-            </a:r>
-            <a:r>
-              <a:rPr lang="en-US" sz="2000" dirty="0">
-                <a:latin typeface="Courier New" panose="02070309020205020404" pitchFamily="49" charset="0"/>
-                <a:cs typeface="Courier New" panose="02070309020205020404" pitchFamily="49" charset="0"/>
-              </a:rPr>
-              <a:t> </a:t>
-            </a:r>
-            <a:r>
-              <a:rPr lang="en-US" sz="2000" dirty="0" err="1">
-                <a:latin typeface="Courier New" panose="02070309020205020404" pitchFamily="49" charset="0"/>
-                <a:cs typeface="Courier New" panose="02070309020205020404" pitchFamily="49" charset="0"/>
-              </a:rPr>
-              <a:t>y_fit</a:t>
-            </a:r>
-            <a:endParaRPr lang="en-US" sz="2000" dirty="0">
-              <a:latin typeface="Courier New" panose="02070309020205020404" pitchFamily="49" charset="0"/>
-              <a:cs typeface="Courier New" panose="02070309020205020404" pitchFamily="49" charset="0"/>
-            </a:endParaRPr>
-          </a:p>
-          <a:p>
-            <a:pPr marL="0" indent="0">
-              <a:buNone/>
-            </a:pPr>
-            <a:r>
-              <a:rPr lang="en-US" sz="2000" dirty="0">
-                <a:latin typeface="Courier New" panose="02070309020205020404" pitchFamily="49" charset="0"/>
-                <a:cs typeface="Courier New" panose="02070309020205020404" pitchFamily="49" charset="0"/>
-              </a:rPr>
-              <a:t>    :return </a:t>
-            </a:r>
-            <a:r>
-              <a:rPr lang="en-US" sz="2000" dirty="0" err="1">
-                <a:latin typeface="Courier New" panose="02070309020205020404" pitchFamily="49" charset="0"/>
-                <a:cs typeface="Courier New" panose="02070309020205020404" pitchFamily="49" charset="0"/>
-              </a:rPr>
-              <a:t>np.array</a:t>
-            </a:r>
-            <a:r>
-              <a:rPr lang="en-US" sz="2000" dirty="0">
-                <a:latin typeface="Courier New" panose="02070309020205020404" pitchFamily="49" charset="0"/>
-                <a:cs typeface="Courier New" panose="02070309020205020404" pitchFamily="49" charset="0"/>
-              </a:rPr>
-              <a:t>: bootstrap data</a:t>
-            </a:r>
-          </a:p>
-          <a:p>
-            <a:pPr marL="0" indent="0">
-              <a:buNone/>
-            </a:pPr>
-            <a:r>
-              <a:rPr lang="en-US" sz="2000" dirty="0">
-                <a:latin typeface="Courier New" panose="02070309020205020404" pitchFamily="49" charset="0"/>
-                <a:cs typeface="Courier New" panose="02070309020205020404" pitchFamily="49" charset="0"/>
-              </a:rPr>
-              <a:t>    """</a:t>
-            </a:r>
-          </a:p>
-          <a:p>
-            <a:pPr marL="0" indent="0">
-              <a:buNone/>
-            </a:pPr>
-            <a:r>
-              <a:rPr lang="en-US" sz="2000" dirty="0">
-                <a:latin typeface="Courier New" panose="02070309020205020404" pitchFamily="49" charset="0"/>
-                <a:cs typeface="Courier New" panose="02070309020205020404" pitchFamily="49" charset="0"/>
-              </a:rPr>
-              <a:t>    residuals = </a:t>
-            </a:r>
-            <a:r>
-              <a:rPr lang="en-US" sz="2000" dirty="0" err="1">
-                <a:latin typeface="Courier New" panose="02070309020205020404" pitchFamily="49" charset="0"/>
-                <a:cs typeface="Courier New" panose="02070309020205020404" pitchFamily="49" charset="0"/>
-              </a:rPr>
-              <a:t>y_obs</a:t>
-            </a:r>
-            <a:r>
-              <a:rPr lang="en-US" sz="2000" dirty="0">
-                <a:latin typeface="Courier New" panose="02070309020205020404" pitchFamily="49" charset="0"/>
-                <a:cs typeface="Courier New" panose="02070309020205020404" pitchFamily="49" charset="0"/>
-              </a:rPr>
-              <a:t> - </a:t>
-            </a:r>
-            <a:r>
-              <a:rPr lang="en-US" sz="2000" dirty="0" err="1">
-                <a:latin typeface="Courier New" panose="02070309020205020404" pitchFamily="49" charset="0"/>
-                <a:cs typeface="Courier New" panose="02070309020205020404" pitchFamily="49" charset="0"/>
-              </a:rPr>
-              <a:t>y_fit</a:t>
-            </a:r>
-            <a:endParaRPr lang="en-US" sz="2000" dirty="0">
-              <a:latin typeface="Courier New" panose="02070309020205020404" pitchFamily="49" charset="0"/>
-              <a:cs typeface="Courier New" panose="02070309020205020404" pitchFamily="49" charset="0"/>
-            </a:endParaRPr>
-          </a:p>
-          <a:p>
-            <a:pPr marL="0" indent="0">
-              <a:buNone/>
-            </a:pPr>
-            <a:r>
-              <a:rPr lang="en-US" sz="2000" dirty="0">
-                <a:latin typeface="Courier New" panose="02070309020205020404" pitchFamily="49" charset="0"/>
-                <a:cs typeface="Courier New" panose="02070309020205020404" pitchFamily="49" charset="0"/>
-              </a:rPr>
-              <a:t>    length = </a:t>
-            </a:r>
-            <a:r>
-              <a:rPr lang="en-US" sz="2000" dirty="0" err="1">
-                <a:latin typeface="Courier New" panose="02070309020205020404" pitchFamily="49" charset="0"/>
-                <a:cs typeface="Courier New" panose="02070309020205020404" pitchFamily="49" charset="0"/>
-              </a:rPr>
-              <a:t>len</a:t>
-            </a:r>
-            <a:r>
-              <a:rPr lang="en-US" sz="2000" dirty="0">
-                <a:latin typeface="Courier New" panose="02070309020205020404" pitchFamily="49" charset="0"/>
-                <a:cs typeface="Courier New" panose="02070309020205020404" pitchFamily="49" charset="0"/>
-              </a:rPr>
-              <a:t>(</a:t>
-            </a:r>
-            <a:r>
-              <a:rPr lang="en-US" sz="2000" dirty="0" err="1">
-                <a:latin typeface="Courier New" panose="02070309020205020404" pitchFamily="49" charset="0"/>
-                <a:cs typeface="Courier New" panose="02070309020205020404" pitchFamily="49" charset="0"/>
-              </a:rPr>
-              <a:t>y_obs</a:t>
-            </a:r>
-            <a:r>
-              <a:rPr lang="en-US" sz="2000" dirty="0">
-                <a:latin typeface="Courier New" panose="02070309020205020404" pitchFamily="49" charset="0"/>
-                <a:cs typeface="Courier New" panose="02070309020205020404" pitchFamily="49" charset="0"/>
-              </a:rPr>
-              <a:t>)</a:t>
-            </a:r>
-          </a:p>
-          <a:p>
-            <a:pPr marL="0" indent="0">
-              <a:buNone/>
-            </a:pPr>
-            <a:r>
-              <a:rPr lang="en-US" sz="2000" dirty="0">
-                <a:latin typeface="Courier New" panose="02070309020205020404" pitchFamily="49" charset="0"/>
-                <a:cs typeface="Courier New" panose="02070309020205020404" pitchFamily="49" charset="0"/>
-              </a:rPr>
-              <a:t>    residuals = </a:t>
-            </a:r>
-            <a:r>
-              <a:rPr lang="en-US" sz="2000" dirty="0" err="1">
-                <a:latin typeface="Courier New" panose="02070309020205020404" pitchFamily="49" charset="0"/>
-                <a:cs typeface="Courier New" panose="02070309020205020404" pitchFamily="49" charset="0"/>
-              </a:rPr>
-              <a:t>residuals.reshape</a:t>
-            </a:r>
-            <a:r>
-              <a:rPr lang="en-US" sz="2000" dirty="0">
-                <a:latin typeface="Courier New" panose="02070309020205020404" pitchFamily="49" charset="0"/>
-                <a:cs typeface="Courier New" panose="02070309020205020404" pitchFamily="49" charset="0"/>
-              </a:rPr>
-              <a:t>(length)</a:t>
-            </a:r>
-          </a:p>
-          <a:p>
-            <a:pPr marL="0" indent="0">
-              <a:buNone/>
-            </a:pPr>
-            <a:r>
-              <a:rPr lang="en-US" sz="2000" dirty="0">
-                <a:latin typeface="Courier New" panose="02070309020205020404" pitchFamily="49" charset="0"/>
-                <a:cs typeface="Courier New" panose="02070309020205020404" pitchFamily="49" charset="0"/>
-              </a:rPr>
-              <a:t>    samples = </a:t>
-            </a:r>
-            <a:r>
-              <a:rPr lang="en-US" sz="2000" dirty="0" err="1">
-                <a:latin typeface="Courier New" panose="02070309020205020404" pitchFamily="49" charset="0"/>
-                <a:cs typeface="Courier New" panose="02070309020205020404" pitchFamily="49" charset="0"/>
-              </a:rPr>
-              <a:t>np.random.randint</a:t>
-            </a:r>
-            <a:r>
-              <a:rPr lang="en-US" sz="2000" dirty="0">
-                <a:latin typeface="Courier New" panose="02070309020205020404" pitchFamily="49" charset="0"/>
-                <a:cs typeface="Courier New" panose="02070309020205020404" pitchFamily="49" charset="0"/>
-              </a:rPr>
-              <a:t>(0, length</a:t>
-            </a:r>
-            <a:r>
-              <a:rPr lang="en-US" sz="2000">
-                <a:latin typeface="Courier New" panose="02070309020205020404" pitchFamily="49" charset="0"/>
-                <a:cs typeface="Courier New" panose="02070309020205020404" pitchFamily="49" charset="0"/>
-              </a:rPr>
-              <a:t>, length)</a:t>
-            </a:r>
-            <a:endParaRPr lang="en-US" sz="2000" dirty="0">
-              <a:latin typeface="Courier New" panose="02070309020205020404" pitchFamily="49" charset="0"/>
-              <a:cs typeface="Courier New" panose="02070309020205020404" pitchFamily="49" charset="0"/>
-            </a:endParaRPr>
-          </a:p>
-          <a:p>
-            <a:pPr marL="0" indent="0">
-              <a:buNone/>
-            </a:pPr>
-            <a:r>
-              <a:rPr lang="en-US" sz="2000" dirty="0">
-                <a:latin typeface="Courier New" panose="02070309020205020404" pitchFamily="49" charset="0"/>
-                <a:cs typeface="Courier New" panose="02070309020205020404" pitchFamily="49" charset="0"/>
-              </a:rPr>
-              <a:t>    result = </a:t>
-            </a:r>
-            <a:r>
-              <a:rPr lang="en-US" sz="2000" dirty="0" err="1">
-                <a:latin typeface="Courier New" panose="02070309020205020404" pitchFamily="49" charset="0"/>
-                <a:cs typeface="Courier New" panose="02070309020205020404" pitchFamily="49" charset="0"/>
-              </a:rPr>
-              <a:t>y_fit</a:t>
-            </a:r>
-            <a:r>
-              <a:rPr lang="en-US" sz="2000" dirty="0">
-                <a:latin typeface="Courier New" panose="02070309020205020404" pitchFamily="49" charset="0"/>
-                <a:cs typeface="Courier New" panose="02070309020205020404" pitchFamily="49" charset="0"/>
-              </a:rPr>
-              <a:t> + residuals[samples]</a:t>
-            </a:r>
-          </a:p>
-          <a:p>
-            <a:pPr marL="0" indent="0">
-              <a:buNone/>
-            </a:pPr>
-            <a:r>
-              <a:rPr lang="en-US" sz="2000" dirty="0">
-                <a:latin typeface="Courier New" panose="02070309020205020404" pitchFamily="49" charset="0"/>
-                <a:cs typeface="Courier New" panose="02070309020205020404" pitchFamily="49" charset="0"/>
-              </a:rPr>
-              <a:t>    result = </a:t>
-            </a:r>
-            <a:r>
-              <a:rPr lang="en-US" sz="2000" dirty="0" err="1">
-                <a:latin typeface="Courier New" panose="02070309020205020404" pitchFamily="49" charset="0"/>
-                <a:cs typeface="Courier New" panose="02070309020205020404" pitchFamily="49" charset="0"/>
-              </a:rPr>
-              <a:t>result.reshape</a:t>
-            </a:r>
-            <a:r>
-              <a:rPr lang="en-US" sz="2000" dirty="0">
-                <a:latin typeface="Courier New" panose="02070309020205020404" pitchFamily="49" charset="0"/>
-                <a:cs typeface="Courier New" panose="02070309020205020404" pitchFamily="49" charset="0"/>
-              </a:rPr>
-              <a:t>(length)</a:t>
-            </a:r>
-          </a:p>
-          <a:p>
-            <a:pPr marL="0" indent="0">
-              <a:buNone/>
-            </a:pPr>
-            <a:r>
-              <a:rPr lang="en-US" sz="2000" dirty="0">
-                <a:latin typeface="Courier New" panose="02070309020205020404" pitchFamily="49" charset="0"/>
-                <a:cs typeface="Courier New" panose="02070309020205020404" pitchFamily="49" charset="0"/>
-              </a:rPr>
-              <a:t>    return result</a:t>
-            </a:r>
-          </a:p>
-        </p:txBody>
-      </p:sp>
-      <p:sp>
-        <p:nvSpPr>
-          <p:cNvPr id="3" name="Slide Number Placeholder 2">
-            <a:extLst>
-              <a:ext uri="{FF2B5EF4-FFF2-40B4-BE49-F238E27FC236}">
-                <a16:creationId xmlns:a16="http://schemas.microsoft.com/office/drawing/2014/main" id="{9726B264-DF07-A34E-A052-73194C3256CB}"/>
-              </a:ext>
-            </a:extLst>
-          </p:cNvPr>
-          <p:cNvSpPr>
-            <a:spLocks noGrp="1"/>
-          </p:cNvSpPr>
-          <p:nvPr>
-            <p:ph type="sldNum" sz="quarter" idx="11"/>
-          </p:nvPr>
-        </p:nvSpPr>
-        <p:spPr/>
-        <p:txBody>
-          <a:bodyPr/>
-          <a:lstStyle/>
-          <a:p>
-            <a:pPr>
-              <a:defRPr/>
-            </a:pPr>
-            <a:fld id="{2E4304A7-0FB2-4094-BC1E-DB17183AD0C1}" type="slidenum">
-              <a:rPr lang="en-US" altLang="x-none" smtClean="0"/>
-              <a:pPr>
-                <a:defRPr/>
-              </a:pPr>
-              <a:t>13</a:t>
-            </a:fld>
-            <a:endParaRPr lang="en-US" altLang="x-none"/>
-          </a:p>
-        </p:txBody>
-      </p:sp>
-    </p:spTree>
-    <p:extLst>
-      <p:ext uri="{BB962C8B-B14F-4D97-AF65-F5344CB8AC3E}">
-        <p14:creationId xmlns:p14="http://schemas.microsoft.com/office/powerpoint/2010/main" val="3092477408"/>
-      </p:ext>
-    </p:extLst>
-  </p:cSld>
-  <p:clrMapOvr>
-    <a:masterClrMapping/>
-  </p:clrMapOvr>
-</p:sld>
-</file>
-
-<file path=ppt/slides/slide14.xml><?xml version="1.0" encoding="utf-8"?>
-<p:sld xmlns:a="http://schemas.openxmlformats.org/drawingml/2006/main" xmlns:r="http://schemas.openxmlformats.org/officeDocument/2006/relationships" xmlns:p="http://schemas.openxmlformats.org/presentationml/2006/main">
-  <p:cSld>
-    <p:spTree>
-      <p:nvGrpSpPr>
-        <p:cNvPr id="1" name=""/>
-        <p:cNvGrpSpPr/>
-        <p:nvPr/>
-      </p:nvGrpSpPr>
-      <p:grpSpPr>
-        <a:xfrm>
-          <a:off x="0" y="0"/>
-          <a:ext cx="0" cy="0"/>
-          <a:chOff x="0" y="0"/>
-          <a:chExt cx="0" cy="0"/>
-        </a:xfrm>
-      </p:grpSpPr>
-      <p:sp>
-        <p:nvSpPr>
-          <p:cNvPr id="2" name="Title 1">
-            <a:extLst>
-              <a:ext uri="{FF2B5EF4-FFF2-40B4-BE49-F238E27FC236}">
-                <a16:creationId xmlns:a16="http://schemas.microsoft.com/office/drawing/2014/main" id="{75ABD150-7FF1-2A41-B255-4F99D65A4DDF}"/>
-              </a:ext>
-            </a:extLst>
-          </p:cNvPr>
-          <p:cNvSpPr>
-            <a:spLocks noGrp="1"/>
-          </p:cNvSpPr>
-          <p:nvPr>
-            <p:ph type="title"/>
-          </p:nvPr>
-        </p:nvSpPr>
-        <p:spPr>
-          <a:xfrm>
-            <a:off x="228600" y="228600"/>
-            <a:ext cx="8458200" cy="838200"/>
-          </a:xfrm>
-        </p:spPr>
-        <p:txBody>
-          <a:bodyPr/>
-          <a:lstStyle/>
-          <a:p>
-            <a:r>
-              <a:rPr lang="en-US" dirty="0"/>
-              <a:t>Synthetic Observations With Bootstrapping</a:t>
-            </a:r>
-          </a:p>
-        </p:txBody>
-      </p:sp>
-      <p:sp>
-        <p:nvSpPr>
-          <p:cNvPr id="4" name="Slide Number Placeholder 3">
-            <a:extLst>
-              <a:ext uri="{FF2B5EF4-FFF2-40B4-BE49-F238E27FC236}">
-                <a16:creationId xmlns:a16="http://schemas.microsoft.com/office/drawing/2014/main" id="{BB3E002D-3997-354B-976E-21A5C58840E5}"/>
-              </a:ext>
-            </a:extLst>
-          </p:cNvPr>
-          <p:cNvSpPr>
-            <a:spLocks noGrp="1"/>
-          </p:cNvSpPr>
-          <p:nvPr>
-            <p:ph type="sldNum" sz="quarter" idx="11"/>
-          </p:nvPr>
-        </p:nvSpPr>
-        <p:spPr/>
-        <p:txBody>
-          <a:bodyPr/>
-          <a:lstStyle/>
-          <a:p>
-            <a:pPr>
-              <a:defRPr/>
-            </a:pPr>
-            <a:fld id="{3EF4E9CC-9D91-476E-91FD-5BEEC1642931}" type="slidenum">
-              <a:rPr lang="en-US" altLang="x-none" smtClean="0"/>
-              <a:pPr>
-                <a:defRPr/>
-              </a:pPr>
-              <a:t>14</a:t>
-            </a:fld>
-            <a:endParaRPr lang="en-US" altLang="x-none"/>
-          </a:p>
-        </p:txBody>
-      </p:sp>
-      <p:pic>
-        <p:nvPicPr>
-          <p:cNvPr id="6" name="Picture 5">
-            <a:extLst>
-              <a:ext uri="{FF2B5EF4-FFF2-40B4-BE49-F238E27FC236}">
-                <a16:creationId xmlns:a16="http://schemas.microsoft.com/office/drawing/2014/main" id="{8EF113A2-9A9B-AD4A-994A-45280F35C83A}"/>
-              </a:ext>
-            </a:extLst>
-          </p:cNvPr>
-          <p:cNvPicPr>
-            <a:picLocks noChangeAspect="1"/>
-          </p:cNvPicPr>
-          <p:nvPr/>
-        </p:nvPicPr>
-        <p:blipFill>
-          <a:blip r:embed="rId2"/>
-          <a:stretch>
-            <a:fillRect/>
-          </a:stretch>
-        </p:blipFill>
-        <p:spPr>
-          <a:xfrm>
-            <a:off x="6185710" y="2640862"/>
-            <a:ext cx="2715940" cy="3866300"/>
-          </a:xfrm>
-          <a:prstGeom prst="rect">
-            <a:avLst/>
-          </a:prstGeom>
-        </p:spPr>
-      </p:pic>
-      <p:pic>
-        <p:nvPicPr>
-          <p:cNvPr id="8" name="Picture 7">
-            <a:extLst>
-              <a:ext uri="{FF2B5EF4-FFF2-40B4-BE49-F238E27FC236}">
-                <a16:creationId xmlns:a16="http://schemas.microsoft.com/office/drawing/2014/main" id="{C1DA8FBF-EA10-614F-BF6C-2CD3E5B2AF96}"/>
-              </a:ext>
-            </a:extLst>
-          </p:cNvPr>
-          <p:cNvPicPr>
-            <a:picLocks noChangeAspect="1"/>
-          </p:cNvPicPr>
-          <p:nvPr/>
-        </p:nvPicPr>
-        <p:blipFill>
-          <a:blip r:embed="rId3"/>
-          <a:stretch>
-            <a:fillRect/>
-          </a:stretch>
-        </p:blipFill>
-        <p:spPr>
-          <a:xfrm>
-            <a:off x="314493" y="2544218"/>
-            <a:ext cx="2809707" cy="3962944"/>
-          </a:xfrm>
-          <a:prstGeom prst="rect">
-            <a:avLst/>
-          </a:prstGeom>
-        </p:spPr>
-      </p:pic>
-      <p:pic>
-        <p:nvPicPr>
-          <p:cNvPr id="10" name="Picture 9">
-            <a:extLst>
-              <a:ext uri="{FF2B5EF4-FFF2-40B4-BE49-F238E27FC236}">
-                <a16:creationId xmlns:a16="http://schemas.microsoft.com/office/drawing/2014/main" id="{61E84951-C0B4-1641-9CF2-708FE1A22A68}"/>
-              </a:ext>
-            </a:extLst>
-          </p:cNvPr>
-          <p:cNvPicPr>
-            <a:picLocks noChangeAspect="1"/>
-          </p:cNvPicPr>
-          <p:nvPr/>
-        </p:nvPicPr>
-        <p:blipFill>
-          <a:blip r:embed="rId4"/>
-          <a:stretch>
-            <a:fillRect/>
-          </a:stretch>
-        </p:blipFill>
-        <p:spPr>
-          <a:xfrm>
-            <a:off x="3263089" y="787400"/>
-            <a:ext cx="2922621" cy="1981200"/>
-          </a:xfrm>
-          <a:prstGeom prst="rect">
-            <a:avLst/>
-          </a:prstGeom>
-        </p:spPr>
-      </p:pic>
-      <p:pic>
-        <p:nvPicPr>
-          <p:cNvPr id="12" name="Picture 11">
-            <a:extLst>
-              <a:ext uri="{FF2B5EF4-FFF2-40B4-BE49-F238E27FC236}">
-                <a16:creationId xmlns:a16="http://schemas.microsoft.com/office/drawing/2014/main" id="{31FE8E0F-F681-3F4A-A536-2366CF09DBE2}"/>
-              </a:ext>
-            </a:extLst>
-          </p:cNvPr>
-          <p:cNvPicPr>
-            <a:picLocks noChangeAspect="1"/>
-          </p:cNvPicPr>
-          <p:nvPr/>
-        </p:nvPicPr>
-        <p:blipFill>
-          <a:blip r:embed="rId5"/>
-          <a:stretch>
-            <a:fillRect/>
-          </a:stretch>
-        </p:blipFill>
-        <p:spPr>
-          <a:xfrm>
-            <a:off x="5002950" y="3866300"/>
-            <a:ext cx="38100" cy="25400"/>
-          </a:xfrm>
-          <a:prstGeom prst="rect">
-            <a:avLst/>
-          </a:prstGeom>
-        </p:spPr>
-      </p:pic>
-    </p:spTree>
-    <p:extLst>
-      <p:ext uri="{BB962C8B-B14F-4D97-AF65-F5344CB8AC3E}">
-        <p14:creationId xmlns:p14="http://schemas.microsoft.com/office/powerpoint/2010/main" val="669176245"/>
-      </p:ext>
-    </p:extLst>
-  </p:cSld>
-  <p:clrMapOvr>
-    <a:masterClrMapping/>
-  </p:clrMapOvr>
-  <p:timing>
-    <p:tnLst>
-      <p:par>
-        <p:cTn id="1" dur="indefinite" restart="never" nodeType="tmRoot">
-          <p:childTnLst>
-            <p:seq concurrent="1" nextAc="seek">
-              <p:cTn id="2" dur="indefinite" nodeType="mainSeq">
-                <p:childTnLst>
-                  <p:par>
-                    <p:cTn id="3" fill="hold">
-                      <p:stCondLst>
-                        <p:cond delay="indefinite"/>
-                      </p:stCondLst>
-                      <p:childTnLst>
-                        <p:par>
-                          <p:cTn id="4" fill="hold">
-                            <p:stCondLst>
-                              <p:cond delay="0"/>
-                            </p:stCondLst>
-                            <p:childTnLst>
-                              <p:par>
-                                <p:cTn id="5" presetID="1" presetClass="entr" presetSubtype="0" fill="hold" nodeType="clickEffect">
-                                  <p:stCondLst>
-                                    <p:cond delay="0"/>
-                                  </p:stCondLst>
-                                  <p:childTnLst>
-                                    <p:set>
-                                      <p:cBhvr>
-                                        <p:cTn id="6" dur="1" fill="hold">
-                                          <p:stCondLst>
-                                            <p:cond delay="0"/>
-                                          </p:stCondLst>
-                                        </p:cTn>
-                                        <p:tgtEl>
-                                          <p:spTgt spid="8"/>
-                                        </p:tgtEl>
-                                        <p:attrNameLst>
-                                          <p:attrName>style.visibility</p:attrName>
-                                        </p:attrNameLst>
-                                      </p:cBhvr>
-                                      <p:to>
-                                        <p:strVal val="visible"/>
-                                      </p:to>
-                                    </p:set>
-                                  </p:childTnLst>
-                                </p:cTn>
-                              </p:par>
-                              <p:par>
-                                <p:cTn id="7" presetID="1" presetClass="entr" presetSubtype="0" fill="hold" nodeType="withEffect">
-                                  <p:stCondLst>
-                                    <p:cond delay="0"/>
-                                  </p:stCondLst>
-                                  <p:childTnLst>
-                                    <p:set>
-                                      <p:cBhvr>
-                                        <p:cTn id="8" dur="1" fill="hold">
-                                          <p:stCondLst>
-                                            <p:cond delay="0"/>
-                                          </p:stCondLst>
-                                        </p:cTn>
-                                        <p:tgtEl>
-                                          <p:spTgt spid="6"/>
-                                        </p:tgtEl>
-                                        <p:attrNameLst>
-                                          <p:attrName>style.visibility</p:attrName>
-                                        </p:attrNameLst>
-                                      </p:cBhvr>
-                                      <p:to>
-                                        <p:strVal val="visible"/>
-                                      </p:to>
-                                    </p:set>
-                                  </p:childTnLst>
-                                </p:cTn>
-                              </p:par>
-                            </p:childTnLst>
-                          </p:cTn>
-                        </p:par>
-                      </p:childTnLst>
-                    </p:cTn>
-                  </p:par>
-                </p:childTnLst>
-              </p:cTn>
-              <p:prevCondLst>
-                <p:cond evt="onPrev" delay="0">
-                  <p:tgtEl>
-                    <p:sldTgt/>
-                  </p:tgtEl>
-                </p:cond>
-              </p:prevCondLst>
-              <p:nextCondLst>
-                <p:cond evt="onNext" delay="0">
-                  <p:tgtEl>
-                    <p:sldTgt/>
-                  </p:tgtEl>
-                </p:cond>
-              </p:nextCondLst>
-            </p:seq>
-          </p:childTnLst>
-        </p:cTn>
-      </p:par>
-    </p:tnLst>
-  </p:timing>
-</p:sld>
-</file>
-
-<file path=ppt/slides/slide15.xml><?xml version="1.0" encoding="utf-8"?>
-<p:sld xmlns:a="http://schemas.openxmlformats.org/drawingml/2006/main" xmlns:r="http://schemas.openxmlformats.org/officeDocument/2006/relationships" xmlns:p="http://schemas.openxmlformats.org/presentationml/2006/main">
-  <p:cSld>
-    <p:spTree>
-      <p:nvGrpSpPr>
-        <p:cNvPr id="1" name=""/>
-        <p:cNvGrpSpPr/>
-        <p:nvPr/>
-      </p:nvGrpSpPr>
-      <p:grpSpPr>
-        <a:xfrm>
-          <a:off x="0" y="0"/>
-          <a:ext cx="0" cy="0"/>
-          <a:chOff x="0" y="0"/>
-          <a:chExt cx="0" cy="0"/>
-        </a:xfrm>
-      </p:grpSpPr>
-      <p:sp>
-        <p:nvSpPr>
-          <p:cNvPr id="4" name="Slide Number Placeholder 3">
-            <a:extLst>
-              <a:ext uri="{FF2B5EF4-FFF2-40B4-BE49-F238E27FC236}">
-                <a16:creationId xmlns:a16="http://schemas.microsoft.com/office/drawing/2014/main" id="{E0606DCE-0185-7F4A-AB13-36E0FB74EB8D}"/>
-              </a:ext>
-            </a:extLst>
-          </p:cNvPr>
-          <p:cNvSpPr>
-            <a:spLocks noGrp="1"/>
-          </p:cNvSpPr>
-          <p:nvPr>
-            <p:ph type="sldNum" sz="quarter" idx="11"/>
-          </p:nvPr>
-        </p:nvSpPr>
-        <p:spPr/>
-        <p:txBody>
-          <a:bodyPr/>
-          <a:lstStyle/>
-          <a:p>
-            <a:pPr>
-              <a:defRPr/>
-            </a:pPr>
-            <a:fld id="{3EF4E9CC-9D91-476E-91FD-5BEEC1642931}" type="slidenum">
-              <a:rPr lang="en-US" altLang="x-none" smtClean="0"/>
-              <a:pPr>
-                <a:defRPr/>
-              </a:pPr>
-              <a:t>15</a:t>
-            </a:fld>
-            <a:endParaRPr lang="en-US" altLang="x-none"/>
-          </a:p>
-        </p:txBody>
-      </p:sp>
-      <p:pic>
-        <p:nvPicPr>
-          <p:cNvPr id="5" name="Picture 4">
-            <a:extLst>
-              <a:ext uri="{FF2B5EF4-FFF2-40B4-BE49-F238E27FC236}">
-                <a16:creationId xmlns:a16="http://schemas.microsoft.com/office/drawing/2014/main" id="{86E1027E-7632-E949-83A8-4365F64F401C}"/>
-              </a:ext>
-            </a:extLst>
-          </p:cNvPr>
-          <p:cNvPicPr>
-            <a:picLocks noChangeAspect="1"/>
-          </p:cNvPicPr>
-          <p:nvPr/>
-        </p:nvPicPr>
-        <p:blipFill>
-          <a:blip r:embed="rId2"/>
-          <a:stretch>
-            <a:fillRect/>
-          </a:stretch>
-        </p:blipFill>
-        <p:spPr>
-          <a:xfrm>
-            <a:off x="533400" y="400050"/>
-            <a:ext cx="7848600" cy="5886450"/>
-          </a:xfrm>
-          <a:prstGeom prst="rect">
-            <a:avLst/>
-          </a:prstGeom>
-        </p:spPr>
-      </p:pic>
-    </p:spTree>
-    <p:extLst>
-      <p:ext uri="{BB962C8B-B14F-4D97-AF65-F5344CB8AC3E}">
-        <p14:creationId xmlns:p14="http://schemas.microsoft.com/office/powerpoint/2010/main" val="873502374"/>
-      </p:ext>
-    </p:extLst>
-  </p:cSld>
-  <p:clrMapOvr>
-    <a:masterClrMapping/>
-  </p:clrMapOvr>
-</p:sld>
-</file>
-
 <file path=ppt/slides/slide2.xml><?xml version="1.0" encoding="utf-8"?>
-<p:sld xmlns:a="http://schemas.openxmlformats.org/drawingml/2006/main" xmlns:r="http://schemas.openxmlformats.org/officeDocument/2006/relationships" xmlns:p="http://schemas.openxmlformats.org/presentationml/2006/main">
-  <p:cSld>
-    <p:spTree>
-      <p:nvGrpSpPr>
-        <p:cNvPr id="1" name=""/>
-        <p:cNvGrpSpPr/>
-        <p:nvPr/>
-      </p:nvGrpSpPr>
-      <p:grpSpPr>
-        <a:xfrm>
-          <a:off x="0" y="0"/>
-          <a:ext cx="0" cy="0"/>
-          <a:chOff x="0" y="0"/>
-          <a:chExt cx="0" cy="0"/>
-        </a:xfrm>
-      </p:grpSpPr>
-      <p:sp>
-        <p:nvSpPr>
-          <p:cNvPr id="2" name="Title 1">
-            <a:extLst>
-              <a:ext uri="{FF2B5EF4-FFF2-40B4-BE49-F238E27FC236}">
-                <a16:creationId xmlns:a16="http://schemas.microsoft.com/office/drawing/2014/main" id="{8E501CDD-1AC0-D841-8608-0427D0F3C934}"/>
-              </a:ext>
-            </a:extLst>
-          </p:cNvPr>
-          <p:cNvSpPr>
-            <a:spLocks noGrp="1"/>
-          </p:cNvSpPr>
-          <p:nvPr>
-            <p:ph type="title"/>
-          </p:nvPr>
-        </p:nvSpPr>
-        <p:spPr/>
-        <p:txBody>
-          <a:bodyPr/>
-          <a:lstStyle/>
-          <a:p>
-            <a:r>
-              <a:rPr lang="en-US" dirty="0"/>
-              <a:t>Downloads</a:t>
-            </a:r>
-          </a:p>
-        </p:txBody>
-      </p:sp>
-      <p:sp>
-        <p:nvSpPr>
-          <p:cNvPr id="3" name="Content Placeholder 2">
-            <a:extLst>
-              <a:ext uri="{FF2B5EF4-FFF2-40B4-BE49-F238E27FC236}">
-                <a16:creationId xmlns:a16="http://schemas.microsoft.com/office/drawing/2014/main" id="{A130CE50-5F1A-AD42-9F7B-560319B3CCAF}"/>
-              </a:ext>
-            </a:extLst>
-          </p:cNvPr>
-          <p:cNvSpPr>
-            <a:spLocks noGrp="1"/>
-          </p:cNvSpPr>
-          <p:nvPr>
-            <p:ph idx="1"/>
-          </p:nvPr>
-        </p:nvSpPr>
-        <p:spPr/>
-        <p:txBody>
-          <a:bodyPr/>
-          <a:lstStyle/>
-          <a:p>
-            <a:r>
-              <a:rPr lang="en-US" dirty="0">
-                <a:latin typeface="Courier New" panose="02070309020205020404" pitchFamily="49" charset="0"/>
-                <a:cs typeface="Courier New" panose="02070309020205020404" pitchFamily="49" charset="0"/>
-              </a:rPr>
-              <a:t>http://</a:t>
-            </a:r>
-            <a:r>
-              <a:rPr lang="en-US" dirty="0" err="1">
-                <a:latin typeface="Courier New" panose="02070309020205020404" pitchFamily="49" charset="0"/>
-                <a:cs typeface="Courier New" panose="02070309020205020404" pitchFamily="49" charset="0"/>
-              </a:rPr>
-              <a:t>shorturl.at</a:t>
-            </a:r>
-            <a:r>
-              <a:rPr lang="en-US" dirty="0">
-                <a:latin typeface="Courier New" panose="02070309020205020404" pitchFamily="49" charset="0"/>
-                <a:cs typeface="Courier New" panose="02070309020205020404" pitchFamily="49" charset="0"/>
-              </a:rPr>
-              <a:t>/crOS2</a:t>
-            </a:r>
-          </a:p>
-          <a:p>
-            <a:pPr lvl="1"/>
-            <a:r>
-              <a:rPr lang="en-US" dirty="0"/>
-              <a:t>Open Lecture_11</a:t>
-            </a:r>
-          </a:p>
-          <a:p>
-            <a:pPr lvl="1"/>
-            <a:r>
-              <a:rPr lang="en-US" dirty="0"/>
-              <a:t>Download all files into the same directory</a:t>
-            </a:r>
-          </a:p>
-        </p:txBody>
-      </p:sp>
-      <p:sp>
-        <p:nvSpPr>
-          <p:cNvPr id="4" name="Slide Number Placeholder 3">
-            <a:extLst>
-              <a:ext uri="{FF2B5EF4-FFF2-40B4-BE49-F238E27FC236}">
-                <a16:creationId xmlns:a16="http://schemas.microsoft.com/office/drawing/2014/main" id="{77B452FF-B381-E647-B00F-62D0CE459B8C}"/>
-              </a:ext>
-            </a:extLst>
-          </p:cNvPr>
-          <p:cNvSpPr>
-            <a:spLocks noGrp="1"/>
-          </p:cNvSpPr>
-          <p:nvPr>
-            <p:ph type="sldNum" sz="quarter" idx="11"/>
-          </p:nvPr>
-        </p:nvSpPr>
-        <p:spPr/>
-        <p:txBody>
-          <a:bodyPr/>
-          <a:lstStyle/>
-          <a:p>
-            <a:pPr>
-              <a:defRPr/>
-            </a:pPr>
-            <a:fld id="{3EF4E9CC-9D91-476E-91FD-5BEEC1642931}" type="slidenum">
-              <a:rPr lang="en-US" altLang="x-none" smtClean="0"/>
-              <a:pPr>
-                <a:defRPr/>
-              </a:pPr>
-              <a:t>2</a:t>
-            </a:fld>
-            <a:endParaRPr lang="en-US" altLang="x-none"/>
-          </a:p>
-        </p:txBody>
-      </p:sp>
-    </p:spTree>
-    <p:extLst>
-      <p:ext uri="{BB962C8B-B14F-4D97-AF65-F5344CB8AC3E}">
-        <p14:creationId xmlns:p14="http://schemas.microsoft.com/office/powerpoint/2010/main" val="3468761550"/>
-      </p:ext>
-    </p:extLst>
-  </p:cSld>
-  <p:clrMapOvr>
-    <a:masterClrMapping/>
-  </p:clrMapOvr>
-</p:sld>
-</file>
-
-<file path=ppt/slides/slide3.xml><?xml version="1.0" encoding="utf-8"?>
 <p:sld xmlns:a="http://schemas.openxmlformats.org/drawingml/2006/main" xmlns:r="http://schemas.openxmlformats.org/officeDocument/2006/relationships" xmlns:p="http://schemas.openxmlformats.org/presentationml/2006/main">
   <p:cSld>
     <p:spTree>
@@ -10189,7 +6824,7 @@
 </p:sld>
 </file>
 
-<file path=ppt/slides/slide4.xml><?xml version="1.0" encoding="utf-8"?>
+<file path=ppt/slides/slide3.xml><?xml version="1.0" encoding="utf-8"?>
 <p:sld xmlns:a="http://schemas.openxmlformats.org/drawingml/2006/main" xmlns:r="http://schemas.openxmlformats.org/officeDocument/2006/relationships" xmlns:p="http://schemas.openxmlformats.org/presentationml/2006/main">
   <p:cSld>
     <p:spTree>
@@ -10314,7 +6949,7 @@
               <a:pPr>
                 <a:defRPr/>
               </a:pPr>
-              <a:t>4</a:t>
+              <a:t>3</a:t>
             </a:fld>
             <a:endParaRPr lang="en-US" altLang="x-none"/>
           </a:p>
@@ -10333,7 +6968,7 @@
 </p:sld>
 </file>
 
-<file path=ppt/slides/slide5.xml><?xml version="1.0" encoding="utf-8"?>
+<file path=ppt/slides/slide4.xml><?xml version="1.0" encoding="utf-8"?>
 <p:sld xmlns:a="http://schemas.openxmlformats.org/drawingml/2006/main" xmlns:r="http://schemas.openxmlformats.org/officeDocument/2006/relationships" xmlns:p="http://schemas.openxmlformats.org/presentationml/2006/main">
   <p:cSld>
     <p:spTree>
@@ -10378,8 +7013,8 @@
           </a:p>
         </p:txBody>
       </p:sp>
-      <mc:AlternateContent xmlns:mc="http://schemas.openxmlformats.org/markup-compatibility/2006">
-        <mc:Choice xmlns:a14="http://schemas.microsoft.com/office/drawing/2010/main" Requires="a14">
+      <mc:AlternateContent xmlns:mc="http://schemas.openxmlformats.org/markup-compatibility/2006" xmlns:a14="http://schemas.microsoft.com/office/drawing/2010/main">
+        <mc:Choice Requires="a14">
           <p:sp>
             <p:nvSpPr>
               <p:cNvPr id="3" name="Content Placeholder 2">
@@ -10531,7 +7166,7 @@
             </p:txBody>
           </p:sp>
         </mc:Choice>
-        <mc:Fallback>
+        <mc:Fallback xmlns="">
           <p:sp>
             <p:nvSpPr>
               <p:cNvPr id="3" name="Content Placeholder 2">
@@ -10604,7 +7239,7 @@
               <a:pPr>
                 <a:defRPr/>
               </a:pPr>
-              <a:t>5</a:t>
+              <a:t>4</a:t>
             </a:fld>
             <a:endParaRPr lang="en-US" altLang="x-none"/>
           </a:p>
@@ -10623,7 +7258,7 @@
 </p:sld>
 </file>
 
-<file path=ppt/slides/slide6.xml><?xml version="1.0" encoding="utf-8"?>
+<file path=ppt/slides/slide5.xml><?xml version="1.0" encoding="utf-8"?>
 <p:sld xmlns:a="http://schemas.openxmlformats.org/drawingml/2006/main" xmlns:r="http://schemas.openxmlformats.org/officeDocument/2006/relationships" xmlns:p="http://schemas.openxmlformats.org/presentationml/2006/main">
   <p:cSld>
     <p:spTree>
@@ -10901,8 +7536,8 @@
           </a:p>
         </p:txBody>
       </p:sp>
-      <mc:AlternateContent xmlns:mc="http://schemas.openxmlformats.org/markup-compatibility/2006">
-        <mc:Choice xmlns:a14="http://schemas.microsoft.com/office/drawing/2010/main" Requires="a14">
+      <mc:AlternateContent xmlns:mc="http://schemas.openxmlformats.org/markup-compatibility/2006" xmlns:a14="http://schemas.microsoft.com/office/drawing/2010/main">
+        <mc:Choice Requires="a14">
           <p:sp>
             <p:nvSpPr>
               <p:cNvPr id="11" name="TextBox 10">
@@ -10933,6 +7568,7 @@
               </a:bodyPr>
               <a:lstStyle/>
               <a:p>
+                <a:pPr/>
                 <a14:m>
                   <m:oMathPara xmlns:m="http://schemas.openxmlformats.org/officeDocument/2006/math">
                     <m:oMathParaPr>
@@ -10953,7 +7589,7 @@
             </p:txBody>
           </p:sp>
         </mc:Choice>
-        <mc:Fallback>
+        <mc:Fallback xmlns="">
           <p:sp>
             <p:nvSpPr>
               <p:cNvPr id="11" name="TextBox 10">
@@ -10998,8 +7634,8 @@
           </p:sp>
         </mc:Fallback>
       </mc:AlternateContent>
-      <mc:AlternateContent xmlns:mc="http://schemas.openxmlformats.org/markup-compatibility/2006">
-        <mc:Choice xmlns:a14="http://schemas.microsoft.com/office/drawing/2010/main" Requires="a14">
+      <mc:AlternateContent xmlns:mc="http://schemas.openxmlformats.org/markup-compatibility/2006" xmlns:a14="http://schemas.microsoft.com/office/drawing/2010/main">
+        <mc:Choice Requires="a14">
           <p:sp>
             <p:nvSpPr>
               <p:cNvPr id="17" name="TextBox 16">
@@ -11030,6 +7666,7 @@
               </a:bodyPr>
               <a:lstStyle/>
               <a:p>
+                <a:pPr/>
                 <a14:m>
                   <m:oMathPara xmlns:m="http://schemas.openxmlformats.org/officeDocument/2006/math">
                     <m:oMathParaPr>
@@ -11050,7 +7687,7 @@
             </p:txBody>
           </p:sp>
         </mc:Choice>
-        <mc:Fallback>
+        <mc:Fallback xmlns="">
           <p:sp>
             <p:nvSpPr>
               <p:cNvPr id="17" name="TextBox 16">
@@ -11095,8 +7732,8 @@
           </p:sp>
         </mc:Fallback>
       </mc:AlternateContent>
-      <mc:AlternateContent xmlns:mc="http://schemas.openxmlformats.org/markup-compatibility/2006">
-        <mc:Choice xmlns:a14="http://schemas.microsoft.com/office/drawing/2010/main" Requires="a14">
+      <mc:AlternateContent xmlns:mc="http://schemas.openxmlformats.org/markup-compatibility/2006" xmlns:a14="http://schemas.microsoft.com/office/drawing/2010/main">
+        <mc:Choice Requires="a14">
           <p:sp>
             <p:nvSpPr>
               <p:cNvPr id="16" name="TextBox 15">
@@ -11125,6 +7762,7 @@
               </a:bodyPr>
               <a:lstStyle/>
               <a:p>
+                <a:pPr/>
                 <a14:m>
                   <m:oMathPara xmlns:m="http://schemas.openxmlformats.org/officeDocument/2006/math">
                     <m:oMathParaPr>
@@ -11282,7 +7920,7 @@
             </p:txBody>
           </p:sp>
         </mc:Choice>
-        <mc:Fallback>
+        <mc:Fallback xmlns="">
           <p:sp>
             <p:nvSpPr>
               <p:cNvPr id="16" name="TextBox 15">
@@ -11476,8 +8114,8 @@
             </a:p>
           </p:txBody>
         </p:sp>
-        <mc:AlternateContent xmlns:mc="http://schemas.openxmlformats.org/markup-compatibility/2006">
-          <mc:Choice xmlns:a14="http://schemas.microsoft.com/office/drawing/2010/main" Requires="a14">
+        <mc:AlternateContent xmlns:mc="http://schemas.openxmlformats.org/markup-compatibility/2006" xmlns:a14="http://schemas.microsoft.com/office/drawing/2010/main">
+          <mc:Choice Requires="a14">
             <p:sp>
               <p:nvSpPr>
                 <p:cNvPr id="10" name="TextBox 9">
@@ -11506,6 +8144,7 @@
                 </a:bodyPr>
                 <a:lstStyle/>
                 <a:p>
+                  <a:pPr/>
                   <a14:m>
                     <m:oMathPara xmlns:m="http://schemas.openxmlformats.org/officeDocument/2006/math">
                       <m:oMathParaPr>
@@ -11697,7 +8336,7 @@
               </p:txBody>
             </p:sp>
           </mc:Choice>
-          <mc:Fallback>
+          <mc:Fallback xmlns="">
             <p:sp>
               <p:nvSpPr>
                 <p:cNvPr id="10" name="TextBox 9">
@@ -11971,7 +8610,7 @@
 </p:sld>
 </file>
 
-<file path=ppt/slides/slide7.xml><?xml version="1.0" encoding="utf-8"?>
+<file path=ppt/slides/slide6.xml><?xml version="1.0" encoding="utf-8"?>
 <p:sld xmlns:a="http://schemas.openxmlformats.org/drawingml/2006/main" xmlns:r="http://schemas.openxmlformats.org/officeDocument/2006/relationships" xmlns:p="http://schemas.openxmlformats.org/presentationml/2006/main">
   <p:cSld>
     <p:spTree>
@@ -12045,7 +8684,7 @@
               <a:pPr>
                 <a:defRPr/>
               </a:pPr>
-              <a:t>7</a:t>
+              <a:t>6</a:t>
             </a:fld>
             <a:endParaRPr lang="en-US" altLang="x-none"/>
           </a:p>
@@ -12662,7 +9301,7 @@
 </p:sld>
 </file>
 
-<file path=ppt/slides/slide8.xml><?xml version="1.0" encoding="utf-8"?>
+<file path=ppt/slides/slide7.xml><?xml version="1.0" encoding="utf-8"?>
 <p:sld xmlns:a="http://schemas.openxmlformats.org/drawingml/2006/main" xmlns:r="http://schemas.openxmlformats.org/officeDocument/2006/relationships" xmlns:p="http://schemas.openxmlformats.org/presentationml/2006/main">
   <p:cSld>
     <p:spTree>
@@ -12707,8 +9346,8 @@
           </a:p>
         </p:txBody>
       </p:sp>
-      <mc:AlternateContent xmlns:mc="http://schemas.openxmlformats.org/markup-compatibility/2006">
-        <mc:Choice xmlns:a14="http://schemas.microsoft.com/office/drawing/2010/main" Requires="a14">
+      <mc:AlternateContent xmlns:mc="http://schemas.openxmlformats.org/markup-compatibility/2006" xmlns:a14="http://schemas.microsoft.com/office/drawing/2010/main">
+        <mc:Choice Requires="a14">
           <p:sp>
             <p:nvSpPr>
               <p:cNvPr id="4" name="Content Placeholder 3">
@@ -12881,7 +9520,7 @@
             </p:txBody>
           </p:sp>
         </mc:Choice>
-        <mc:Fallback>
+        <mc:Fallback xmlns="">
           <p:sp>
             <p:nvSpPr>
               <p:cNvPr id="4" name="Content Placeholder 3">
@@ -12954,7 +9593,7 @@
               <a:pPr>
                 <a:defRPr/>
               </a:pPr>
-              <a:t>8</a:t>
+              <a:t>7</a:t>
             </a:fld>
             <a:endParaRPr lang="en-US" altLang="x-none"/>
           </a:p>
@@ -13030,8 +9669,8 @@
               </a:prstGeom>
             </p:spPr>
           </p:pic>
-          <mc:AlternateContent xmlns:mc="http://schemas.openxmlformats.org/markup-compatibility/2006">
-            <mc:Choice xmlns:a14="http://schemas.microsoft.com/office/drawing/2010/main" Requires="a14">
+          <mc:AlternateContent xmlns:mc="http://schemas.openxmlformats.org/markup-compatibility/2006" xmlns:a14="http://schemas.microsoft.com/office/drawing/2010/main">
+            <mc:Choice Requires="a14">
               <p:sp>
                 <p:nvSpPr>
                   <p:cNvPr id="8" name="TextBox 7">
@@ -13062,6 +9701,7 @@
                   </a:bodyPr>
                   <a:lstStyle/>
                   <a:p>
+                    <a:pPr/>
                     <a14:m>
                       <m:oMathPara xmlns:m="http://schemas.openxmlformats.org/officeDocument/2006/math">
                         <m:oMathParaPr>
@@ -13082,7 +9722,7 @@
                 </p:txBody>
               </p:sp>
             </mc:Choice>
-            <mc:Fallback>
+            <mc:Fallback xmlns="">
               <p:sp>
                 <p:nvSpPr>
                   <p:cNvPr id="8" name="TextBox 7">
@@ -13237,8 +9877,8 @@
               </a:p>
             </p:txBody>
           </p:sp>
-          <mc:AlternateContent xmlns:mc="http://schemas.openxmlformats.org/markup-compatibility/2006">
-            <mc:Choice xmlns:a14="http://schemas.microsoft.com/office/drawing/2010/main" Requires="a14">
+          <mc:AlternateContent xmlns:mc="http://schemas.openxmlformats.org/markup-compatibility/2006" xmlns:a14="http://schemas.microsoft.com/office/drawing/2010/main">
+            <mc:Choice Requires="a14">
               <p:sp>
                 <p:nvSpPr>
                   <p:cNvPr id="9" name="TextBox 8">
@@ -13269,6 +9909,7 @@
                   </a:bodyPr>
                   <a:lstStyle/>
                   <a:p>
+                    <a:pPr/>
                     <a14:m>
                       <m:oMathPara xmlns:m="http://schemas.openxmlformats.org/officeDocument/2006/math">
                         <m:oMathParaPr>
@@ -13289,7 +9930,7 @@
                 </p:txBody>
               </p:sp>
             </mc:Choice>
-            <mc:Fallback>
+            <mc:Fallback xmlns="">
               <p:sp>
                 <p:nvSpPr>
                   <p:cNvPr id="9" name="TextBox 8">
@@ -13334,8 +9975,8 @@
               </p:sp>
             </mc:Fallback>
           </mc:AlternateContent>
-          <mc:AlternateContent xmlns:mc="http://schemas.openxmlformats.org/markup-compatibility/2006">
-            <mc:Choice xmlns:a14="http://schemas.microsoft.com/office/drawing/2010/main" Requires="a14">
+          <mc:AlternateContent xmlns:mc="http://schemas.openxmlformats.org/markup-compatibility/2006" xmlns:a14="http://schemas.microsoft.com/office/drawing/2010/main">
+            <mc:Choice Requires="a14">
               <p:sp>
                 <p:nvSpPr>
                   <p:cNvPr id="12" name="TextBox 11">
@@ -13366,6 +10007,7 @@
                   </a:bodyPr>
                   <a:lstStyle/>
                   <a:p>
+                    <a:pPr/>
                     <a14:m>
                       <m:oMathPara xmlns:m="http://schemas.openxmlformats.org/officeDocument/2006/math">
                         <m:oMathParaPr>
@@ -13386,7 +10028,7 @@
                 </p:txBody>
               </p:sp>
             </mc:Choice>
-            <mc:Fallback>
+            <mc:Fallback xmlns="">
               <p:sp>
                 <p:nvSpPr>
                   <p:cNvPr id="12" name="TextBox 11">
@@ -13431,8 +10073,8 @@
               </p:sp>
             </mc:Fallback>
           </mc:AlternateContent>
-          <mc:AlternateContent xmlns:mc="http://schemas.openxmlformats.org/markup-compatibility/2006">
-            <mc:Choice xmlns:a14="http://schemas.microsoft.com/office/drawing/2010/main" Requires="a14">
+          <mc:AlternateContent xmlns:mc="http://schemas.openxmlformats.org/markup-compatibility/2006" xmlns:a14="http://schemas.microsoft.com/office/drawing/2010/main">
+            <mc:Choice Requires="a14">
               <p:sp>
                 <p:nvSpPr>
                   <p:cNvPr id="13" name="TextBox 12">
@@ -13491,7 +10133,7 @@
                 </p:txBody>
               </p:sp>
             </mc:Choice>
-            <mc:Fallback>
+            <mc:Fallback xmlns="">
               <p:sp>
                 <p:nvSpPr>
                   <p:cNvPr id="13" name="TextBox 12">
@@ -13537,8 +10179,8 @@
             </mc:Fallback>
           </mc:AlternateContent>
         </p:grpSp>
-        <mc:AlternateContent xmlns:mc="http://schemas.openxmlformats.org/markup-compatibility/2006">
-          <mc:Choice xmlns:a14="http://schemas.microsoft.com/office/drawing/2010/main" Requires="a14">
+        <mc:AlternateContent xmlns:mc="http://schemas.openxmlformats.org/markup-compatibility/2006" xmlns:a14="http://schemas.microsoft.com/office/drawing/2010/main">
+          <mc:Choice Requires="a14">
             <p:sp>
               <p:nvSpPr>
                 <p:cNvPr id="16" name="TextBox 15">
@@ -13599,7 +10241,7 @@
               </p:txBody>
             </p:sp>
           </mc:Choice>
-          <mc:Fallback>
+          <mc:Fallback xmlns="">
             <p:sp>
               <p:nvSpPr>
                 <p:cNvPr id="16" name="TextBox 15">
@@ -13644,8 +10286,8 @@
             </p:sp>
           </mc:Fallback>
         </mc:AlternateContent>
-        <mc:AlternateContent xmlns:mc="http://schemas.openxmlformats.org/markup-compatibility/2006">
-          <mc:Choice xmlns:a14="http://schemas.microsoft.com/office/drawing/2010/main" Requires="a14">
+        <mc:AlternateContent xmlns:mc="http://schemas.openxmlformats.org/markup-compatibility/2006" xmlns:a14="http://schemas.microsoft.com/office/drawing/2010/main">
+          <mc:Choice Requires="a14">
             <p:sp>
               <p:nvSpPr>
                 <p:cNvPr id="18" name="TextBox 17">
@@ -13712,7 +10354,7 @@
               </p:txBody>
             </p:sp>
           </mc:Choice>
-          <mc:Fallback>
+          <mc:Fallback xmlns="">
             <p:sp>
               <p:nvSpPr>
                 <p:cNvPr id="18" name="TextBox 17">
@@ -13757,8 +10399,8 @@
             </p:sp>
           </mc:Fallback>
         </mc:AlternateContent>
-        <mc:AlternateContent xmlns:mc="http://schemas.openxmlformats.org/markup-compatibility/2006">
-          <mc:Choice xmlns:a14="http://schemas.microsoft.com/office/drawing/2010/main" Requires="a14">
+        <mc:AlternateContent xmlns:mc="http://schemas.openxmlformats.org/markup-compatibility/2006" xmlns:a14="http://schemas.microsoft.com/office/drawing/2010/main">
+          <mc:Choice Requires="a14">
             <p:sp>
               <p:nvSpPr>
                 <p:cNvPr id="19" name="TextBox 18">
@@ -13825,7 +10467,7 @@
               </p:txBody>
             </p:sp>
           </mc:Choice>
-          <mc:Fallback>
+          <mc:Fallback xmlns="">
             <p:sp>
               <p:nvSpPr>
                 <p:cNvPr id="19" name="TextBox 18">
@@ -13884,7 +10526,7 @@
 </p:sld>
 </file>
 
-<file path=ppt/slides/slide9.xml><?xml version="1.0" encoding="utf-8"?>
+<file path=ppt/slides/slide8.xml><?xml version="1.0" encoding="utf-8"?>
 <p:sld xmlns:a="http://schemas.openxmlformats.org/drawingml/2006/main" xmlns:r="http://schemas.openxmlformats.org/officeDocument/2006/relationships" xmlns:p="http://schemas.openxmlformats.org/presentationml/2006/main">
   <p:cSld>
     <p:spTree>
@@ -13929,8 +10571,8 @@
           </a:p>
         </p:txBody>
       </p:sp>
-      <mc:AlternateContent xmlns:mc="http://schemas.openxmlformats.org/markup-compatibility/2006">
-        <mc:Choice xmlns:a14="http://schemas.microsoft.com/office/drawing/2010/main" Requires="a14">
+      <mc:AlternateContent xmlns:mc="http://schemas.openxmlformats.org/markup-compatibility/2006" xmlns:a14="http://schemas.microsoft.com/office/drawing/2010/main">
+        <mc:Choice Requires="a14">
           <p:sp>
             <p:nvSpPr>
               <p:cNvPr id="3" name="Content Placeholder 2">
@@ -14487,7 +11129,7 @@
             </p:txBody>
           </p:sp>
         </mc:Choice>
-        <mc:Fallback>
+        <mc:Fallback xmlns="">
           <p:sp>
             <p:nvSpPr>
               <p:cNvPr id="3" name="Content Placeholder 2">
@@ -14560,7 +11202,7 @@
               <a:pPr>
                 <a:defRPr/>
               </a:pPr>
-              <a:t>9</a:t>
+              <a:t>8</a:t>
             </a:fld>
             <a:endParaRPr lang="en-US" altLang="x-none"/>
           </a:p>
@@ -14636,8 +11278,8 @@
               </a:prstGeom>
             </p:spPr>
           </p:pic>
-          <mc:AlternateContent xmlns:mc="http://schemas.openxmlformats.org/markup-compatibility/2006">
-            <mc:Choice xmlns:a14="http://schemas.microsoft.com/office/drawing/2010/main" Requires="a14">
+          <mc:AlternateContent xmlns:mc="http://schemas.openxmlformats.org/markup-compatibility/2006" xmlns:a14="http://schemas.microsoft.com/office/drawing/2010/main">
+            <mc:Choice Requires="a14">
               <p:sp>
                 <p:nvSpPr>
                   <p:cNvPr id="11" name="TextBox 10">
@@ -14668,6 +11310,7 @@
                   </a:bodyPr>
                   <a:lstStyle/>
                   <a:p>
+                    <a:pPr/>
                     <a14:m>
                       <m:oMathPara xmlns:m="http://schemas.openxmlformats.org/officeDocument/2006/math">
                         <m:oMathParaPr>
@@ -14688,7 +11331,7 @@
                 </p:txBody>
               </p:sp>
             </mc:Choice>
-            <mc:Fallback>
+            <mc:Fallback xmlns="">
               <p:sp>
                 <p:nvSpPr>
                   <p:cNvPr id="11" name="TextBox 10">
@@ -14843,8 +11486,8 @@
               </a:p>
             </p:txBody>
           </p:sp>
-          <mc:AlternateContent xmlns:mc="http://schemas.openxmlformats.org/markup-compatibility/2006">
-            <mc:Choice xmlns:a14="http://schemas.microsoft.com/office/drawing/2010/main" Requires="a14">
+          <mc:AlternateContent xmlns:mc="http://schemas.openxmlformats.org/markup-compatibility/2006" xmlns:a14="http://schemas.microsoft.com/office/drawing/2010/main">
+            <mc:Choice Requires="a14">
               <p:sp>
                 <p:nvSpPr>
                   <p:cNvPr id="14" name="TextBox 13">
@@ -14875,6 +11518,7 @@
                   </a:bodyPr>
                   <a:lstStyle/>
                   <a:p>
+                    <a:pPr/>
                     <a14:m>
                       <m:oMathPara xmlns:m="http://schemas.openxmlformats.org/officeDocument/2006/math">
                         <m:oMathParaPr>
@@ -14895,7 +11539,7 @@
                 </p:txBody>
               </p:sp>
             </mc:Choice>
-            <mc:Fallback>
+            <mc:Fallback xmlns="">
               <p:sp>
                 <p:nvSpPr>
                   <p:cNvPr id="14" name="TextBox 13">
@@ -14940,8 +11584,8 @@
               </p:sp>
             </mc:Fallback>
           </mc:AlternateContent>
-          <mc:AlternateContent xmlns:mc="http://schemas.openxmlformats.org/markup-compatibility/2006">
-            <mc:Choice xmlns:a14="http://schemas.microsoft.com/office/drawing/2010/main" Requires="a14">
+          <mc:AlternateContent xmlns:mc="http://schemas.openxmlformats.org/markup-compatibility/2006" xmlns:a14="http://schemas.microsoft.com/office/drawing/2010/main">
+            <mc:Choice Requires="a14">
               <p:sp>
                 <p:nvSpPr>
                   <p:cNvPr id="15" name="TextBox 14">
@@ -14972,6 +11616,7 @@
                   </a:bodyPr>
                   <a:lstStyle/>
                   <a:p>
+                    <a:pPr/>
                     <a14:m>
                       <m:oMathPara xmlns:m="http://schemas.openxmlformats.org/officeDocument/2006/math">
                         <m:oMathParaPr>
@@ -14992,7 +11637,7 @@
                 </p:txBody>
               </p:sp>
             </mc:Choice>
-            <mc:Fallback>
+            <mc:Fallback xmlns="">
               <p:sp>
                 <p:nvSpPr>
                   <p:cNvPr id="15" name="TextBox 14">
@@ -15037,8 +11682,8 @@
               </p:sp>
             </mc:Fallback>
           </mc:AlternateContent>
-          <mc:AlternateContent xmlns:mc="http://schemas.openxmlformats.org/markup-compatibility/2006">
-            <mc:Choice xmlns:a14="http://schemas.microsoft.com/office/drawing/2010/main" Requires="a14">
+          <mc:AlternateContent xmlns:mc="http://schemas.openxmlformats.org/markup-compatibility/2006" xmlns:a14="http://schemas.microsoft.com/office/drawing/2010/main">
+            <mc:Choice Requires="a14">
               <p:sp>
                 <p:nvSpPr>
                   <p:cNvPr id="16" name="TextBox 15">
@@ -15097,7 +11742,7 @@
                 </p:txBody>
               </p:sp>
             </mc:Choice>
-            <mc:Fallback>
+            <mc:Fallback xmlns="">
               <p:sp>
                 <p:nvSpPr>
                   <p:cNvPr id="16" name="TextBox 15">
@@ -15143,8 +11788,8 @@
             </mc:Fallback>
           </mc:AlternateContent>
         </p:grpSp>
-        <mc:AlternateContent xmlns:mc="http://schemas.openxmlformats.org/markup-compatibility/2006">
-          <mc:Choice xmlns:a14="http://schemas.microsoft.com/office/drawing/2010/main" Requires="a14">
+        <mc:AlternateContent xmlns:mc="http://schemas.openxmlformats.org/markup-compatibility/2006" xmlns:a14="http://schemas.microsoft.com/office/drawing/2010/main">
+          <mc:Choice Requires="a14">
             <p:sp>
               <p:nvSpPr>
                 <p:cNvPr id="7" name="TextBox 6">
@@ -15205,7 +11850,7 @@
               </p:txBody>
             </p:sp>
           </mc:Choice>
-          <mc:Fallback>
+          <mc:Fallback xmlns="">
             <p:sp>
               <p:nvSpPr>
                 <p:cNvPr id="7" name="TextBox 6">
@@ -15250,8 +11895,8 @@
             </p:sp>
           </mc:Fallback>
         </mc:AlternateContent>
-        <mc:AlternateContent xmlns:mc="http://schemas.openxmlformats.org/markup-compatibility/2006">
-          <mc:Choice xmlns:a14="http://schemas.microsoft.com/office/drawing/2010/main" Requires="a14">
+        <mc:AlternateContent xmlns:mc="http://schemas.openxmlformats.org/markup-compatibility/2006" xmlns:a14="http://schemas.microsoft.com/office/drawing/2010/main">
+          <mc:Choice Requires="a14">
             <p:sp>
               <p:nvSpPr>
                 <p:cNvPr id="8" name="TextBox 7">
@@ -15318,7 +11963,7 @@
               </p:txBody>
             </p:sp>
           </mc:Choice>
-          <mc:Fallback>
+          <mc:Fallback xmlns="">
             <p:sp>
               <p:nvSpPr>
                 <p:cNvPr id="8" name="TextBox 7">
@@ -15363,8 +12008,8 @@
             </p:sp>
           </mc:Fallback>
         </mc:AlternateContent>
-        <mc:AlternateContent xmlns:mc="http://schemas.openxmlformats.org/markup-compatibility/2006">
-          <mc:Choice xmlns:a14="http://schemas.microsoft.com/office/drawing/2010/main" Requires="a14">
+        <mc:AlternateContent xmlns:mc="http://schemas.openxmlformats.org/markup-compatibility/2006" xmlns:a14="http://schemas.microsoft.com/office/drawing/2010/main">
+          <mc:Choice Requires="a14">
             <p:sp>
               <p:nvSpPr>
                 <p:cNvPr id="9" name="TextBox 8">
@@ -15431,7 +12076,7 @@
               </p:txBody>
             </p:sp>
           </mc:Choice>
-          <mc:Fallback>
+          <mc:Fallback xmlns="">
             <p:sp>
               <p:nvSpPr>
                 <p:cNvPr id="9" name="TextBox 8">
@@ -15481,6 +12126,2030 @@
     <p:extLst>
       <p:ext uri="{BB962C8B-B14F-4D97-AF65-F5344CB8AC3E}">
         <p14:creationId xmlns:p14="http://schemas.microsoft.com/office/powerpoint/2010/main" val="2167772293"/>
+      </p:ext>
+    </p:extLst>
+  </p:cSld>
+  <p:clrMapOvr>
+    <a:masterClrMapping/>
+  </p:clrMapOvr>
+</p:sld>
+</file>
+
+<file path=ppt/slides/slide9.xml><?xml version="1.0" encoding="utf-8"?>
+<p:sld xmlns:a="http://schemas.openxmlformats.org/drawingml/2006/main" xmlns:r="http://schemas.openxmlformats.org/officeDocument/2006/relationships" xmlns:p="http://schemas.openxmlformats.org/presentationml/2006/main">
+  <p:cSld>
+    <p:spTree>
+      <p:nvGrpSpPr>
+        <p:cNvPr id="1" name=""/>
+        <p:cNvGrpSpPr/>
+        <p:nvPr/>
+      </p:nvGrpSpPr>
+      <p:grpSpPr>
+        <a:xfrm>
+          <a:off x="0" y="0"/>
+          <a:ext cx="0" cy="0"/>
+          <a:chOff x="0" y="0"/>
+          <a:chExt cx="0" cy="0"/>
+        </a:xfrm>
+      </p:grpSpPr>
+      <p:sp>
+        <p:nvSpPr>
+          <p:cNvPr id="2" name="Title 1">
+            <a:extLst>
+              <a:ext uri="{FF2B5EF4-FFF2-40B4-BE49-F238E27FC236}">
+                <a16:creationId xmlns:a16="http://schemas.microsoft.com/office/drawing/2014/main" id="{3F8F87E8-F973-3A48-A183-96F0506BF15A}"/>
+              </a:ext>
+            </a:extLst>
+          </p:cNvPr>
+          <p:cNvSpPr>
+            <a:spLocks noGrp="1"/>
+          </p:cNvSpPr>
+          <p:nvPr>
+            <p:ph type="title"/>
+          </p:nvPr>
+        </p:nvSpPr>
+        <p:spPr/>
+        <p:txBody>
+          <a:bodyPr/>
+          <a:lstStyle/>
+          <a:p>
+            <a:r>
+              <a:rPr lang="en-US" dirty="0"/>
+              <a:t>Confidence Interval Calculation</a:t>
+            </a:r>
+          </a:p>
+        </p:txBody>
+      </p:sp>
+      <p:sp>
+        <p:nvSpPr>
+          <p:cNvPr id="4" name="Slide Number Placeholder 3">
+            <a:extLst>
+              <a:ext uri="{FF2B5EF4-FFF2-40B4-BE49-F238E27FC236}">
+                <a16:creationId xmlns:a16="http://schemas.microsoft.com/office/drawing/2014/main" id="{4E24F237-06B6-594F-8319-F28AD02E23E2}"/>
+              </a:ext>
+            </a:extLst>
+          </p:cNvPr>
+          <p:cNvSpPr>
+            <a:spLocks noGrp="1"/>
+          </p:cNvSpPr>
+          <p:nvPr>
+            <p:ph type="sldNum" sz="quarter" idx="11"/>
+          </p:nvPr>
+        </p:nvSpPr>
+        <p:spPr/>
+        <p:txBody>
+          <a:bodyPr/>
+          <a:lstStyle/>
+          <a:p>
+            <a:pPr>
+              <a:defRPr/>
+            </a:pPr>
+            <a:fld id="{3EF4E9CC-9D91-476E-91FD-5BEEC1642931}" type="slidenum">
+              <a:rPr lang="en-US" altLang="x-none" smtClean="0"/>
+              <a:pPr>
+                <a:defRPr/>
+              </a:pPr>
+              <a:t>9</a:t>
+            </a:fld>
+            <a:endParaRPr lang="en-US" altLang="x-none"/>
+          </a:p>
+        </p:txBody>
+      </p:sp>
+      <mc:AlternateContent xmlns:mc="http://schemas.openxmlformats.org/markup-compatibility/2006" xmlns:a14="http://schemas.microsoft.com/office/drawing/2010/main">
+        <mc:Choice Requires="a14">
+          <p:sp>
+            <p:nvSpPr>
+              <p:cNvPr id="8" name="Content Placeholder 7">
+                <a:extLst>
+                  <a:ext uri="{FF2B5EF4-FFF2-40B4-BE49-F238E27FC236}">
+                    <a16:creationId xmlns:a16="http://schemas.microsoft.com/office/drawing/2014/main" id="{FCCDFD9B-68F9-A242-965E-0C9C5F7CA01E}"/>
+                  </a:ext>
+                </a:extLst>
+              </p:cNvPr>
+              <p:cNvSpPr>
+                <a:spLocks noGrp="1"/>
+              </p:cNvSpPr>
+              <p:nvPr>
+                <p:ph idx="1"/>
+              </p:nvPr>
+            </p:nvSpPr>
+            <p:spPr>
+              <a:xfrm>
+                <a:off x="457200" y="3276600"/>
+                <a:ext cx="8229600" cy="2590800"/>
+              </a:xfrm>
+            </p:spPr>
+            <p:txBody>
+              <a:bodyPr/>
+              <a:lstStyle/>
+              <a:p>
+                <a:pPr marL="457200" lvl="1" indent="0">
+                  <a:buNone/>
+                </a:pPr>
+                <a:r>
+                  <a:rPr lang="en-US" sz="2000" dirty="0"/>
+                  <a:t>Given: </a:t>
+                </a:r>
+                <a14:m>
+                  <m:oMath xmlns:m="http://schemas.openxmlformats.org/officeDocument/2006/math">
+                    <m:acc>
+                      <m:accPr>
+                        <m:chr m:val="̅"/>
+                        <m:ctrlPr>
+                          <a:rPr lang="en-US" sz="2000" i="1">
+                            <a:latin typeface="Cambria Math" panose="02040503050406030204" pitchFamily="18" charset="0"/>
+                          </a:rPr>
+                        </m:ctrlPr>
+                      </m:accPr>
+                      <m:e>
+                        <m:acc>
+                          <m:accPr>
+                            <m:chr m:val="̂"/>
+                            <m:ctrlPr>
+                              <a:rPr lang="en-US" sz="2000" i="1">
+                                <a:latin typeface="Cambria Math" panose="02040503050406030204" pitchFamily="18" charset="0"/>
+                              </a:rPr>
+                            </m:ctrlPr>
+                          </m:accPr>
+                          <m:e>
+                            <m:r>
+                              <a:rPr lang="en-US" sz="2000" i="1">
+                                <a:latin typeface="Cambria Math" panose="02040503050406030204" pitchFamily="18" charset="0"/>
+                              </a:rPr>
+                              <m:t>𝜃</m:t>
+                            </m:r>
+                          </m:e>
+                        </m:acc>
+                      </m:e>
+                    </m:acc>
+                    <m:r>
+                      <a:rPr lang="en-US" sz="2000" b="0" i="0" smtClean="0">
+                        <a:latin typeface="Cambria Math" panose="02040503050406030204" pitchFamily="18" charset="0"/>
+                      </a:rPr>
+                      <m:t>=0.15, </m:t>
+                    </m:r>
+                    <m:sSub>
+                      <m:sSubPr>
+                        <m:ctrlPr>
+                          <a:rPr lang="en-US" sz="2000" i="1">
+                            <a:latin typeface="Cambria Math" panose="02040503050406030204" pitchFamily="18" charset="0"/>
+                          </a:rPr>
+                        </m:ctrlPr>
+                      </m:sSubPr>
+                      <m:e>
+                        <m:r>
+                          <a:rPr lang="en-US" sz="2000" b="0" i="1" smtClean="0">
+                            <a:latin typeface="Cambria Math" panose="02040503050406030204" pitchFamily="18" charset="0"/>
+                          </a:rPr>
+                          <m:t>𝜎</m:t>
+                        </m:r>
+                      </m:e>
+                      <m:sub>
+                        <m:acc>
+                          <m:accPr>
+                            <m:chr m:val="̂"/>
+                            <m:ctrlPr>
+                              <a:rPr lang="en-US" sz="2000" i="1">
+                                <a:latin typeface="Cambria Math" panose="02040503050406030204" pitchFamily="18" charset="0"/>
+                              </a:rPr>
+                            </m:ctrlPr>
+                          </m:accPr>
+                          <m:e>
+                            <m:r>
+                              <a:rPr lang="en-US" sz="2000" i="1">
+                                <a:latin typeface="Cambria Math" panose="02040503050406030204" pitchFamily="18" charset="0"/>
+                              </a:rPr>
+                              <m:t>𝜃</m:t>
+                            </m:r>
+                          </m:e>
+                        </m:acc>
+                      </m:sub>
+                    </m:sSub>
+                  </m:oMath>
+                </a14:m>
+                <a:r>
+                  <a:rPr lang="en-US" sz="2000" dirty="0"/>
+                  <a:t>=0.03, </a:t>
+                </a:r>
+                <a:r>
+                  <a:rPr lang="en-US" sz="2000" i="1" dirty="0"/>
+                  <a:t>M</a:t>
+                </a:r>
+                <a:r>
+                  <a:rPr lang="en-US" sz="2000" dirty="0"/>
+                  <a:t>=9. Find 95% confidence interval for </a:t>
+                </a:r>
+                <a14:m>
+                  <m:oMath xmlns:m="http://schemas.openxmlformats.org/officeDocument/2006/math">
+                    <m:r>
+                      <a:rPr lang="en-US" sz="2000" b="0" i="1" smtClean="0">
+                        <a:latin typeface="Cambria Math" panose="02040503050406030204" pitchFamily="18" charset="0"/>
+                      </a:rPr>
+                      <m:t>𝜃</m:t>
+                    </m:r>
+                  </m:oMath>
+                </a14:m>
+                <a:r>
+                  <a:rPr lang="en-US" sz="2000" dirty="0"/>
+                  <a:t>.</a:t>
+                </a:r>
+              </a:p>
+              <a:p>
+                <a:pPr marL="914400" lvl="1" indent="-457200">
+                  <a:buFont typeface="+mj-lt"/>
+                  <a:buAutoNum type="arabicPeriod"/>
+                </a:pPr>
+                <a:r>
+                  <a:rPr lang="en-US" sz="2000" dirty="0"/>
+                  <a:t>The standard deviation of the mean is </a:t>
+                </a:r>
+                <a14:m>
+                  <m:oMath xmlns:m="http://schemas.openxmlformats.org/officeDocument/2006/math">
+                    <m:f>
+                      <m:fPr>
+                        <m:ctrlPr>
+                          <a:rPr lang="en-US" sz="2000" b="0" i="1" smtClean="0">
+                            <a:latin typeface="Cambria Math" panose="02040503050406030204" pitchFamily="18" charset="0"/>
+                          </a:rPr>
+                        </m:ctrlPr>
+                      </m:fPr>
+                      <m:num>
+                        <m:r>
+                          <a:rPr lang="en-US" sz="2000" b="0" i="1" smtClean="0">
+                            <a:latin typeface="Cambria Math" panose="02040503050406030204" pitchFamily="18" charset="0"/>
+                          </a:rPr>
+                          <m:t>1</m:t>
+                        </m:r>
+                      </m:num>
+                      <m:den>
+                        <m:r>
+                          <a:rPr lang="en-US" sz="2000" b="0" i="1" smtClean="0">
+                            <a:latin typeface="Cambria Math" panose="02040503050406030204" pitchFamily="18" charset="0"/>
+                          </a:rPr>
+                          <m:t>√</m:t>
+                        </m:r>
+                        <m:r>
+                          <a:rPr lang="en-US" sz="2000" b="0" i="1" smtClean="0">
+                            <a:latin typeface="Cambria Math" panose="02040503050406030204" pitchFamily="18" charset="0"/>
+                          </a:rPr>
+                          <m:t>𝑀</m:t>
+                        </m:r>
+                      </m:den>
+                    </m:f>
+                  </m:oMath>
+                </a14:m>
+                <a:r>
+                  <a:rPr lang="en-US" sz="2000" dirty="0"/>
+                  <a:t> of the standard deviation of the observations. So, </a:t>
+                </a:r>
+                <a14:m>
+                  <m:oMath xmlns:m="http://schemas.openxmlformats.org/officeDocument/2006/math">
+                    <m:sSub>
+                      <m:sSubPr>
+                        <m:ctrlPr>
+                          <a:rPr lang="en-US" sz="2000" b="0" i="1" smtClean="0">
+                            <a:latin typeface="Cambria Math" panose="02040503050406030204" pitchFamily="18" charset="0"/>
+                          </a:rPr>
+                        </m:ctrlPr>
+                      </m:sSubPr>
+                      <m:e>
+                        <m:r>
+                          <a:rPr lang="en-US" sz="2000" b="0" i="1" smtClean="0">
+                            <a:latin typeface="Cambria Math" panose="02040503050406030204" pitchFamily="18" charset="0"/>
+                          </a:rPr>
+                          <m:t>𝜎</m:t>
+                        </m:r>
+                      </m:e>
+                      <m:sub>
+                        <m:acc>
+                          <m:accPr>
+                            <m:chr m:val="̅"/>
+                            <m:ctrlPr>
+                              <a:rPr lang="en-US" sz="2000" b="0" i="1" smtClean="0">
+                                <a:latin typeface="Cambria Math" panose="02040503050406030204" pitchFamily="18" charset="0"/>
+                              </a:rPr>
+                            </m:ctrlPr>
+                          </m:accPr>
+                          <m:e>
+                            <m:acc>
+                              <m:accPr>
+                                <m:chr m:val="̂"/>
+                                <m:ctrlPr>
+                                  <a:rPr lang="en-US" sz="2000" b="0" i="1" smtClean="0">
+                                    <a:latin typeface="Cambria Math" panose="02040503050406030204" pitchFamily="18" charset="0"/>
+                                  </a:rPr>
+                                </m:ctrlPr>
+                              </m:accPr>
+                              <m:e>
+                                <m:r>
+                                  <a:rPr lang="en-US" sz="2000" b="0" i="1" smtClean="0">
+                                    <a:latin typeface="Cambria Math" panose="02040503050406030204" pitchFamily="18" charset="0"/>
+                                  </a:rPr>
+                                  <m:t>𝜃</m:t>
+                                </m:r>
+                              </m:e>
+                            </m:acc>
+                          </m:e>
+                        </m:acc>
+                      </m:sub>
+                    </m:sSub>
+                    <m:r>
+                      <a:rPr lang="en-US" sz="2000" b="0" i="1" smtClean="0">
+                        <a:latin typeface="Cambria Math" panose="02040503050406030204" pitchFamily="18" charset="0"/>
+                      </a:rPr>
+                      <m:t>≈</m:t>
+                    </m:r>
+                    <m:f>
+                      <m:fPr>
+                        <m:ctrlPr>
+                          <a:rPr lang="en-US" sz="2000" b="0" i="1" smtClean="0">
+                            <a:latin typeface="Cambria Math" panose="02040503050406030204" pitchFamily="18" charset="0"/>
+                          </a:rPr>
+                        </m:ctrlPr>
+                      </m:fPr>
+                      <m:num>
+                        <m:sSub>
+                          <m:sSubPr>
+                            <m:ctrlPr>
+                              <a:rPr lang="en-US" sz="2000" i="1">
+                                <a:latin typeface="Cambria Math" panose="02040503050406030204" pitchFamily="18" charset="0"/>
+                              </a:rPr>
+                            </m:ctrlPr>
+                          </m:sSubPr>
+                          <m:e>
+                            <m:r>
+                              <a:rPr lang="en-US" sz="2000" i="1">
+                                <a:latin typeface="Cambria Math" panose="02040503050406030204" pitchFamily="18" charset="0"/>
+                              </a:rPr>
+                              <m:t>𝑠</m:t>
+                            </m:r>
+                          </m:e>
+                          <m:sub>
+                            <m:acc>
+                              <m:accPr>
+                                <m:chr m:val="̂"/>
+                                <m:ctrlPr>
+                                  <a:rPr lang="en-US" sz="2000" i="1">
+                                    <a:latin typeface="Cambria Math" panose="02040503050406030204" pitchFamily="18" charset="0"/>
+                                  </a:rPr>
+                                </m:ctrlPr>
+                              </m:accPr>
+                              <m:e>
+                                <m:r>
+                                  <a:rPr lang="en-US" sz="2000" i="1">
+                                    <a:latin typeface="Cambria Math" panose="02040503050406030204" pitchFamily="18" charset="0"/>
+                                  </a:rPr>
+                                  <m:t>𝜃</m:t>
+                                </m:r>
+                              </m:e>
+                            </m:acc>
+                          </m:sub>
+                        </m:sSub>
+                      </m:num>
+                      <m:den>
+                        <m:rad>
+                          <m:radPr>
+                            <m:degHide m:val="on"/>
+                            <m:ctrlPr>
+                              <a:rPr lang="en-US" sz="2000" b="0" i="1" smtClean="0">
+                                <a:latin typeface="Cambria Math" panose="02040503050406030204" pitchFamily="18" charset="0"/>
+                              </a:rPr>
+                            </m:ctrlPr>
+                          </m:radPr>
+                          <m:deg/>
+                          <m:e>
+                            <m:r>
+                              <a:rPr lang="en-US" sz="2000" b="0" i="1" smtClean="0">
+                                <a:latin typeface="Cambria Math" panose="02040503050406030204" pitchFamily="18" charset="0"/>
+                              </a:rPr>
+                              <m:t>𝑀</m:t>
+                            </m:r>
+                          </m:e>
+                        </m:rad>
+                      </m:den>
+                    </m:f>
+                    <m:r>
+                      <a:rPr lang="en-US" sz="2000" b="0" i="1" smtClean="0">
+                        <a:latin typeface="Cambria Math" panose="02040503050406030204" pitchFamily="18" charset="0"/>
+                      </a:rPr>
+                      <m:t>=0.01</m:t>
+                    </m:r>
+                  </m:oMath>
+                </a14:m>
+                <a:r>
+                  <a:rPr lang="en-US" sz="2000" dirty="0"/>
+                  <a:t>.</a:t>
+                </a:r>
+              </a:p>
+              <a:p>
+                <a:pPr marL="914400" lvl="1" indent="-457200">
+                  <a:buFont typeface="+mj-lt"/>
+                  <a:buAutoNum type="arabicPeriod"/>
+                </a:pPr>
+                <a14:m>
+                  <m:oMath xmlns:m="http://schemas.openxmlformats.org/officeDocument/2006/math">
+                    <m:sSub>
+                      <m:sSubPr>
+                        <m:ctrlPr>
+                          <a:rPr lang="en-US" sz="2000" b="0" i="1" smtClean="0">
+                            <a:latin typeface="Cambria Math" panose="02040503050406030204" pitchFamily="18" charset="0"/>
+                          </a:rPr>
+                        </m:ctrlPr>
+                      </m:sSubPr>
+                      <m:e>
+                        <m:r>
+                          <a:rPr lang="en-US" sz="2000" b="0" i="1" smtClean="0">
+                            <a:latin typeface="Cambria Math" panose="02040503050406030204" pitchFamily="18" charset="0"/>
+                          </a:rPr>
+                          <m:t>𝑧</m:t>
+                        </m:r>
+                      </m:e>
+                      <m:sub>
+                        <m:r>
+                          <a:rPr lang="en-US" sz="2000" b="0" i="1" smtClean="0">
+                            <a:latin typeface="Cambria Math" panose="02040503050406030204" pitchFamily="18" charset="0"/>
+                          </a:rPr>
+                          <m:t>𝛼</m:t>
+                        </m:r>
+                        <m:r>
+                          <a:rPr lang="en-US" sz="2000" b="0" i="1" smtClean="0">
+                            <a:latin typeface="Cambria Math" panose="02040503050406030204" pitchFamily="18" charset="0"/>
+                          </a:rPr>
+                          <m:t>/2</m:t>
+                        </m:r>
+                      </m:sub>
+                    </m:sSub>
+                    <m:r>
+                      <a:rPr lang="en-US" sz="2000" b="0" i="1" smtClean="0">
+                        <a:latin typeface="Cambria Math" panose="02040503050406030204" pitchFamily="18" charset="0"/>
+                      </a:rPr>
+                      <m:t>=</m:t>
+                    </m:r>
+                    <m:sSub>
+                      <m:sSubPr>
+                        <m:ctrlPr>
+                          <a:rPr lang="en-US" sz="2000" b="0" i="1" smtClean="0">
+                            <a:latin typeface="Cambria Math" panose="02040503050406030204" pitchFamily="18" charset="0"/>
+                          </a:rPr>
+                        </m:ctrlPr>
+                      </m:sSubPr>
+                      <m:e>
+                        <m:r>
+                          <a:rPr lang="en-US" sz="2000" b="0" i="1" smtClean="0">
+                            <a:latin typeface="Cambria Math" panose="02040503050406030204" pitchFamily="18" charset="0"/>
+                          </a:rPr>
+                          <m:t>𝑧</m:t>
+                        </m:r>
+                      </m:e>
+                      <m:sub>
+                        <m:r>
+                          <a:rPr lang="en-US" sz="2000" b="0" i="1" smtClean="0">
+                            <a:latin typeface="Cambria Math" panose="02040503050406030204" pitchFamily="18" charset="0"/>
+                          </a:rPr>
+                          <m:t>0.025</m:t>
+                        </m:r>
+                      </m:sub>
+                    </m:sSub>
+                    <m:r>
+                      <a:rPr lang="en-US" sz="2000" b="0" i="1" smtClean="0">
+                        <a:latin typeface="Cambria Math" panose="02040503050406030204" pitchFamily="18" charset="0"/>
+                      </a:rPr>
+                      <m:t>≈−2</m:t>
+                    </m:r>
+                    <m:r>
+                      <a:rPr lang="en-US" sz="2000" b="0" i="0" smtClean="0">
+                        <a:latin typeface="Cambria Math" panose="02040503050406030204" pitchFamily="18" charset="0"/>
+                      </a:rPr>
+                      <m:t>, </m:t>
+                    </m:r>
+                    <m:sSub>
+                      <m:sSubPr>
+                        <m:ctrlPr>
+                          <a:rPr lang="en-US" sz="2000" b="0" i="1" smtClean="0">
+                            <a:latin typeface="Cambria Math" panose="02040503050406030204" pitchFamily="18" charset="0"/>
+                          </a:rPr>
+                        </m:ctrlPr>
+                      </m:sSubPr>
+                      <m:e>
+                        <m:r>
+                          <a:rPr lang="en-US" sz="2000" b="0" i="0" smtClean="0">
+                            <a:latin typeface="Cambria Math" panose="02040503050406030204" pitchFamily="18" charset="0"/>
+                          </a:rPr>
+                          <m:t> </m:t>
+                        </m:r>
+                        <m:r>
+                          <m:rPr>
+                            <m:sty m:val="p"/>
+                          </m:rPr>
+                          <a:rPr lang="en-US" sz="2000" b="0" i="0" smtClean="0">
+                            <a:latin typeface="Cambria Math" panose="02040503050406030204" pitchFamily="18" charset="0"/>
+                          </a:rPr>
+                          <m:t>z</m:t>
+                        </m:r>
+                      </m:e>
+                      <m:sub>
+                        <m:f>
+                          <m:fPr>
+                            <m:ctrlPr>
+                              <a:rPr lang="en-US" sz="2000" b="0" i="1" smtClean="0">
+                                <a:latin typeface="Cambria Math" panose="02040503050406030204" pitchFamily="18" charset="0"/>
+                              </a:rPr>
+                            </m:ctrlPr>
+                          </m:fPr>
+                          <m:num>
+                            <m:r>
+                              <a:rPr lang="en-US" sz="2000" b="0" i="1" smtClean="0">
+                                <a:latin typeface="Cambria Math" panose="02040503050406030204" pitchFamily="18" charset="0"/>
+                              </a:rPr>
+                              <m:t>1−</m:t>
+                            </m:r>
+                            <m:r>
+                              <a:rPr lang="en-US" sz="2000" b="0" i="1" smtClean="0">
+                                <a:latin typeface="Cambria Math" panose="02040503050406030204" pitchFamily="18" charset="0"/>
+                              </a:rPr>
+                              <m:t>𝛼</m:t>
+                            </m:r>
+                          </m:num>
+                          <m:den>
+                            <m:r>
+                              <a:rPr lang="en-US" sz="2000" b="0" i="1" smtClean="0">
+                                <a:latin typeface="Cambria Math" panose="02040503050406030204" pitchFamily="18" charset="0"/>
+                              </a:rPr>
+                              <m:t>2</m:t>
+                            </m:r>
+                          </m:den>
+                        </m:f>
+                      </m:sub>
+                    </m:sSub>
+                    <m:r>
+                      <a:rPr lang="en-US" sz="2000" b="0" i="1" smtClean="0">
+                        <a:latin typeface="Cambria Math" panose="02040503050406030204" pitchFamily="18" charset="0"/>
+                      </a:rPr>
+                      <m:t>=</m:t>
+                    </m:r>
+                    <m:sSub>
+                      <m:sSubPr>
+                        <m:ctrlPr>
+                          <a:rPr lang="en-US" sz="2000" b="0" i="1" smtClean="0">
+                            <a:latin typeface="Cambria Math" panose="02040503050406030204" pitchFamily="18" charset="0"/>
+                          </a:rPr>
+                        </m:ctrlPr>
+                      </m:sSubPr>
+                      <m:e>
+                        <m:r>
+                          <a:rPr lang="en-US" sz="2000" b="0" i="1" smtClean="0">
+                            <a:latin typeface="Cambria Math" panose="02040503050406030204" pitchFamily="18" charset="0"/>
+                          </a:rPr>
+                          <m:t>𝑧</m:t>
+                        </m:r>
+                      </m:e>
+                      <m:sub>
+                        <m:r>
+                          <a:rPr lang="en-US" sz="2000" b="0" i="1" smtClean="0">
+                            <a:latin typeface="Cambria Math" panose="02040503050406030204" pitchFamily="18" charset="0"/>
+                          </a:rPr>
+                          <m:t>0.975</m:t>
+                        </m:r>
+                      </m:sub>
+                    </m:sSub>
+                    <m:r>
+                      <a:rPr lang="en-US" sz="2000" b="0" i="1" smtClean="0">
+                        <a:latin typeface="Cambria Math" panose="02040503050406030204" pitchFamily="18" charset="0"/>
+                      </a:rPr>
+                      <m:t>≈2</m:t>
+                    </m:r>
+                  </m:oMath>
+                </a14:m>
+                <a:endParaRPr lang="en-US" sz="2000" dirty="0"/>
+              </a:p>
+              <a:p>
+                <a:pPr marL="914400" lvl="1" indent="-457200">
+                  <a:buFont typeface="+mj-lt"/>
+                  <a:buAutoNum type="arabicPeriod"/>
+                </a:pPr>
+                <a14:m>
+                  <m:oMath xmlns:m="http://schemas.openxmlformats.org/officeDocument/2006/math">
+                    <m:r>
+                      <a:rPr lang="en-US" sz="2000" i="1">
+                        <a:latin typeface="Cambria Math" panose="02040503050406030204" pitchFamily="18" charset="0"/>
+                      </a:rPr>
+                      <m:t>𝑎</m:t>
+                    </m:r>
+                    <m:r>
+                      <a:rPr lang="en-US" sz="2000" i="1">
+                        <a:latin typeface="Cambria Math" panose="02040503050406030204" pitchFamily="18" charset="0"/>
+                      </a:rPr>
+                      <m:t>=</m:t>
+                    </m:r>
+                    <m:sSub>
+                      <m:sSubPr>
+                        <m:ctrlPr>
+                          <a:rPr lang="en-US" sz="2000" i="1">
+                            <a:latin typeface="Cambria Math" panose="02040503050406030204" pitchFamily="18" charset="0"/>
+                          </a:rPr>
+                        </m:ctrlPr>
+                      </m:sSubPr>
+                      <m:e>
+                        <m:acc>
+                          <m:accPr>
+                            <m:chr m:val="̅"/>
+                            <m:ctrlPr>
+                              <a:rPr lang="en-US" sz="2000" i="1">
+                                <a:latin typeface="Cambria Math" panose="02040503050406030204" pitchFamily="18" charset="0"/>
+                              </a:rPr>
+                            </m:ctrlPr>
+                          </m:accPr>
+                          <m:e>
+                            <m:acc>
+                              <m:accPr>
+                                <m:chr m:val="̂"/>
+                                <m:ctrlPr>
+                                  <a:rPr lang="en-US" sz="2000" i="1">
+                                    <a:latin typeface="Cambria Math" panose="02040503050406030204" pitchFamily="18" charset="0"/>
+                                  </a:rPr>
+                                </m:ctrlPr>
+                              </m:accPr>
+                              <m:e>
+                                <m:r>
+                                  <a:rPr lang="en-US" sz="2000" i="1">
+                                    <a:latin typeface="Cambria Math" panose="02040503050406030204" pitchFamily="18" charset="0"/>
+                                  </a:rPr>
+                                  <m:t>𝜃</m:t>
+                                </m:r>
+                              </m:e>
+                            </m:acc>
+                          </m:e>
+                        </m:acc>
+                        <m:r>
+                          <m:rPr>
+                            <m:nor/>
+                          </m:rPr>
+                          <a:rPr lang="en-US" sz="2000">
+                            <a:latin typeface="Cambria Math" panose="02040503050406030204" pitchFamily="18" charset="0"/>
+                          </a:rPr>
+                          <m:t> </m:t>
+                        </m:r>
+                        <m:r>
+                          <a:rPr lang="en-US" sz="2000" i="1">
+                            <a:latin typeface="Cambria Math" panose="02040503050406030204" pitchFamily="18" charset="0"/>
+                          </a:rPr>
+                          <m:t>+</m:t>
+                        </m:r>
+                        <m:r>
+                          <a:rPr lang="en-US" sz="2000" i="1">
+                            <a:latin typeface="Cambria Math" panose="02040503050406030204" pitchFamily="18" charset="0"/>
+                          </a:rPr>
+                          <m:t>𝑧</m:t>
+                        </m:r>
+                      </m:e>
+                      <m:sub>
+                        <m:r>
+                          <a:rPr lang="en-US" sz="2000" i="1">
+                            <a:latin typeface="Cambria Math" panose="02040503050406030204" pitchFamily="18" charset="0"/>
+                          </a:rPr>
+                          <m:t>𝛼</m:t>
+                        </m:r>
+                        <m:r>
+                          <a:rPr lang="en-US" sz="2000" i="1">
+                            <a:latin typeface="Cambria Math" panose="02040503050406030204" pitchFamily="18" charset="0"/>
+                          </a:rPr>
+                          <m:t>/2</m:t>
+                        </m:r>
+                      </m:sub>
+                    </m:sSub>
+                    <m:sSub>
+                      <m:sSubPr>
+                        <m:ctrlPr>
+                          <a:rPr lang="en-US" sz="2000" i="1">
+                            <a:latin typeface="Cambria Math" panose="02040503050406030204" pitchFamily="18" charset="0"/>
+                          </a:rPr>
+                        </m:ctrlPr>
+                      </m:sSubPr>
+                      <m:e>
+                        <m:r>
+                          <a:rPr lang="en-US" sz="2000" i="1">
+                            <a:latin typeface="Cambria Math" panose="02040503050406030204" pitchFamily="18" charset="0"/>
+                          </a:rPr>
+                          <m:t>𝜎</m:t>
+                        </m:r>
+                      </m:e>
+                      <m:sub>
+                        <m:acc>
+                          <m:accPr>
+                            <m:chr m:val="̅"/>
+                            <m:ctrlPr>
+                              <a:rPr lang="en-US" sz="2000" i="1">
+                                <a:latin typeface="Cambria Math" panose="02040503050406030204" pitchFamily="18" charset="0"/>
+                              </a:rPr>
+                            </m:ctrlPr>
+                          </m:accPr>
+                          <m:e>
+                            <m:acc>
+                              <m:accPr>
+                                <m:chr m:val="̂"/>
+                                <m:ctrlPr>
+                                  <a:rPr lang="en-US" sz="2000" i="1">
+                                    <a:latin typeface="Cambria Math" panose="02040503050406030204" pitchFamily="18" charset="0"/>
+                                  </a:rPr>
+                                </m:ctrlPr>
+                              </m:accPr>
+                              <m:e>
+                                <m:r>
+                                  <a:rPr lang="en-US" sz="2000" i="1">
+                                    <a:latin typeface="Cambria Math" panose="02040503050406030204" pitchFamily="18" charset="0"/>
+                                  </a:rPr>
+                                  <m:t>𝜃</m:t>
+                                </m:r>
+                              </m:e>
+                            </m:acc>
+                          </m:e>
+                        </m:acc>
+                      </m:sub>
+                    </m:sSub>
+                    <m:r>
+                      <a:rPr lang="en-US" sz="2000" b="0" i="1" smtClean="0">
+                        <a:latin typeface="Cambria Math" panose="02040503050406030204" pitchFamily="18" charset="0"/>
+                      </a:rPr>
+                      <m:t>=0.15+</m:t>
+                    </m:r>
+                    <m:d>
+                      <m:dPr>
+                        <m:ctrlPr>
+                          <a:rPr lang="en-US" sz="2000" b="0" i="1" smtClean="0">
+                            <a:latin typeface="Cambria Math" panose="02040503050406030204" pitchFamily="18" charset="0"/>
+                          </a:rPr>
+                        </m:ctrlPr>
+                      </m:dPr>
+                      <m:e>
+                        <m:r>
+                          <a:rPr lang="en-US" sz="2000" b="0" i="1" smtClean="0">
+                            <a:latin typeface="Cambria Math" panose="02040503050406030204" pitchFamily="18" charset="0"/>
+                          </a:rPr>
+                          <m:t>−2</m:t>
+                        </m:r>
+                      </m:e>
+                    </m:d>
+                    <m:r>
+                      <a:rPr lang="en-US" sz="2000" b="0" i="1" smtClean="0">
+                        <a:latin typeface="Cambria Math" panose="02040503050406030204" pitchFamily="18" charset="0"/>
+                      </a:rPr>
+                      <m:t>0.01=0.13</m:t>
+                    </m:r>
+                  </m:oMath>
+                </a14:m>
+                <a:endParaRPr lang="en-US" sz="2000" dirty="0"/>
+              </a:p>
+              <a:p>
+                <a:pPr marL="914400" lvl="1" indent="-457200">
+                  <a:buFont typeface="+mj-lt"/>
+                  <a:buAutoNum type="arabicPeriod"/>
+                </a:pPr>
+                <a:r>
+                  <a:rPr lang="en-US" sz="2000" dirty="0"/>
+                  <a:t>b</a:t>
+                </a:r>
+                <a14:m>
+                  <m:oMath xmlns:m="http://schemas.openxmlformats.org/officeDocument/2006/math">
+                    <m:r>
+                      <a:rPr lang="en-US" sz="2000" i="1">
+                        <a:latin typeface="Cambria Math" panose="02040503050406030204" pitchFamily="18" charset="0"/>
+                      </a:rPr>
+                      <m:t>=</m:t>
+                    </m:r>
+                    <m:sSub>
+                      <m:sSubPr>
+                        <m:ctrlPr>
+                          <a:rPr lang="en-US" sz="2000" i="1">
+                            <a:latin typeface="Cambria Math" panose="02040503050406030204" pitchFamily="18" charset="0"/>
+                          </a:rPr>
+                        </m:ctrlPr>
+                      </m:sSubPr>
+                      <m:e>
+                        <m:acc>
+                          <m:accPr>
+                            <m:chr m:val="̅"/>
+                            <m:ctrlPr>
+                              <a:rPr lang="en-US" sz="2000" i="1">
+                                <a:latin typeface="Cambria Math" panose="02040503050406030204" pitchFamily="18" charset="0"/>
+                              </a:rPr>
+                            </m:ctrlPr>
+                          </m:accPr>
+                          <m:e>
+                            <m:acc>
+                              <m:accPr>
+                                <m:chr m:val="̂"/>
+                                <m:ctrlPr>
+                                  <a:rPr lang="en-US" sz="2000" i="1">
+                                    <a:latin typeface="Cambria Math" panose="02040503050406030204" pitchFamily="18" charset="0"/>
+                                  </a:rPr>
+                                </m:ctrlPr>
+                              </m:accPr>
+                              <m:e>
+                                <m:r>
+                                  <a:rPr lang="en-US" sz="2000" i="1">
+                                    <a:latin typeface="Cambria Math" panose="02040503050406030204" pitchFamily="18" charset="0"/>
+                                  </a:rPr>
+                                  <m:t>𝜃</m:t>
+                                </m:r>
+                              </m:e>
+                            </m:acc>
+                          </m:e>
+                        </m:acc>
+                        <m:r>
+                          <m:rPr>
+                            <m:nor/>
+                          </m:rPr>
+                          <a:rPr lang="en-US" sz="2000">
+                            <a:latin typeface="Cambria Math" panose="02040503050406030204" pitchFamily="18" charset="0"/>
+                          </a:rPr>
+                          <m:t> </m:t>
+                        </m:r>
+                        <m:r>
+                          <a:rPr lang="en-US" sz="2000" i="1">
+                            <a:latin typeface="Cambria Math" panose="02040503050406030204" pitchFamily="18" charset="0"/>
+                          </a:rPr>
+                          <m:t>+</m:t>
+                        </m:r>
+                        <m:r>
+                          <a:rPr lang="en-US" sz="2000" i="1">
+                            <a:latin typeface="Cambria Math" panose="02040503050406030204" pitchFamily="18" charset="0"/>
+                          </a:rPr>
+                          <m:t>𝑧</m:t>
+                        </m:r>
+                      </m:e>
+                      <m:sub>
+                        <m:r>
+                          <a:rPr lang="en-US" sz="2000" b="0" i="1" smtClean="0">
+                            <a:latin typeface="Cambria Math" panose="02040503050406030204" pitchFamily="18" charset="0"/>
+                          </a:rPr>
+                          <m:t>(1−</m:t>
+                        </m:r>
+                        <m:r>
+                          <a:rPr lang="en-US" sz="2000" i="1">
+                            <a:latin typeface="Cambria Math" panose="02040503050406030204" pitchFamily="18" charset="0"/>
+                          </a:rPr>
+                          <m:t>𝛼</m:t>
+                        </m:r>
+                        <m:r>
+                          <a:rPr lang="en-US" sz="2000" b="0" i="1" smtClean="0">
+                            <a:latin typeface="Cambria Math" panose="02040503050406030204" pitchFamily="18" charset="0"/>
+                          </a:rPr>
+                          <m:t>)</m:t>
+                        </m:r>
+                        <m:r>
+                          <a:rPr lang="en-US" sz="2000" i="1">
+                            <a:latin typeface="Cambria Math" panose="02040503050406030204" pitchFamily="18" charset="0"/>
+                          </a:rPr>
+                          <m:t>/2</m:t>
+                        </m:r>
+                      </m:sub>
+                    </m:sSub>
+                    <m:sSub>
+                      <m:sSubPr>
+                        <m:ctrlPr>
+                          <a:rPr lang="en-US" sz="2000" i="1">
+                            <a:latin typeface="Cambria Math" panose="02040503050406030204" pitchFamily="18" charset="0"/>
+                          </a:rPr>
+                        </m:ctrlPr>
+                      </m:sSubPr>
+                      <m:e>
+                        <m:r>
+                          <a:rPr lang="en-US" sz="2000" i="1">
+                            <a:latin typeface="Cambria Math" panose="02040503050406030204" pitchFamily="18" charset="0"/>
+                          </a:rPr>
+                          <m:t>𝜎</m:t>
+                        </m:r>
+                      </m:e>
+                      <m:sub>
+                        <m:acc>
+                          <m:accPr>
+                            <m:chr m:val="̅"/>
+                            <m:ctrlPr>
+                              <a:rPr lang="en-US" sz="2000" i="1">
+                                <a:latin typeface="Cambria Math" panose="02040503050406030204" pitchFamily="18" charset="0"/>
+                              </a:rPr>
+                            </m:ctrlPr>
+                          </m:accPr>
+                          <m:e>
+                            <m:acc>
+                              <m:accPr>
+                                <m:chr m:val="̂"/>
+                                <m:ctrlPr>
+                                  <a:rPr lang="en-US" sz="2000" i="1">
+                                    <a:latin typeface="Cambria Math" panose="02040503050406030204" pitchFamily="18" charset="0"/>
+                                  </a:rPr>
+                                </m:ctrlPr>
+                              </m:accPr>
+                              <m:e>
+                                <m:r>
+                                  <a:rPr lang="en-US" sz="2000" i="1">
+                                    <a:latin typeface="Cambria Math" panose="02040503050406030204" pitchFamily="18" charset="0"/>
+                                  </a:rPr>
+                                  <m:t>𝜃</m:t>
+                                </m:r>
+                              </m:e>
+                            </m:acc>
+                          </m:e>
+                        </m:acc>
+                      </m:sub>
+                    </m:sSub>
+                    <m:r>
+                      <a:rPr lang="en-US" sz="2000" i="1">
+                        <a:latin typeface="Cambria Math" panose="02040503050406030204" pitchFamily="18" charset="0"/>
+                      </a:rPr>
+                      <m:t>=0.</m:t>
+                    </m:r>
+                    <m:r>
+                      <a:rPr lang="en-US" sz="2000" b="0" i="1" smtClean="0">
+                        <a:latin typeface="Cambria Math" panose="02040503050406030204" pitchFamily="18" charset="0"/>
+                      </a:rPr>
+                      <m:t>15</m:t>
+                    </m:r>
+                    <m:r>
+                      <a:rPr lang="en-US" sz="2000" i="1">
+                        <a:latin typeface="Cambria Math" panose="02040503050406030204" pitchFamily="18" charset="0"/>
+                      </a:rPr>
+                      <m:t>+</m:t>
+                    </m:r>
+                    <m:d>
+                      <m:dPr>
+                        <m:ctrlPr>
+                          <a:rPr lang="en-US" sz="2000" i="1">
+                            <a:latin typeface="Cambria Math" panose="02040503050406030204" pitchFamily="18" charset="0"/>
+                          </a:rPr>
+                        </m:ctrlPr>
+                      </m:dPr>
+                      <m:e>
+                        <m:r>
+                          <a:rPr lang="en-US" sz="2000" i="1">
+                            <a:latin typeface="Cambria Math" panose="02040503050406030204" pitchFamily="18" charset="0"/>
+                          </a:rPr>
+                          <m:t>2</m:t>
+                        </m:r>
+                      </m:e>
+                    </m:d>
+                    <m:r>
+                      <a:rPr lang="en-US" sz="2000" i="1">
+                        <a:latin typeface="Cambria Math" panose="02040503050406030204" pitchFamily="18" charset="0"/>
+                      </a:rPr>
+                      <m:t>0.01=0.</m:t>
+                    </m:r>
+                    <m:r>
+                      <a:rPr lang="en-US" sz="2000" b="0" i="1" smtClean="0">
+                        <a:latin typeface="Cambria Math" panose="02040503050406030204" pitchFamily="18" charset="0"/>
+                      </a:rPr>
+                      <m:t>17</m:t>
+                    </m:r>
+                  </m:oMath>
+                </a14:m>
+                <a:endParaRPr lang="en-US" sz="2000" dirty="0"/>
+              </a:p>
+              <a:p>
+                <a:pPr marL="914400" lvl="1" indent="-457200">
+                  <a:buFont typeface="+mj-lt"/>
+                  <a:buAutoNum type="arabicPeriod"/>
+                </a:pPr>
+                <a:endParaRPr lang="en-US" sz="2000" dirty="0"/>
+              </a:p>
+              <a:p>
+                <a:pPr marL="0" indent="0">
+                  <a:buNone/>
+                </a:pPr>
+                <a:r>
+                  <a:rPr lang="en-US" sz="2400" dirty="0"/>
+                  <a:t> </a:t>
+                </a:r>
+              </a:p>
+            </p:txBody>
+          </p:sp>
+        </mc:Choice>
+        <mc:Fallback xmlns="">
+          <p:sp>
+            <p:nvSpPr>
+              <p:cNvPr id="8" name="Content Placeholder 7">
+                <a:extLst>
+                  <a:ext uri="{FF2B5EF4-FFF2-40B4-BE49-F238E27FC236}">
+                    <a16:creationId xmlns:a16="http://schemas.microsoft.com/office/drawing/2014/main" id="{FCCDFD9B-68F9-A242-965E-0C9C5F7CA01E}"/>
+                  </a:ext>
+                </a:extLst>
+              </p:cNvPr>
+              <p:cNvSpPr>
+                <a:spLocks noGrp="1" noRot="1" noChangeAspect="1" noMove="1" noResize="1" noEditPoints="1" noAdjustHandles="1" noChangeArrowheads="1" noChangeShapeType="1" noTextEdit="1"/>
+              </p:cNvSpPr>
+              <p:nvPr>
+                <p:ph idx="1"/>
+              </p:nvPr>
+            </p:nvSpPr>
+            <p:spPr>
+              <a:xfrm>
+                <a:off x="457200" y="3276600"/>
+                <a:ext cx="8229600" cy="2590800"/>
+              </a:xfrm>
+              <a:blipFill>
+                <a:blip r:embed="rId2"/>
+                <a:stretch>
+                  <a:fillRect b="-16098"/>
+                </a:stretch>
+              </a:blipFill>
+            </p:spPr>
+            <p:txBody>
+              <a:bodyPr/>
+              <a:lstStyle/>
+              <a:p>
+                <a:r>
+                  <a:rPr lang="en-US">
+                    <a:noFill/>
+                  </a:rPr>
+                  <a:t> </a:t>
+                </a:r>
+              </a:p>
+            </p:txBody>
+          </p:sp>
+        </mc:Fallback>
+      </mc:AlternateContent>
+      <p:pic>
+        <p:nvPicPr>
+          <p:cNvPr id="9" name="Content Placeholder 5">
+            <a:extLst>
+              <a:ext uri="{FF2B5EF4-FFF2-40B4-BE49-F238E27FC236}">
+                <a16:creationId xmlns:a16="http://schemas.microsoft.com/office/drawing/2014/main" id="{1009A578-2AD3-0243-8BDE-6063C01EC29B}"/>
+              </a:ext>
+            </a:extLst>
+          </p:cNvPr>
+          <p:cNvPicPr>
+            <a:picLocks noChangeAspect="1"/>
+          </p:cNvPicPr>
+          <p:nvPr/>
+        </p:nvPicPr>
+        <p:blipFill>
+          <a:blip r:embed="rId3"/>
+          <a:stretch>
+            <a:fillRect/>
+          </a:stretch>
+        </p:blipFill>
+        <p:spPr>
+          <a:xfrm>
+            <a:off x="4774634" y="1064428"/>
+            <a:ext cx="2286000" cy="1696222"/>
+          </a:xfrm>
+          <a:prstGeom prst="rect">
+            <a:avLst/>
+          </a:prstGeom>
+        </p:spPr>
+      </p:pic>
+      <p:sp>
+        <p:nvSpPr>
+          <p:cNvPr id="10" name="TextBox 9">
+            <a:extLst>
+              <a:ext uri="{FF2B5EF4-FFF2-40B4-BE49-F238E27FC236}">
+                <a16:creationId xmlns:a16="http://schemas.microsoft.com/office/drawing/2014/main" id="{AE60167E-120E-4E49-8AF2-0F761B0318AD}"/>
+              </a:ext>
+            </a:extLst>
+          </p:cNvPr>
+          <p:cNvSpPr txBox="1"/>
+          <p:nvPr/>
+        </p:nvSpPr>
+        <p:spPr>
+          <a:xfrm>
+            <a:off x="6374834" y="1274455"/>
+            <a:ext cx="2159566" cy="369332"/>
+          </a:xfrm>
+          <a:prstGeom prst="rect">
+            <a:avLst/>
+          </a:prstGeom>
+          <a:noFill/>
+        </p:spPr>
+        <p:txBody>
+          <a:bodyPr wrap="none" rtlCol="0">
+            <a:spAutoFit/>
+          </a:bodyPr>
+          <a:lstStyle/>
+          <a:p>
+            <a:r>
+              <a:rPr lang="en-US" dirty="0"/>
+              <a:t>Normal distribution</a:t>
+            </a:r>
+          </a:p>
+        </p:txBody>
+      </p:sp>
+      <p:grpSp>
+        <p:nvGrpSpPr>
+          <p:cNvPr id="11" name="Group 10">
+            <a:extLst>
+              <a:ext uri="{FF2B5EF4-FFF2-40B4-BE49-F238E27FC236}">
+                <a16:creationId xmlns:a16="http://schemas.microsoft.com/office/drawing/2014/main" id="{5C1B4416-71D1-DB46-8591-963BE5881052}"/>
+              </a:ext>
+            </a:extLst>
+          </p:cNvPr>
+          <p:cNvGrpSpPr/>
+          <p:nvPr/>
+        </p:nvGrpSpPr>
+        <p:grpSpPr>
+          <a:xfrm>
+            <a:off x="762000" y="1160450"/>
+            <a:ext cx="2944692" cy="1600200"/>
+            <a:chOff x="695086" y="4007982"/>
+            <a:chExt cx="4214929" cy="2422980"/>
+          </a:xfrm>
+        </p:grpSpPr>
+        <p:grpSp>
+          <p:nvGrpSpPr>
+            <p:cNvPr id="12" name="Group 11">
+              <a:extLst>
+                <a:ext uri="{FF2B5EF4-FFF2-40B4-BE49-F238E27FC236}">
+                  <a16:creationId xmlns:a16="http://schemas.microsoft.com/office/drawing/2014/main" id="{9D42E9FC-B469-2842-A160-066470F1C733}"/>
+                </a:ext>
+              </a:extLst>
+            </p:cNvPr>
+            <p:cNvGrpSpPr/>
+            <p:nvPr/>
+          </p:nvGrpSpPr>
+          <p:grpSpPr>
+            <a:xfrm>
+              <a:off x="1207172" y="4007982"/>
+              <a:ext cx="3175000" cy="2422980"/>
+              <a:chOff x="2514600" y="3795692"/>
+              <a:chExt cx="3175000" cy="2422980"/>
+            </a:xfrm>
+          </p:grpSpPr>
+          <p:pic>
+            <p:nvPicPr>
+              <p:cNvPr id="16" name="Picture 15">
+                <a:extLst>
+                  <a:ext uri="{FF2B5EF4-FFF2-40B4-BE49-F238E27FC236}">
+                    <a16:creationId xmlns:a16="http://schemas.microsoft.com/office/drawing/2014/main" id="{8275C587-84C6-EB4D-9CF0-68AAA8D75949}"/>
+                  </a:ext>
+                </a:extLst>
+              </p:cNvPr>
+              <p:cNvPicPr>
+                <a:picLocks noChangeAspect="1"/>
+              </p:cNvPicPr>
+              <p:nvPr/>
+            </p:nvPicPr>
+            <p:blipFill>
+              <a:blip r:embed="rId4"/>
+              <a:stretch>
+                <a:fillRect/>
+              </a:stretch>
+            </p:blipFill>
+            <p:spPr>
+              <a:xfrm>
+                <a:off x="2514600" y="3795692"/>
+                <a:ext cx="3175000" cy="2184400"/>
+              </a:xfrm>
+              <a:prstGeom prst="rect">
+                <a:avLst/>
+              </a:prstGeom>
+            </p:spPr>
+          </p:pic>
+          <mc:AlternateContent xmlns:mc="http://schemas.openxmlformats.org/markup-compatibility/2006" xmlns:a14="http://schemas.microsoft.com/office/drawing/2010/main">
+            <mc:Choice Requires="a14">
+              <p:sp>
+                <p:nvSpPr>
+                  <p:cNvPr id="17" name="TextBox 16">
+                    <a:extLst>
+                      <a:ext uri="{FF2B5EF4-FFF2-40B4-BE49-F238E27FC236}">
+                        <a16:creationId xmlns:a16="http://schemas.microsoft.com/office/drawing/2014/main" id="{BD1CA32F-49C6-CA4F-94A5-C0F701D54A69}"/>
+                      </a:ext>
+                    </a:extLst>
+                  </p:cNvPr>
+                  <p:cNvSpPr txBox="1"/>
+                  <p:nvPr/>
+                </p:nvSpPr>
+                <p:spPr>
+                  <a:xfrm>
+                    <a:off x="3968538" y="5745778"/>
+                    <a:ext cx="256432" cy="372821"/>
+                  </a:xfrm>
+                  <a:prstGeom prst="rect">
+                    <a:avLst/>
+                  </a:prstGeom>
+                  <a:solidFill>
+                    <a:schemeClr val="bg1"/>
+                  </a:solidFill>
+                </p:spPr>
+                <p:txBody>
+                  <a:bodyPr wrap="none" lIns="0" tIns="0" rIns="0" bIns="0" rtlCol="0">
+                    <a:spAutoFit/>
+                  </a:bodyPr>
+                  <a:lstStyle/>
+                  <a:p>
+                    <a:pPr/>
+                    <a14:m>
+                      <m:oMathPara xmlns:m="http://schemas.openxmlformats.org/officeDocument/2006/math">
+                        <m:oMathParaPr>
+                          <m:jc m:val="centerGroup"/>
+                        </m:oMathParaPr>
+                        <m:oMath xmlns:m="http://schemas.openxmlformats.org/officeDocument/2006/math">
+                          <m:r>
+                            <a:rPr lang="en-US" sz="1600" b="0" i="1" smtClean="0">
+                              <a:latin typeface="Cambria Math" panose="02040503050406030204" pitchFamily="18" charset="0"/>
+                            </a:rPr>
+                            <m:t>𝜃</m:t>
+                          </m:r>
+                        </m:oMath>
+                      </m:oMathPara>
+                    </a14:m>
+                    <a:endParaRPr lang="en-US" sz="1600" dirty="0"/>
+                  </a:p>
+                </p:txBody>
+              </p:sp>
+            </mc:Choice>
+            <mc:Fallback xmlns="">
+              <p:sp>
+                <p:nvSpPr>
+                  <p:cNvPr id="17" name="TextBox 16">
+                    <a:extLst>
+                      <a:ext uri="{FF2B5EF4-FFF2-40B4-BE49-F238E27FC236}">
+                        <a16:creationId xmlns:a16="http://schemas.microsoft.com/office/drawing/2014/main" id="{BD1CA32F-49C6-CA4F-94A5-C0F701D54A69}"/>
+                      </a:ext>
+                    </a:extLst>
+                  </p:cNvPr>
+                  <p:cNvSpPr txBox="1">
+                    <a:spLocks noRot="1" noChangeAspect="1" noMove="1" noResize="1" noEditPoints="1" noAdjustHandles="1" noChangeArrowheads="1" noChangeShapeType="1" noTextEdit="1"/>
+                  </p:cNvSpPr>
+                  <p:nvPr/>
+                </p:nvSpPr>
+                <p:spPr>
+                  <a:xfrm>
+                    <a:off x="3968538" y="5745778"/>
+                    <a:ext cx="256432" cy="372821"/>
+                  </a:xfrm>
+                  <a:prstGeom prst="rect">
+                    <a:avLst/>
+                  </a:prstGeom>
+                  <a:blipFill>
+                    <a:blip r:embed="rId5"/>
+                    <a:stretch>
+                      <a:fillRect l="-28571" r="-21429" b="-10000"/>
+                    </a:stretch>
+                  </a:blipFill>
+                </p:spPr>
+                <p:txBody>
+                  <a:bodyPr/>
+                  <a:lstStyle/>
+                  <a:p>
+                    <a:r>
+                      <a:rPr lang="en-US">
+                        <a:noFill/>
+                      </a:rPr>
+                      <a:t> </a:t>
+                    </a:r>
+                  </a:p>
+                </p:txBody>
+              </p:sp>
+            </mc:Fallback>
+          </mc:AlternateContent>
+          <p:sp>
+            <p:nvSpPr>
+              <p:cNvPr id="18" name="Rectangle 17">
+                <a:extLst>
+                  <a:ext uri="{FF2B5EF4-FFF2-40B4-BE49-F238E27FC236}">
+                    <a16:creationId xmlns:a16="http://schemas.microsoft.com/office/drawing/2014/main" id="{25420667-CFB7-454B-9FC3-5818F6C62BE4}"/>
+                  </a:ext>
+                </a:extLst>
+              </p:cNvPr>
+              <p:cNvSpPr/>
+              <p:nvPr/>
+            </p:nvSpPr>
+            <p:spPr>
+              <a:xfrm>
+                <a:off x="2795217" y="5715000"/>
+                <a:ext cx="625579" cy="457200"/>
+              </a:xfrm>
+              <a:prstGeom prst="rect">
+                <a:avLst/>
+              </a:prstGeom>
+              <a:solidFill>
+                <a:schemeClr val="bg1"/>
+              </a:solidFill>
+              <a:ln>
+                <a:noFill/>
+              </a:ln>
+              <a:effectLst>
+                <a:outerShdw dist="23000" sx="1000" sy="1000" rotWithShape="0">
+                  <a:srgbClr val="000000"/>
+                </a:outerShdw>
+              </a:effectLst>
+            </p:spPr>
+            <p:style>
+              <a:lnRef idx="1">
+                <a:schemeClr val="accent1"/>
+              </a:lnRef>
+              <a:fillRef idx="3">
+                <a:schemeClr val="accent1"/>
+              </a:fillRef>
+              <a:effectRef idx="2">
+                <a:schemeClr val="accent1"/>
+              </a:effectRef>
+              <a:fontRef idx="minor">
+                <a:schemeClr val="lt1"/>
+              </a:fontRef>
+            </p:style>
+            <p:txBody>
+              <a:bodyPr rtlCol="0" anchor="ctr"/>
+              <a:lstStyle/>
+              <a:p>
+                <a:pPr algn="ctr"/>
+                <a:endParaRPr lang="en-US" sz="1200"/>
+              </a:p>
+            </p:txBody>
+          </p:sp>
+          <p:sp>
+            <p:nvSpPr>
+              <p:cNvPr id="19" name="Rectangle 18">
+                <a:extLst>
+                  <a:ext uri="{FF2B5EF4-FFF2-40B4-BE49-F238E27FC236}">
+                    <a16:creationId xmlns:a16="http://schemas.microsoft.com/office/drawing/2014/main" id="{7E454A50-7D74-934C-BB08-E049BE6C2303}"/>
+                  </a:ext>
+                </a:extLst>
+              </p:cNvPr>
+              <p:cNvSpPr/>
+              <p:nvPr/>
+            </p:nvSpPr>
+            <p:spPr>
+              <a:xfrm>
+                <a:off x="4632221" y="5761472"/>
+                <a:ext cx="625579" cy="457200"/>
+              </a:xfrm>
+              <a:prstGeom prst="rect">
+                <a:avLst/>
+              </a:prstGeom>
+              <a:solidFill>
+                <a:schemeClr val="bg1"/>
+              </a:solidFill>
+              <a:ln>
+                <a:noFill/>
+              </a:ln>
+              <a:effectLst>
+                <a:outerShdw dist="23000" sx="1000" sy="1000" rotWithShape="0">
+                  <a:srgbClr val="000000"/>
+                </a:outerShdw>
+              </a:effectLst>
+            </p:spPr>
+            <p:style>
+              <a:lnRef idx="1">
+                <a:schemeClr val="accent1"/>
+              </a:lnRef>
+              <a:fillRef idx="3">
+                <a:schemeClr val="accent1"/>
+              </a:fillRef>
+              <a:effectRef idx="2">
+                <a:schemeClr val="accent1"/>
+              </a:effectRef>
+              <a:fontRef idx="minor">
+                <a:schemeClr val="lt1"/>
+              </a:fontRef>
+            </p:style>
+            <p:txBody>
+              <a:bodyPr rtlCol="0" anchor="ctr"/>
+              <a:lstStyle/>
+              <a:p>
+                <a:pPr algn="ctr"/>
+                <a:endParaRPr lang="en-US" sz="1200"/>
+              </a:p>
+            </p:txBody>
+          </p:sp>
+          <mc:AlternateContent xmlns:mc="http://schemas.openxmlformats.org/markup-compatibility/2006" xmlns:a14="http://schemas.microsoft.com/office/drawing/2010/main">
+            <mc:Choice Requires="a14">
+              <p:sp>
+                <p:nvSpPr>
+                  <p:cNvPr id="20" name="TextBox 19">
+                    <a:extLst>
+                      <a:ext uri="{FF2B5EF4-FFF2-40B4-BE49-F238E27FC236}">
+                        <a16:creationId xmlns:a16="http://schemas.microsoft.com/office/drawing/2014/main" id="{168499A2-6F7B-D540-8613-C1AAFF5D0DB5}"/>
+                      </a:ext>
+                    </a:extLst>
+                  </p:cNvPr>
+                  <p:cNvSpPr txBox="1"/>
+                  <p:nvPr/>
+                </p:nvSpPr>
+                <p:spPr>
+                  <a:xfrm>
+                    <a:off x="3108007" y="5715000"/>
+                    <a:ext cx="267124" cy="419424"/>
+                  </a:xfrm>
+                  <a:prstGeom prst="rect">
+                    <a:avLst/>
+                  </a:prstGeom>
+                  <a:solidFill>
+                    <a:schemeClr val="bg1"/>
+                  </a:solidFill>
+                </p:spPr>
+                <p:txBody>
+                  <a:bodyPr wrap="square" lIns="0" tIns="0" rIns="0" bIns="0" rtlCol="0">
+                    <a:spAutoFit/>
+                  </a:bodyPr>
+                  <a:lstStyle/>
+                  <a:p>
+                    <a:pPr/>
+                    <a14:m>
+                      <m:oMathPara xmlns:m="http://schemas.openxmlformats.org/officeDocument/2006/math">
+                        <m:oMathParaPr>
+                          <m:jc m:val="centerGroup"/>
+                        </m:oMathParaPr>
+                        <m:oMath xmlns:m="http://schemas.openxmlformats.org/officeDocument/2006/math">
+                          <m:r>
+                            <a:rPr lang="en-US" b="0" i="1" smtClean="0">
+                              <a:latin typeface="Cambria Math" panose="02040503050406030204" pitchFamily="18" charset="0"/>
+                            </a:rPr>
+                            <m:t>𝑎</m:t>
+                          </m:r>
+                        </m:oMath>
+                      </m:oMathPara>
+                    </a14:m>
+                    <a:endParaRPr lang="en-US" dirty="0"/>
+                  </a:p>
+                </p:txBody>
+              </p:sp>
+            </mc:Choice>
+            <mc:Fallback xmlns="">
+              <p:sp>
+                <p:nvSpPr>
+                  <p:cNvPr id="20" name="TextBox 19">
+                    <a:extLst>
+                      <a:ext uri="{FF2B5EF4-FFF2-40B4-BE49-F238E27FC236}">
+                        <a16:creationId xmlns:a16="http://schemas.microsoft.com/office/drawing/2014/main" id="{168499A2-6F7B-D540-8613-C1AAFF5D0DB5}"/>
+                      </a:ext>
+                    </a:extLst>
+                  </p:cNvPr>
+                  <p:cNvSpPr txBox="1">
+                    <a:spLocks noRot="1" noChangeAspect="1" noMove="1" noResize="1" noEditPoints="1" noAdjustHandles="1" noChangeArrowheads="1" noChangeShapeType="1" noTextEdit="1"/>
+                  </p:cNvSpPr>
+                  <p:nvPr/>
+                </p:nvSpPr>
+                <p:spPr>
+                  <a:xfrm>
+                    <a:off x="3108007" y="5715000"/>
+                    <a:ext cx="267124" cy="419424"/>
+                  </a:xfrm>
+                  <a:prstGeom prst="rect">
+                    <a:avLst/>
+                  </a:prstGeom>
+                  <a:blipFill>
+                    <a:blip r:embed="rId6"/>
+                    <a:stretch>
+                      <a:fillRect l="-12500" r="-6250" b="-4348"/>
+                    </a:stretch>
+                  </a:blipFill>
+                </p:spPr>
+                <p:txBody>
+                  <a:bodyPr/>
+                  <a:lstStyle/>
+                  <a:p>
+                    <a:r>
+                      <a:rPr lang="en-US">
+                        <a:noFill/>
+                      </a:rPr>
+                      <a:t> </a:t>
+                    </a:r>
+                  </a:p>
+                </p:txBody>
+              </p:sp>
+            </mc:Fallback>
+          </mc:AlternateContent>
+          <mc:AlternateContent xmlns:mc="http://schemas.openxmlformats.org/markup-compatibility/2006" xmlns:a14="http://schemas.microsoft.com/office/drawing/2010/main">
+            <mc:Choice Requires="a14">
+              <p:sp>
+                <p:nvSpPr>
+                  <p:cNvPr id="21" name="TextBox 20">
+                    <a:extLst>
+                      <a:ext uri="{FF2B5EF4-FFF2-40B4-BE49-F238E27FC236}">
+                        <a16:creationId xmlns:a16="http://schemas.microsoft.com/office/drawing/2014/main" id="{ED02A0B7-75B0-B54E-B363-FBD1BA610B3D}"/>
+                      </a:ext>
+                    </a:extLst>
+                  </p:cNvPr>
+                  <p:cNvSpPr txBox="1"/>
+                  <p:nvPr/>
+                </p:nvSpPr>
+                <p:spPr>
+                  <a:xfrm>
+                    <a:off x="4762075" y="5715000"/>
+                    <a:ext cx="267124" cy="419424"/>
+                  </a:xfrm>
+                  <a:prstGeom prst="rect">
+                    <a:avLst/>
+                  </a:prstGeom>
+                  <a:solidFill>
+                    <a:schemeClr val="bg1"/>
+                  </a:solidFill>
+                </p:spPr>
+                <p:txBody>
+                  <a:bodyPr wrap="square" lIns="0" tIns="0" rIns="0" bIns="0" rtlCol="0">
+                    <a:spAutoFit/>
+                  </a:bodyPr>
+                  <a:lstStyle/>
+                  <a:p>
+                    <a:pPr/>
+                    <a14:m>
+                      <m:oMathPara xmlns:m="http://schemas.openxmlformats.org/officeDocument/2006/math">
+                        <m:oMathParaPr>
+                          <m:jc m:val="centerGroup"/>
+                        </m:oMathParaPr>
+                        <m:oMath xmlns:m="http://schemas.openxmlformats.org/officeDocument/2006/math">
+                          <m:r>
+                            <a:rPr lang="en-US" b="0" i="1" smtClean="0">
+                              <a:latin typeface="Cambria Math" panose="02040503050406030204" pitchFamily="18" charset="0"/>
+                            </a:rPr>
+                            <m:t>𝑏</m:t>
+                          </m:r>
+                        </m:oMath>
+                      </m:oMathPara>
+                    </a14:m>
+                    <a:endParaRPr lang="en-US" dirty="0"/>
+                  </a:p>
+                </p:txBody>
+              </p:sp>
+            </mc:Choice>
+            <mc:Fallback xmlns="">
+              <p:sp>
+                <p:nvSpPr>
+                  <p:cNvPr id="21" name="TextBox 20">
+                    <a:extLst>
+                      <a:ext uri="{FF2B5EF4-FFF2-40B4-BE49-F238E27FC236}">
+                        <a16:creationId xmlns:a16="http://schemas.microsoft.com/office/drawing/2014/main" id="{ED02A0B7-75B0-B54E-B363-FBD1BA610B3D}"/>
+                      </a:ext>
+                    </a:extLst>
+                  </p:cNvPr>
+                  <p:cNvSpPr txBox="1">
+                    <a:spLocks noRot="1" noChangeAspect="1" noMove="1" noResize="1" noEditPoints="1" noAdjustHandles="1" noChangeArrowheads="1" noChangeShapeType="1" noTextEdit="1"/>
+                  </p:cNvSpPr>
+                  <p:nvPr/>
+                </p:nvSpPr>
+                <p:spPr>
+                  <a:xfrm>
+                    <a:off x="4762075" y="5715000"/>
+                    <a:ext cx="267124" cy="419424"/>
+                  </a:xfrm>
+                  <a:prstGeom prst="rect">
+                    <a:avLst/>
+                  </a:prstGeom>
+                  <a:blipFill>
+                    <a:blip r:embed="rId7"/>
+                    <a:stretch>
+                      <a:fillRect l="-26667" r="-26667" b="-13043"/>
+                    </a:stretch>
+                  </a:blipFill>
+                </p:spPr>
+                <p:txBody>
+                  <a:bodyPr/>
+                  <a:lstStyle/>
+                  <a:p>
+                    <a:r>
+                      <a:rPr lang="en-US">
+                        <a:noFill/>
+                      </a:rPr>
+                      <a:t> </a:t>
+                    </a:r>
+                  </a:p>
+                </p:txBody>
+              </p:sp>
+            </mc:Fallback>
+          </mc:AlternateContent>
+          <mc:AlternateContent xmlns:mc="http://schemas.openxmlformats.org/markup-compatibility/2006" xmlns:a14="http://schemas.microsoft.com/office/drawing/2010/main">
+            <mc:Choice Requires="a14">
+              <p:sp>
+                <p:nvSpPr>
+                  <p:cNvPr id="22" name="TextBox 21">
+                    <a:extLst>
+                      <a:ext uri="{FF2B5EF4-FFF2-40B4-BE49-F238E27FC236}">
+                        <a16:creationId xmlns:a16="http://schemas.microsoft.com/office/drawing/2014/main" id="{C2D005F7-2802-484B-B39F-4714700DAE5C}"/>
+                      </a:ext>
+                    </a:extLst>
+                  </p:cNvPr>
+                  <p:cNvSpPr txBox="1"/>
+                  <p:nvPr/>
+                </p:nvSpPr>
+                <p:spPr>
+                  <a:xfrm>
+                    <a:off x="3386918" y="5057001"/>
+                    <a:ext cx="1276283" cy="279616"/>
+                  </a:xfrm>
+                  <a:prstGeom prst="rect">
+                    <a:avLst/>
+                  </a:prstGeom>
+                  <a:solidFill>
+                    <a:schemeClr val="tx2">
+                      <a:lumMod val="40000"/>
+                      <a:lumOff val="60000"/>
+                    </a:schemeClr>
+                  </a:solidFill>
+                </p:spPr>
+                <p:txBody>
+                  <a:bodyPr wrap="none" lIns="0" tIns="0" rIns="0" bIns="0" rtlCol="0">
+                    <a:spAutoFit/>
+                  </a:bodyPr>
+                  <a:lstStyle/>
+                  <a:p>
+                    <a:r>
+                      <a:rPr lang="en-US" sz="1200" b="0" dirty="0"/>
+                      <a:t>Area </a:t>
+                    </a:r>
+                    <a14:m>
+                      <m:oMath xmlns:m="http://schemas.openxmlformats.org/officeDocument/2006/math">
+                        <m:r>
+                          <a:rPr lang="en-US" sz="1200" b="0" i="1" smtClean="0">
+                            <a:latin typeface="Cambria Math" panose="02040503050406030204" pitchFamily="18" charset="0"/>
+                          </a:rPr>
+                          <m:t>=1−</m:t>
+                        </m:r>
+                        <m:r>
+                          <a:rPr lang="en-US" sz="1200" b="0" i="1" smtClean="0">
+                            <a:latin typeface="Cambria Math" panose="02040503050406030204" pitchFamily="18" charset="0"/>
+                          </a:rPr>
+                          <m:t>𝛼</m:t>
+                        </m:r>
+                      </m:oMath>
+                    </a14:m>
+                    <a:endParaRPr lang="en-US" sz="1200" dirty="0"/>
+                  </a:p>
+                </p:txBody>
+              </p:sp>
+            </mc:Choice>
+            <mc:Fallback xmlns="">
+              <p:sp>
+                <p:nvSpPr>
+                  <p:cNvPr id="22" name="TextBox 21">
+                    <a:extLst>
+                      <a:ext uri="{FF2B5EF4-FFF2-40B4-BE49-F238E27FC236}">
+                        <a16:creationId xmlns:a16="http://schemas.microsoft.com/office/drawing/2014/main" id="{C2D005F7-2802-484B-B39F-4714700DAE5C}"/>
+                      </a:ext>
+                    </a:extLst>
+                  </p:cNvPr>
+                  <p:cNvSpPr txBox="1">
+                    <a:spLocks noRot="1" noChangeAspect="1" noMove="1" noResize="1" noEditPoints="1" noAdjustHandles="1" noChangeArrowheads="1" noChangeShapeType="1" noTextEdit="1"/>
+                  </p:cNvSpPr>
+                  <p:nvPr/>
+                </p:nvSpPr>
+                <p:spPr>
+                  <a:xfrm>
+                    <a:off x="3386918" y="5057001"/>
+                    <a:ext cx="1276283" cy="279616"/>
+                  </a:xfrm>
+                  <a:prstGeom prst="rect">
+                    <a:avLst/>
+                  </a:prstGeom>
+                  <a:blipFill>
+                    <a:blip r:embed="rId8"/>
+                    <a:stretch>
+                      <a:fillRect l="-8451" t="-18750" r="-2817" b="-43750"/>
+                    </a:stretch>
+                  </a:blipFill>
+                </p:spPr>
+                <p:txBody>
+                  <a:bodyPr/>
+                  <a:lstStyle/>
+                  <a:p>
+                    <a:r>
+                      <a:rPr lang="en-US">
+                        <a:noFill/>
+                      </a:rPr>
+                      <a:t> </a:t>
+                    </a:r>
+                  </a:p>
+                </p:txBody>
+              </p:sp>
+            </mc:Fallback>
+          </mc:AlternateContent>
+        </p:grpSp>
+        <mc:AlternateContent xmlns:mc="http://schemas.openxmlformats.org/markup-compatibility/2006" xmlns:a14="http://schemas.microsoft.com/office/drawing/2010/main">
+          <mc:Choice Requires="a14">
+            <p:sp>
+              <p:nvSpPr>
+                <p:cNvPr id="13" name="TextBox 12">
+                  <a:extLst>
+                    <a:ext uri="{FF2B5EF4-FFF2-40B4-BE49-F238E27FC236}">
+                      <a16:creationId xmlns:a16="http://schemas.microsoft.com/office/drawing/2014/main" id="{26E09CCA-EA04-B847-9C56-2DFA900DEAEE}"/>
+                    </a:ext>
+                  </a:extLst>
+                </p:cNvPr>
+                <p:cNvSpPr txBox="1"/>
+                <p:nvPr/>
+              </p:nvSpPr>
+              <p:spPr>
+                <a:xfrm>
+                  <a:off x="3235594" y="4117245"/>
+                  <a:ext cx="1674421" cy="388550"/>
+                </a:xfrm>
+                <a:prstGeom prst="rect">
+                  <a:avLst/>
+                </a:prstGeom>
+                <a:solidFill>
+                  <a:schemeClr val="bg1"/>
+                </a:solidFill>
+              </p:spPr>
+              <p:txBody>
+                <a:bodyPr wrap="none" lIns="0" tIns="0" rIns="0" bIns="0" rtlCol="0">
+                  <a:spAutoFit/>
+                </a:bodyPr>
+                <a:lstStyle/>
+                <a:p>
+                  <a14:m>
+                    <m:oMath xmlns:m="http://schemas.openxmlformats.org/officeDocument/2006/math">
+                      <m:acc>
+                        <m:accPr>
+                          <m:chr m:val="̂"/>
+                          <m:ctrlPr>
+                            <a:rPr lang="en-US" sz="1600" b="0" i="1" smtClean="0">
+                              <a:latin typeface="Cambria Math" panose="02040503050406030204" pitchFamily="18" charset="0"/>
+                            </a:rPr>
+                          </m:ctrlPr>
+                        </m:accPr>
+                        <m:e>
+                          <m:r>
+                            <a:rPr lang="en-US" sz="1600" b="0" i="1" smtClean="0">
+                              <a:latin typeface="Cambria Math" panose="02040503050406030204" pitchFamily="18" charset="0"/>
+                            </a:rPr>
+                            <m:t>𝜃</m:t>
+                          </m:r>
+                        </m:e>
+                      </m:acc>
+                    </m:oMath>
+                  </a14:m>
+                  <a:r>
+                    <a:rPr lang="en-US" sz="1600" dirty="0"/>
+                    <a:t> distribution</a:t>
+                  </a:r>
+                </a:p>
+              </p:txBody>
+            </p:sp>
+          </mc:Choice>
+          <mc:Fallback xmlns="">
+            <p:sp>
+              <p:nvSpPr>
+                <p:cNvPr id="13" name="TextBox 12">
+                  <a:extLst>
+                    <a:ext uri="{FF2B5EF4-FFF2-40B4-BE49-F238E27FC236}">
+                      <a16:creationId xmlns:a16="http://schemas.microsoft.com/office/drawing/2014/main" id="{26E09CCA-EA04-B847-9C56-2DFA900DEAEE}"/>
+                    </a:ext>
+                  </a:extLst>
+                </p:cNvPr>
+                <p:cNvSpPr txBox="1">
+                  <a:spLocks noRot="1" noChangeAspect="1" noMove="1" noResize="1" noEditPoints="1" noAdjustHandles="1" noChangeArrowheads="1" noChangeShapeType="1" noTextEdit="1"/>
+                </p:cNvSpPr>
+                <p:nvPr/>
+              </p:nvSpPr>
+              <p:spPr>
+                <a:xfrm>
+                  <a:off x="3235594" y="4117245"/>
+                  <a:ext cx="1674421" cy="388550"/>
+                </a:xfrm>
+                <a:prstGeom prst="rect">
+                  <a:avLst/>
+                </a:prstGeom>
+                <a:blipFill>
+                  <a:blip r:embed="rId9"/>
+                  <a:stretch>
+                    <a:fillRect l="-6452" t="-19048" r="-8602" b="-42857"/>
+                  </a:stretch>
+                </a:blipFill>
+              </p:spPr>
+              <p:txBody>
+                <a:bodyPr/>
+                <a:lstStyle/>
+                <a:p>
+                  <a:r>
+                    <a:rPr lang="en-US">
+                      <a:noFill/>
+                    </a:rPr>
+                    <a:t> </a:t>
+                  </a:r>
+                </a:p>
+              </p:txBody>
+            </p:sp>
+          </mc:Fallback>
+        </mc:AlternateContent>
+        <mc:AlternateContent xmlns:mc="http://schemas.openxmlformats.org/markup-compatibility/2006" xmlns:a14="http://schemas.microsoft.com/office/drawing/2010/main">
+          <mc:Choice Requires="a14">
+            <p:sp>
+              <p:nvSpPr>
+                <p:cNvPr id="14" name="TextBox 13">
+                  <a:extLst>
+                    <a:ext uri="{FF2B5EF4-FFF2-40B4-BE49-F238E27FC236}">
+                      <a16:creationId xmlns:a16="http://schemas.microsoft.com/office/drawing/2014/main" id="{6F8C23BF-4376-A644-9E08-19ED35EAE3FB}"/>
+                    </a:ext>
+                  </a:extLst>
+                </p:cNvPr>
+                <p:cNvSpPr txBox="1"/>
+                <p:nvPr/>
+              </p:nvSpPr>
+              <p:spPr>
+                <a:xfrm>
+                  <a:off x="3938832" y="5231161"/>
+                  <a:ext cx="821518" cy="408550"/>
+                </a:xfrm>
+                <a:prstGeom prst="rect">
+                  <a:avLst/>
+                </a:prstGeom>
+                <a:noFill/>
+              </p:spPr>
+              <p:txBody>
+                <a:bodyPr wrap="none" lIns="0" tIns="0" rIns="0" bIns="0" rtlCol="0">
+                  <a:spAutoFit/>
+                </a:bodyPr>
+                <a:lstStyle/>
+                <a:p>
+                  <a:r>
+                    <a:rPr lang="en-US" sz="1200" b="0" dirty="0"/>
+                    <a:t>Area = </a:t>
+                  </a:r>
+                  <a14:m>
+                    <m:oMath xmlns:m="http://schemas.openxmlformats.org/officeDocument/2006/math">
+                      <m:f>
+                        <m:fPr>
+                          <m:ctrlPr>
+                            <a:rPr lang="en-US" sz="1200" b="0" i="1" smtClean="0">
+                              <a:latin typeface="Cambria Math" panose="02040503050406030204" pitchFamily="18" charset="0"/>
+                            </a:rPr>
+                          </m:ctrlPr>
+                        </m:fPr>
+                        <m:num>
+                          <m:r>
+                            <a:rPr lang="en-US" sz="1200" b="0" i="1" smtClean="0">
+                              <a:latin typeface="Cambria Math" panose="02040503050406030204" pitchFamily="18" charset="0"/>
+                            </a:rPr>
+                            <m:t>𝜃</m:t>
+                          </m:r>
+                        </m:num>
+                        <m:den>
+                          <m:r>
+                            <a:rPr lang="en-US" sz="1200" b="0" i="1" smtClean="0">
+                              <a:latin typeface="Cambria Math" panose="02040503050406030204" pitchFamily="18" charset="0"/>
+                            </a:rPr>
+                            <m:t>2</m:t>
+                          </m:r>
+                        </m:den>
+                      </m:f>
+                    </m:oMath>
+                  </a14:m>
+                  <a:endParaRPr lang="en-US" sz="1200" dirty="0"/>
+                </a:p>
+              </p:txBody>
+            </p:sp>
+          </mc:Choice>
+          <mc:Fallback xmlns="">
+            <p:sp>
+              <p:nvSpPr>
+                <p:cNvPr id="14" name="TextBox 13">
+                  <a:extLst>
+                    <a:ext uri="{FF2B5EF4-FFF2-40B4-BE49-F238E27FC236}">
+                      <a16:creationId xmlns:a16="http://schemas.microsoft.com/office/drawing/2014/main" id="{6F8C23BF-4376-A644-9E08-19ED35EAE3FB}"/>
+                    </a:ext>
+                  </a:extLst>
+                </p:cNvPr>
+                <p:cNvSpPr txBox="1">
+                  <a:spLocks noRot="1" noChangeAspect="1" noMove="1" noResize="1" noEditPoints="1" noAdjustHandles="1" noChangeArrowheads="1" noChangeShapeType="1" noTextEdit="1"/>
+                </p:cNvSpPr>
+                <p:nvPr/>
+              </p:nvSpPr>
+              <p:spPr>
+                <a:xfrm>
+                  <a:off x="3938832" y="5231161"/>
+                  <a:ext cx="821518" cy="408550"/>
+                </a:xfrm>
+                <a:prstGeom prst="rect">
+                  <a:avLst/>
+                </a:prstGeom>
+                <a:blipFill>
+                  <a:blip r:embed="rId10"/>
+                  <a:stretch>
+                    <a:fillRect l="-12766" r="-4255" b="-18182"/>
+                  </a:stretch>
+                </a:blipFill>
+              </p:spPr>
+              <p:txBody>
+                <a:bodyPr/>
+                <a:lstStyle/>
+                <a:p>
+                  <a:r>
+                    <a:rPr lang="en-US">
+                      <a:noFill/>
+                    </a:rPr>
+                    <a:t> </a:t>
+                  </a:r>
+                </a:p>
+              </p:txBody>
+            </p:sp>
+          </mc:Fallback>
+        </mc:AlternateContent>
+        <mc:AlternateContent xmlns:mc="http://schemas.openxmlformats.org/markup-compatibility/2006" xmlns:a14="http://schemas.microsoft.com/office/drawing/2010/main">
+          <mc:Choice Requires="a14">
+            <p:sp>
+              <p:nvSpPr>
+                <p:cNvPr id="15" name="TextBox 14">
+                  <a:extLst>
+                    <a:ext uri="{FF2B5EF4-FFF2-40B4-BE49-F238E27FC236}">
+                      <a16:creationId xmlns:a16="http://schemas.microsoft.com/office/drawing/2014/main" id="{FABE7394-AD65-BF4F-9A26-3A4548DF83BD}"/>
+                    </a:ext>
+                  </a:extLst>
+                </p:cNvPr>
+                <p:cNvSpPr txBox="1"/>
+                <p:nvPr/>
+              </p:nvSpPr>
+              <p:spPr>
+                <a:xfrm>
+                  <a:off x="695086" y="5205458"/>
+                  <a:ext cx="821518" cy="408550"/>
+                </a:xfrm>
+                <a:prstGeom prst="rect">
+                  <a:avLst/>
+                </a:prstGeom>
+                <a:noFill/>
+              </p:spPr>
+              <p:txBody>
+                <a:bodyPr wrap="none" lIns="0" tIns="0" rIns="0" bIns="0" rtlCol="0">
+                  <a:spAutoFit/>
+                </a:bodyPr>
+                <a:lstStyle/>
+                <a:p>
+                  <a:r>
+                    <a:rPr lang="en-US" sz="1200" b="0" dirty="0"/>
+                    <a:t>Area = </a:t>
+                  </a:r>
+                  <a14:m>
+                    <m:oMath xmlns:m="http://schemas.openxmlformats.org/officeDocument/2006/math">
+                      <m:f>
+                        <m:fPr>
+                          <m:ctrlPr>
+                            <a:rPr lang="en-US" sz="1200" b="0" i="1" smtClean="0">
+                              <a:latin typeface="Cambria Math" panose="02040503050406030204" pitchFamily="18" charset="0"/>
+                            </a:rPr>
+                          </m:ctrlPr>
+                        </m:fPr>
+                        <m:num>
+                          <m:r>
+                            <a:rPr lang="en-US" sz="1200" b="0" i="1" smtClean="0">
+                              <a:latin typeface="Cambria Math" panose="02040503050406030204" pitchFamily="18" charset="0"/>
+                            </a:rPr>
+                            <m:t>𝜃</m:t>
+                          </m:r>
+                        </m:num>
+                        <m:den>
+                          <m:r>
+                            <a:rPr lang="en-US" sz="1200" b="0" i="1" smtClean="0">
+                              <a:latin typeface="Cambria Math" panose="02040503050406030204" pitchFamily="18" charset="0"/>
+                            </a:rPr>
+                            <m:t>2</m:t>
+                          </m:r>
+                        </m:den>
+                      </m:f>
+                    </m:oMath>
+                  </a14:m>
+                  <a:endParaRPr lang="en-US" sz="1200" dirty="0"/>
+                </a:p>
+              </p:txBody>
+            </p:sp>
+          </mc:Choice>
+          <mc:Fallback xmlns="">
+            <p:sp>
+              <p:nvSpPr>
+                <p:cNvPr id="15" name="TextBox 14">
+                  <a:extLst>
+                    <a:ext uri="{FF2B5EF4-FFF2-40B4-BE49-F238E27FC236}">
+                      <a16:creationId xmlns:a16="http://schemas.microsoft.com/office/drawing/2014/main" id="{FABE7394-AD65-BF4F-9A26-3A4548DF83BD}"/>
+                    </a:ext>
+                  </a:extLst>
+                </p:cNvPr>
+                <p:cNvSpPr txBox="1">
+                  <a:spLocks noRot="1" noChangeAspect="1" noMove="1" noResize="1" noEditPoints="1" noAdjustHandles="1" noChangeArrowheads="1" noChangeShapeType="1" noTextEdit="1"/>
+                </p:cNvSpPr>
+                <p:nvPr/>
+              </p:nvSpPr>
+              <p:spPr>
+                <a:xfrm>
+                  <a:off x="695086" y="5205458"/>
+                  <a:ext cx="821518" cy="408550"/>
+                </a:xfrm>
+                <a:prstGeom prst="rect">
+                  <a:avLst/>
+                </a:prstGeom>
+                <a:blipFill>
+                  <a:blip r:embed="rId11"/>
+                  <a:stretch>
+                    <a:fillRect l="-17778" r="-4444" b="-18182"/>
+                  </a:stretch>
+                </a:blipFill>
+              </p:spPr>
+              <p:txBody>
+                <a:bodyPr/>
+                <a:lstStyle/>
+                <a:p>
+                  <a:r>
+                    <a:rPr lang="en-US">
+                      <a:noFill/>
+                    </a:rPr>
+                    <a:t> </a:t>
+                  </a:r>
+                </a:p>
+              </p:txBody>
+            </p:sp>
+          </mc:Fallback>
+        </mc:AlternateContent>
+      </p:grpSp>
+    </p:spTree>
+    <p:extLst>
+      <p:ext uri="{BB962C8B-B14F-4D97-AF65-F5344CB8AC3E}">
+        <p14:creationId xmlns:p14="http://schemas.microsoft.com/office/powerpoint/2010/main" val="342624097"/>
       </p:ext>
     </p:extLst>
   </p:cSld>
